--- a/4. MotivationPlots/powerpoints/PoI framework.pptx
+++ b/4. MotivationPlots/powerpoints/PoI framework.pptx
@@ -262,7 +262,7 @@
             <a:fld id="{084287E8-CB68-4034-9C63-9DFF91FAFCD3}" type="datetimeFigureOut">
               <a:rPr lang="en-IN" smtClean="0"/>
               <a:pPr/>
-              <a:t>22-02-2021</a:t>
+              <a:t>03-03-2021</a:t>
             </a:fld>
             <a:endParaRPr lang="en-IN"/>
           </a:p>
@@ -464,7 +464,7 @@
             <a:fld id="{084287E8-CB68-4034-9C63-9DFF91FAFCD3}" type="datetimeFigureOut">
               <a:rPr lang="en-IN" smtClean="0"/>
               <a:pPr/>
-              <a:t>22-02-2021</a:t>
+              <a:t>03-03-2021</a:t>
             </a:fld>
             <a:endParaRPr lang="en-IN"/>
           </a:p>
@@ -676,7 +676,7 @@
             <a:fld id="{084287E8-CB68-4034-9C63-9DFF91FAFCD3}" type="datetimeFigureOut">
               <a:rPr lang="en-IN" smtClean="0"/>
               <a:pPr/>
-              <a:t>22-02-2021</a:t>
+              <a:t>03-03-2021</a:t>
             </a:fld>
             <a:endParaRPr lang="en-IN"/>
           </a:p>
@@ -878,7 +878,7 @@
             <a:fld id="{084287E8-CB68-4034-9C63-9DFF91FAFCD3}" type="datetimeFigureOut">
               <a:rPr lang="en-IN" smtClean="0"/>
               <a:pPr/>
-              <a:t>22-02-2021</a:t>
+              <a:t>03-03-2021</a:t>
             </a:fld>
             <a:endParaRPr lang="en-IN"/>
           </a:p>
@@ -1156,7 +1156,7 @@
             <a:fld id="{084287E8-CB68-4034-9C63-9DFF91FAFCD3}" type="datetimeFigureOut">
               <a:rPr lang="en-IN" smtClean="0"/>
               <a:pPr/>
-              <a:t>22-02-2021</a:t>
+              <a:t>03-03-2021</a:t>
             </a:fld>
             <a:endParaRPr lang="en-IN"/>
           </a:p>
@@ -1426,7 +1426,7 @@
             <a:fld id="{084287E8-CB68-4034-9C63-9DFF91FAFCD3}" type="datetimeFigureOut">
               <a:rPr lang="en-IN" smtClean="0"/>
               <a:pPr/>
-              <a:t>22-02-2021</a:t>
+              <a:t>03-03-2021</a:t>
             </a:fld>
             <a:endParaRPr lang="en-IN"/>
           </a:p>
@@ -1843,7 +1843,7 @@
             <a:fld id="{084287E8-CB68-4034-9C63-9DFF91FAFCD3}" type="datetimeFigureOut">
               <a:rPr lang="en-IN" smtClean="0"/>
               <a:pPr/>
-              <a:t>22-02-2021</a:t>
+              <a:t>03-03-2021</a:t>
             </a:fld>
             <a:endParaRPr lang="en-IN"/>
           </a:p>
@@ -1987,7 +1987,7 @@
             <a:fld id="{084287E8-CB68-4034-9C63-9DFF91FAFCD3}" type="datetimeFigureOut">
               <a:rPr lang="en-IN" smtClean="0"/>
               <a:pPr/>
-              <a:t>22-02-2021</a:t>
+              <a:t>03-03-2021</a:t>
             </a:fld>
             <a:endParaRPr lang="en-IN"/>
           </a:p>
@@ -2102,7 +2102,7 @@
             <a:fld id="{084287E8-CB68-4034-9C63-9DFF91FAFCD3}" type="datetimeFigureOut">
               <a:rPr lang="en-IN" smtClean="0"/>
               <a:pPr/>
-              <a:t>22-02-2021</a:t>
+              <a:t>03-03-2021</a:t>
             </a:fld>
             <a:endParaRPr lang="en-IN"/>
           </a:p>
@@ -2417,7 +2417,7 @@
             <a:fld id="{084287E8-CB68-4034-9C63-9DFF91FAFCD3}" type="datetimeFigureOut">
               <a:rPr lang="en-IN" smtClean="0"/>
               <a:pPr/>
-              <a:t>22-02-2021</a:t>
+              <a:t>03-03-2021</a:t>
             </a:fld>
             <a:endParaRPr lang="en-IN"/>
           </a:p>
@@ -2708,7 +2708,7 @@
             <a:fld id="{084287E8-CB68-4034-9C63-9DFF91FAFCD3}" type="datetimeFigureOut">
               <a:rPr lang="en-IN" smtClean="0"/>
               <a:pPr/>
-              <a:t>22-02-2021</a:t>
+              <a:t>03-03-2021</a:t>
             </a:fld>
             <a:endParaRPr lang="en-IN"/>
           </a:p>
@@ -2953,7 +2953,7 @@
             <a:fld id="{084287E8-CB68-4034-9C63-9DFF91FAFCD3}" type="datetimeFigureOut">
               <a:rPr lang="en-IN" smtClean="0"/>
               <a:pPr/>
-              <a:t>22-02-2021</a:t>
+              <a:t>03-03-2021</a:t>
             </a:fld>
             <a:endParaRPr lang="en-IN"/>
           </a:p>
@@ -3570,8 +3570,8 @@
           </p:nvSpPr>
           <p:spPr>
             <a:xfrm rot="16200000">
-              <a:off x="737902" y="1799474"/>
-              <a:ext cx="1416908" cy="297962"/>
+              <a:off x="500059" y="1630991"/>
+              <a:ext cx="1892597" cy="288147"/>
             </a:xfrm>
             <a:prstGeom prst="rect">
               <a:avLst/>
@@ -3586,12 +3586,9 @@
             <a:p>
               <a:r>
                 <a:rPr lang="en-IN" sz="1400" b="1" dirty="0" smtClean="0"/>
-                <a:t>PoI </a:t>
+                <a:t>Stay-location Inference</a:t>
               </a:r>
-              <a:r>
-                <a:rPr lang="en-IN" sz="1400" b="1" dirty="0"/>
-                <a:t>Inferencing</a:t>
-              </a:r>
+              <a:endParaRPr lang="en-IN" sz="1400" b="1" dirty="0"/>
             </a:p>
           </p:txBody>
         </p:sp>
@@ -4243,7 +4240,7 @@
                 <a:pPr algn="ctr"/>
                 <a:r>
                   <a:rPr lang="en-IN" sz="1400" b="1" dirty="0" smtClean="0"/>
-                  <a:t>PoI </a:t>
+                  <a:t>Stay-location </a:t>
                 </a:r>
                 <a:r>
                   <a:rPr lang="en-IN" sz="1400" b="1" dirty="0"/>
@@ -4251,11 +4248,7 @@
                 </a:r>
                 <a:r>
                   <a:rPr lang="en-IN" sz="1400" b="1" dirty="0" smtClean="0"/>
-                  <a:t>agging </a:t>
-                </a:r>
-                <a:r>
-                  <a:rPr lang="en-IN" sz="1400" b="1" dirty="0" smtClean="0"/>
-                  <a:t>Data</a:t>
+                  <a:t>agging Data</a:t>
                 </a:r>
                 <a:endParaRPr lang="en-IN" sz="1400" b="1" dirty="0"/>
               </a:p>
@@ -5032,69 +5025,6 @@
                   </a:p>
                 </p:txBody>
               </p:sp>
-              <p:sp>
-                <p:nvSpPr>
-                  <p:cNvPr id="40" name="Rectangle: Diagonal Corners Rounded 39">
-                    <a:extLst>
-                      <a:ext uri="{FF2B5EF4-FFF2-40B4-BE49-F238E27FC236}">
-                        <a16:creationId xmlns="" xmlns:a16="http://schemas.microsoft.com/office/drawing/2014/main" id="{23C1494D-646B-4ABE-A191-825696EDAAAF}"/>
-                      </a:ext>
-                    </a:extLst>
-                  </p:cNvPr>
-                  <p:cNvSpPr/>
-                  <p:nvPr/>
-                </p:nvSpPr>
-                <p:spPr>
-                  <a:xfrm>
-                    <a:off x="7980883" y="1288841"/>
-                    <a:ext cx="1084938" cy="1504202"/>
-                  </a:xfrm>
-                  <a:prstGeom prst="round2DiagRect">
-                    <a:avLst/>
-                  </a:prstGeom>
-                  <a:solidFill>
-                    <a:schemeClr val="accent2">
-                      <a:lumMod val="20000"/>
-                      <a:lumOff val="80000"/>
-                    </a:schemeClr>
-                  </a:solidFill>
-                  <a:ln w="19050"/>
-                </p:spPr>
-                <p:style>
-                  <a:lnRef idx="1">
-                    <a:schemeClr val="accent5"/>
-                  </a:lnRef>
-                  <a:fillRef idx="2">
-                    <a:schemeClr val="accent5"/>
-                  </a:fillRef>
-                  <a:effectRef idx="1">
-                    <a:schemeClr val="accent5"/>
-                  </a:effectRef>
-                  <a:fontRef idx="minor">
-                    <a:schemeClr val="dk1"/>
-                  </a:fontRef>
-                </p:style>
-                <p:txBody>
-                  <a:bodyPr lIns="36000" tIns="36000" rIns="36000" bIns="36000" rtlCol="0" anchor="ctr" anchorCtr="0"/>
-                  <a:lstStyle/>
-                  <a:p>
-                    <a:pPr algn="ctr"/>
-                    <a:r>
-                      <a:rPr lang="en-IN" sz="1400" b="1" dirty="0" smtClean="0"/>
-                      <a:t>PoI </a:t>
-                    </a:r>
-                    <a:r>
-                      <a:rPr lang="en-IN" sz="1400" b="1" dirty="0"/>
-                      <a:t>I</a:t>
-                    </a:r>
-                    <a:r>
-                      <a:rPr lang="en-IN" sz="1400" b="1" dirty="0" smtClean="0"/>
-                      <a:t>nference</a:t>
-                    </a:r>
-                    <a:endParaRPr lang="en-IN" sz="1400" b="1" dirty="0"/>
-                  </a:p>
-                </p:txBody>
-              </p:sp>
               <p:cxnSp>
                 <p:nvCxnSpPr>
                   <p:cNvPr id="55" name="Connector: Elbow 54">
@@ -5147,6 +5077,61 @@
                   </a:fontRef>
                 </p:style>
               </p:cxnSp>
+              <p:sp>
+                <p:nvSpPr>
+                  <p:cNvPr id="40" name="Rectangle: Diagonal Corners Rounded 39">
+                    <a:extLst>
+                      <a:ext uri="{FF2B5EF4-FFF2-40B4-BE49-F238E27FC236}">
+                        <a16:creationId xmlns="" xmlns:a16="http://schemas.microsoft.com/office/drawing/2014/main" id="{23C1494D-646B-4ABE-A191-825696EDAAAF}"/>
+                      </a:ext>
+                    </a:extLst>
+                  </p:cNvPr>
+                  <p:cNvSpPr/>
+                  <p:nvPr/>
+                </p:nvSpPr>
+                <p:spPr>
+                  <a:xfrm>
+                    <a:off x="7980883" y="1288841"/>
+                    <a:ext cx="1084938" cy="1504202"/>
+                  </a:xfrm>
+                  <a:prstGeom prst="round2DiagRect">
+                    <a:avLst/>
+                  </a:prstGeom>
+                  <a:solidFill>
+                    <a:schemeClr val="accent2">
+                      <a:lumMod val="20000"/>
+                      <a:lumOff val="80000"/>
+                    </a:schemeClr>
+                  </a:solidFill>
+                  <a:ln w="19050"/>
+                </p:spPr>
+                <p:style>
+                  <a:lnRef idx="1">
+                    <a:schemeClr val="accent5"/>
+                  </a:lnRef>
+                  <a:fillRef idx="2">
+                    <a:schemeClr val="accent5"/>
+                  </a:fillRef>
+                  <a:effectRef idx="1">
+                    <a:schemeClr val="accent5"/>
+                  </a:effectRef>
+                  <a:fontRef idx="minor">
+                    <a:schemeClr val="dk1"/>
+                  </a:fontRef>
+                </p:style>
+                <p:txBody>
+                  <a:bodyPr lIns="36000" tIns="36000" rIns="36000" bIns="36000" rtlCol="0" anchor="ctr" anchorCtr="0"/>
+                  <a:lstStyle/>
+                  <a:p>
+                    <a:pPr algn="ctr"/>
+                    <a:r>
+                      <a:rPr lang="en-IN" sz="1400" b="1" dirty="0" smtClean="0"/>
+                      <a:t>Inference</a:t>
+                    </a:r>
+                    <a:endParaRPr lang="en-IN" sz="1400" b="1" dirty="0"/>
+                  </a:p>
+                </p:txBody>
+              </p:sp>
             </p:grpSp>
             <p:sp>
               <p:nvSpPr>
@@ -5487,8 +5472,8 @@
           </p:nvSpPr>
           <p:spPr>
             <a:xfrm>
-              <a:off x="8265367" y="2416601"/>
-              <a:ext cx="1000920" cy="300996"/>
+              <a:off x="8236792" y="2416601"/>
+              <a:ext cx="1035923" cy="300996"/>
             </a:xfrm>
             <a:prstGeom prst="rect">
               <a:avLst/>
@@ -5515,7 +5500,7 @@
               <a:pPr algn="ctr"/>
               <a:r>
                 <a:rPr lang="en-IN" sz="1400" b="1" dirty="0" smtClean="0"/>
-                <a:t>PoI</a:t>
+                <a:t>Stay-location</a:t>
               </a:r>
               <a:endParaRPr lang="en-IN" sz="1400" b="1" dirty="0"/>
             </a:p>
@@ -5726,20 +5711,8 @@
                 <a:p>
                   <a:pPr algn="ctr"/>
                   <a:r>
-                    <a:rPr lang="en-IN" sz="1400" b="1" dirty="0"/>
-                    <a:t>Five </a:t>
-                  </a:r>
-                  <a:r>
                     <a:rPr lang="en-IN" sz="1400" b="1" dirty="0" smtClean="0"/>
-                    <a:t>PoI </a:t>
-                  </a:r>
-                  <a:r>
-                    <a:rPr lang="en-IN" sz="1400" b="1" dirty="0"/>
-                    <a:t>L</a:t>
-                  </a:r>
-                  <a:r>
-                    <a:rPr lang="en-IN" sz="1400" b="1" dirty="0" smtClean="0"/>
-                    <a:t>abels</a:t>
+                    <a:t>Stay-location Labels</a:t>
                   </a:r>
                   <a:endParaRPr lang="en-IN" sz="1400" b="1" dirty="0"/>
                 </a:p>
@@ -6992,16 +6965,13 @@
                 </a:ext>
               </a:extLst>
             </p:cNvPr>
-            <p:cNvCxnSpPr>
-              <a:stCxn id="5" idx="3"/>
-              <a:endCxn id="135" idx="1"/>
-            </p:cNvCxnSpPr>
+            <p:cNvCxnSpPr/>
             <p:nvPr/>
           </p:nvCxnSpPr>
           <p:spPr>
             <a:xfrm flipV="1">
-              <a:off x="8172050" y="1846114"/>
-              <a:ext cx="86818" cy="7531"/>
+              <a:off x="8053515" y="1808014"/>
+              <a:ext cx="272028" cy="7145"/>
             </a:xfrm>
             <a:prstGeom prst="straightConnector1">
               <a:avLst/>
@@ -7046,7 +7016,7 @@
           </p:nvSpPr>
           <p:spPr>
             <a:xfrm>
-              <a:off x="8120445" y="464426"/>
+              <a:off x="8162977" y="464426"/>
               <a:ext cx="1123440" cy="297962"/>
             </a:xfrm>
             <a:prstGeom prst="rect">

--- a/4. MotivationPlots/powerpoints/PoI framework.pptx
+++ b/4. MotivationPlots/powerpoints/PoI framework.pptx
@@ -106,7 +106,7 @@
   </p:defaultTextStyle>
   <p:extLst>
     <p:ext uri="{EFAFB233-063F-42B5-8137-9DF3F51BA10A}">
-      <p15:sldGuideLst xmlns="" xmlns:p15="http://schemas.microsoft.com/office/powerpoint/2012/main"/>
+      <p15:sldGuideLst xmlns:p15="http://schemas.microsoft.com/office/powerpoint/2012/main" xmlns=""/>
     </p:ext>
   </p:extLst>
 </p:presentation>
@@ -134,7 +134,7 @@
           <p:cNvPr id="2" name="Title 1">
             <a:extLst>
               <a:ext uri="{FF2B5EF4-FFF2-40B4-BE49-F238E27FC236}">
-                <a16:creationId xmlns="" xmlns:a16="http://schemas.microsoft.com/office/drawing/2014/main" id="{94BA3196-B682-452E-B1DF-0105FD410016}"/>
+                <a16:creationId xmlns:a16="http://schemas.microsoft.com/office/drawing/2014/main" xmlns="" id="{94BA3196-B682-452E-B1DF-0105FD410016}"/>
               </a:ext>
             </a:extLst>
           </p:cNvPr>
@@ -172,7 +172,7 @@
           <p:cNvPr id="3" name="Subtitle 2">
             <a:extLst>
               <a:ext uri="{FF2B5EF4-FFF2-40B4-BE49-F238E27FC236}">
-                <a16:creationId xmlns="" xmlns:a16="http://schemas.microsoft.com/office/drawing/2014/main" id="{E037CB27-44CE-4037-9155-61BB48F0CC10}"/>
+                <a16:creationId xmlns:a16="http://schemas.microsoft.com/office/drawing/2014/main" xmlns="" id="{E037CB27-44CE-4037-9155-61BB48F0CC10}"/>
               </a:ext>
             </a:extLst>
           </p:cNvPr>
@@ -243,7 +243,7 @@
           <p:cNvPr id="4" name="Date Placeholder 3">
             <a:extLst>
               <a:ext uri="{FF2B5EF4-FFF2-40B4-BE49-F238E27FC236}">
-                <a16:creationId xmlns="" xmlns:a16="http://schemas.microsoft.com/office/drawing/2014/main" id="{26EFA449-81E2-4F79-B302-16BABB997DAE}"/>
+                <a16:creationId xmlns:a16="http://schemas.microsoft.com/office/drawing/2014/main" xmlns="" id="{26EFA449-81E2-4F79-B302-16BABB997DAE}"/>
               </a:ext>
             </a:extLst>
           </p:cNvPr>
@@ -262,7 +262,7 @@
             <a:fld id="{084287E8-CB68-4034-9C63-9DFF91FAFCD3}" type="datetimeFigureOut">
               <a:rPr lang="en-IN" smtClean="0"/>
               <a:pPr/>
-              <a:t>03-03-2021</a:t>
+              <a:t>25-12-2021</a:t>
             </a:fld>
             <a:endParaRPr lang="en-IN"/>
           </a:p>
@@ -273,7 +273,7 @@
           <p:cNvPr id="5" name="Footer Placeholder 4">
             <a:extLst>
               <a:ext uri="{FF2B5EF4-FFF2-40B4-BE49-F238E27FC236}">
-                <a16:creationId xmlns="" xmlns:a16="http://schemas.microsoft.com/office/drawing/2014/main" id="{35FF7BFE-34B6-4118-94FD-110221A21440}"/>
+                <a16:creationId xmlns:a16="http://schemas.microsoft.com/office/drawing/2014/main" xmlns="" id="{35FF7BFE-34B6-4118-94FD-110221A21440}"/>
               </a:ext>
             </a:extLst>
           </p:cNvPr>
@@ -298,7 +298,7 @@
           <p:cNvPr id="6" name="Slide Number Placeholder 5">
             <a:extLst>
               <a:ext uri="{FF2B5EF4-FFF2-40B4-BE49-F238E27FC236}">
-                <a16:creationId xmlns="" xmlns:a16="http://schemas.microsoft.com/office/drawing/2014/main" id="{816DF220-F000-46B9-A149-6C0DB58B120A}"/>
+                <a16:creationId xmlns:a16="http://schemas.microsoft.com/office/drawing/2014/main" xmlns="" id="{816DF220-F000-46B9-A149-6C0DB58B120A}"/>
               </a:ext>
             </a:extLst>
           </p:cNvPr>
@@ -326,7 +326,7 @@
     </p:spTree>
     <p:extLst>
       <p:ext uri="{BB962C8B-B14F-4D97-AF65-F5344CB8AC3E}">
-        <p14:creationId xmlns="" xmlns:p14="http://schemas.microsoft.com/office/powerpoint/2010/main" val="615410248"/>
+        <p14:creationId xmlns:p14="http://schemas.microsoft.com/office/powerpoint/2010/main" xmlns="" val="615410248"/>
       </p:ext>
     </p:extLst>
   </p:cSld>
@@ -358,7 +358,7 @@
           <p:cNvPr id="2" name="Title 1">
             <a:extLst>
               <a:ext uri="{FF2B5EF4-FFF2-40B4-BE49-F238E27FC236}">
-                <a16:creationId xmlns="" xmlns:a16="http://schemas.microsoft.com/office/drawing/2014/main" id="{62D60BC6-A745-457E-9B71-A1C10EAA83D6}"/>
+                <a16:creationId xmlns:a16="http://schemas.microsoft.com/office/drawing/2014/main" xmlns="" id="{62D60BC6-A745-457E-9B71-A1C10EAA83D6}"/>
               </a:ext>
             </a:extLst>
           </p:cNvPr>
@@ -387,7 +387,7 @@
           <p:cNvPr id="3" name="Vertical Text Placeholder 2">
             <a:extLst>
               <a:ext uri="{FF2B5EF4-FFF2-40B4-BE49-F238E27FC236}">
-                <a16:creationId xmlns="" xmlns:a16="http://schemas.microsoft.com/office/drawing/2014/main" id="{2DB90285-34AF-4966-8312-04B80B58CEA7}"/>
+                <a16:creationId xmlns:a16="http://schemas.microsoft.com/office/drawing/2014/main" xmlns="" id="{2DB90285-34AF-4966-8312-04B80B58CEA7}"/>
               </a:ext>
             </a:extLst>
           </p:cNvPr>
@@ -445,7 +445,7 @@
           <p:cNvPr id="4" name="Date Placeholder 3">
             <a:extLst>
               <a:ext uri="{FF2B5EF4-FFF2-40B4-BE49-F238E27FC236}">
-                <a16:creationId xmlns="" xmlns:a16="http://schemas.microsoft.com/office/drawing/2014/main" id="{753D60F0-B13E-4962-BBCE-429A262FF799}"/>
+                <a16:creationId xmlns:a16="http://schemas.microsoft.com/office/drawing/2014/main" xmlns="" id="{753D60F0-B13E-4962-BBCE-429A262FF799}"/>
               </a:ext>
             </a:extLst>
           </p:cNvPr>
@@ -464,7 +464,7 @@
             <a:fld id="{084287E8-CB68-4034-9C63-9DFF91FAFCD3}" type="datetimeFigureOut">
               <a:rPr lang="en-IN" smtClean="0"/>
               <a:pPr/>
-              <a:t>03-03-2021</a:t>
+              <a:t>25-12-2021</a:t>
             </a:fld>
             <a:endParaRPr lang="en-IN"/>
           </a:p>
@@ -475,7 +475,7 @@
           <p:cNvPr id="5" name="Footer Placeholder 4">
             <a:extLst>
               <a:ext uri="{FF2B5EF4-FFF2-40B4-BE49-F238E27FC236}">
-                <a16:creationId xmlns="" xmlns:a16="http://schemas.microsoft.com/office/drawing/2014/main" id="{BB35942A-E46D-4E2C-8039-8DAA02A5E1A7}"/>
+                <a16:creationId xmlns:a16="http://schemas.microsoft.com/office/drawing/2014/main" xmlns="" id="{BB35942A-E46D-4E2C-8039-8DAA02A5E1A7}"/>
               </a:ext>
             </a:extLst>
           </p:cNvPr>
@@ -500,7 +500,7 @@
           <p:cNvPr id="6" name="Slide Number Placeholder 5">
             <a:extLst>
               <a:ext uri="{FF2B5EF4-FFF2-40B4-BE49-F238E27FC236}">
-                <a16:creationId xmlns="" xmlns:a16="http://schemas.microsoft.com/office/drawing/2014/main" id="{B30A0704-FD9B-47C1-BE9F-B4E25B64C908}"/>
+                <a16:creationId xmlns:a16="http://schemas.microsoft.com/office/drawing/2014/main" xmlns="" id="{B30A0704-FD9B-47C1-BE9F-B4E25B64C908}"/>
               </a:ext>
             </a:extLst>
           </p:cNvPr>
@@ -528,7 +528,7 @@
     </p:spTree>
     <p:extLst>
       <p:ext uri="{BB962C8B-B14F-4D97-AF65-F5344CB8AC3E}">
-        <p14:creationId xmlns="" xmlns:p14="http://schemas.microsoft.com/office/powerpoint/2010/main" val="111944123"/>
+        <p14:creationId xmlns:p14="http://schemas.microsoft.com/office/powerpoint/2010/main" xmlns="" val="111944123"/>
       </p:ext>
     </p:extLst>
   </p:cSld>
@@ -560,7 +560,7 @@
           <p:cNvPr id="2" name="Vertical Title 1">
             <a:extLst>
               <a:ext uri="{FF2B5EF4-FFF2-40B4-BE49-F238E27FC236}">
-                <a16:creationId xmlns="" xmlns:a16="http://schemas.microsoft.com/office/drawing/2014/main" id="{DA995407-F878-43FE-8877-7C7BBBCF297E}"/>
+                <a16:creationId xmlns:a16="http://schemas.microsoft.com/office/drawing/2014/main" xmlns="" id="{DA995407-F878-43FE-8877-7C7BBBCF297E}"/>
               </a:ext>
             </a:extLst>
           </p:cNvPr>
@@ -594,7 +594,7 @@
           <p:cNvPr id="3" name="Vertical Text Placeholder 2">
             <a:extLst>
               <a:ext uri="{FF2B5EF4-FFF2-40B4-BE49-F238E27FC236}">
-                <a16:creationId xmlns="" xmlns:a16="http://schemas.microsoft.com/office/drawing/2014/main" id="{08454A7D-8E9C-4DF2-AB98-4847BE44453A}"/>
+                <a16:creationId xmlns:a16="http://schemas.microsoft.com/office/drawing/2014/main" xmlns="" id="{08454A7D-8E9C-4DF2-AB98-4847BE44453A}"/>
               </a:ext>
             </a:extLst>
           </p:cNvPr>
@@ -657,7 +657,7 @@
           <p:cNvPr id="4" name="Date Placeholder 3">
             <a:extLst>
               <a:ext uri="{FF2B5EF4-FFF2-40B4-BE49-F238E27FC236}">
-                <a16:creationId xmlns="" xmlns:a16="http://schemas.microsoft.com/office/drawing/2014/main" id="{D75F29FE-F5E9-4D68-BD83-78C1A3878E90}"/>
+                <a16:creationId xmlns:a16="http://schemas.microsoft.com/office/drawing/2014/main" xmlns="" id="{D75F29FE-F5E9-4D68-BD83-78C1A3878E90}"/>
               </a:ext>
             </a:extLst>
           </p:cNvPr>
@@ -676,7 +676,7 @@
             <a:fld id="{084287E8-CB68-4034-9C63-9DFF91FAFCD3}" type="datetimeFigureOut">
               <a:rPr lang="en-IN" smtClean="0"/>
               <a:pPr/>
-              <a:t>03-03-2021</a:t>
+              <a:t>25-12-2021</a:t>
             </a:fld>
             <a:endParaRPr lang="en-IN"/>
           </a:p>
@@ -687,7 +687,7 @@
           <p:cNvPr id="5" name="Footer Placeholder 4">
             <a:extLst>
               <a:ext uri="{FF2B5EF4-FFF2-40B4-BE49-F238E27FC236}">
-                <a16:creationId xmlns="" xmlns:a16="http://schemas.microsoft.com/office/drawing/2014/main" id="{A5064174-E026-4E76-B24E-F2EEC50CEAFE}"/>
+                <a16:creationId xmlns:a16="http://schemas.microsoft.com/office/drawing/2014/main" xmlns="" id="{A5064174-E026-4E76-B24E-F2EEC50CEAFE}"/>
               </a:ext>
             </a:extLst>
           </p:cNvPr>
@@ -712,7 +712,7 @@
           <p:cNvPr id="6" name="Slide Number Placeholder 5">
             <a:extLst>
               <a:ext uri="{FF2B5EF4-FFF2-40B4-BE49-F238E27FC236}">
-                <a16:creationId xmlns="" xmlns:a16="http://schemas.microsoft.com/office/drawing/2014/main" id="{7721DDDF-EC58-4C5B-AD56-B961815C6F50}"/>
+                <a16:creationId xmlns:a16="http://schemas.microsoft.com/office/drawing/2014/main" xmlns="" id="{7721DDDF-EC58-4C5B-AD56-B961815C6F50}"/>
               </a:ext>
             </a:extLst>
           </p:cNvPr>
@@ -740,7 +740,7 @@
     </p:spTree>
     <p:extLst>
       <p:ext uri="{BB962C8B-B14F-4D97-AF65-F5344CB8AC3E}">
-        <p14:creationId xmlns="" xmlns:p14="http://schemas.microsoft.com/office/powerpoint/2010/main" val="2552644756"/>
+        <p14:creationId xmlns:p14="http://schemas.microsoft.com/office/powerpoint/2010/main" xmlns="" val="2552644756"/>
       </p:ext>
     </p:extLst>
   </p:cSld>
@@ -772,7 +772,7 @@
           <p:cNvPr id="2" name="Title 1">
             <a:extLst>
               <a:ext uri="{FF2B5EF4-FFF2-40B4-BE49-F238E27FC236}">
-                <a16:creationId xmlns="" xmlns:a16="http://schemas.microsoft.com/office/drawing/2014/main" id="{689C407D-9DD8-408A-83C4-5C6C0D936E6D}"/>
+                <a16:creationId xmlns:a16="http://schemas.microsoft.com/office/drawing/2014/main" xmlns="" id="{689C407D-9DD8-408A-83C4-5C6C0D936E6D}"/>
               </a:ext>
             </a:extLst>
           </p:cNvPr>
@@ -801,7 +801,7 @@
           <p:cNvPr id="3" name="Content Placeholder 2">
             <a:extLst>
               <a:ext uri="{FF2B5EF4-FFF2-40B4-BE49-F238E27FC236}">
-                <a16:creationId xmlns="" xmlns:a16="http://schemas.microsoft.com/office/drawing/2014/main" id="{E7EFA7F4-1E37-4BAA-A931-30DE0C0791D5}"/>
+                <a16:creationId xmlns:a16="http://schemas.microsoft.com/office/drawing/2014/main" xmlns="" id="{E7EFA7F4-1E37-4BAA-A931-30DE0C0791D5}"/>
               </a:ext>
             </a:extLst>
           </p:cNvPr>
@@ -859,7 +859,7 @@
           <p:cNvPr id="4" name="Date Placeholder 3">
             <a:extLst>
               <a:ext uri="{FF2B5EF4-FFF2-40B4-BE49-F238E27FC236}">
-                <a16:creationId xmlns="" xmlns:a16="http://schemas.microsoft.com/office/drawing/2014/main" id="{29070C7C-4498-40BF-9A80-989D82D7F6B3}"/>
+                <a16:creationId xmlns:a16="http://schemas.microsoft.com/office/drawing/2014/main" xmlns="" id="{29070C7C-4498-40BF-9A80-989D82D7F6B3}"/>
               </a:ext>
             </a:extLst>
           </p:cNvPr>
@@ -878,7 +878,7 @@
             <a:fld id="{084287E8-CB68-4034-9C63-9DFF91FAFCD3}" type="datetimeFigureOut">
               <a:rPr lang="en-IN" smtClean="0"/>
               <a:pPr/>
-              <a:t>03-03-2021</a:t>
+              <a:t>25-12-2021</a:t>
             </a:fld>
             <a:endParaRPr lang="en-IN"/>
           </a:p>
@@ -889,7 +889,7 @@
           <p:cNvPr id="5" name="Footer Placeholder 4">
             <a:extLst>
               <a:ext uri="{FF2B5EF4-FFF2-40B4-BE49-F238E27FC236}">
-                <a16:creationId xmlns="" xmlns:a16="http://schemas.microsoft.com/office/drawing/2014/main" id="{D6D184E3-F8B9-4BD7-B0C6-AA068578A1B6}"/>
+                <a16:creationId xmlns:a16="http://schemas.microsoft.com/office/drawing/2014/main" xmlns="" id="{D6D184E3-F8B9-4BD7-B0C6-AA068578A1B6}"/>
               </a:ext>
             </a:extLst>
           </p:cNvPr>
@@ -914,7 +914,7 @@
           <p:cNvPr id="6" name="Slide Number Placeholder 5">
             <a:extLst>
               <a:ext uri="{FF2B5EF4-FFF2-40B4-BE49-F238E27FC236}">
-                <a16:creationId xmlns="" xmlns:a16="http://schemas.microsoft.com/office/drawing/2014/main" id="{0182EDED-5A72-4996-BAC5-8047ADE7B65E}"/>
+                <a16:creationId xmlns:a16="http://schemas.microsoft.com/office/drawing/2014/main" xmlns="" id="{0182EDED-5A72-4996-BAC5-8047ADE7B65E}"/>
               </a:ext>
             </a:extLst>
           </p:cNvPr>
@@ -942,7 +942,7 @@
     </p:spTree>
     <p:extLst>
       <p:ext uri="{BB962C8B-B14F-4D97-AF65-F5344CB8AC3E}">
-        <p14:creationId xmlns="" xmlns:p14="http://schemas.microsoft.com/office/powerpoint/2010/main" val="1576439411"/>
+        <p14:creationId xmlns:p14="http://schemas.microsoft.com/office/powerpoint/2010/main" xmlns="" val="1576439411"/>
       </p:ext>
     </p:extLst>
   </p:cSld>
@@ -974,7 +974,7 @@
           <p:cNvPr id="2" name="Title 1">
             <a:extLst>
               <a:ext uri="{FF2B5EF4-FFF2-40B4-BE49-F238E27FC236}">
-                <a16:creationId xmlns="" xmlns:a16="http://schemas.microsoft.com/office/drawing/2014/main" id="{C2A78646-4D5A-406D-946F-9F47F5A53002}"/>
+                <a16:creationId xmlns:a16="http://schemas.microsoft.com/office/drawing/2014/main" xmlns="" id="{C2A78646-4D5A-406D-946F-9F47F5A53002}"/>
               </a:ext>
             </a:extLst>
           </p:cNvPr>
@@ -1012,7 +1012,7 @@
           <p:cNvPr id="3" name="Text Placeholder 2">
             <a:extLst>
               <a:ext uri="{FF2B5EF4-FFF2-40B4-BE49-F238E27FC236}">
-                <a16:creationId xmlns="" xmlns:a16="http://schemas.microsoft.com/office/drawing/2014/main" id="{B201CC3F-596A-447B-B629-9C32B3F4EC15}"/>
+                <a16:creationId xmlns:a16="http://schemas.microsoft.com/office/drawing/2014/main" xmlns="" id="{B201CC3F-596A-447B-B629-9C32B3F4EC15}"/>
               </a:ext>
             </a:extLst>
           </p:cNvPr>
@@ -1137,7 +1137,7 @@
           <p:cNvPr id="4" name="Date Placeholder 3">
             <a:extLst>
               <a:ext uri="{FF2B5EF4-FFF2-40B4-BE49-F238E27FC236}">
-                <a16:creationId xmlns="" xmlns:a16="http://schemas.microsoft.com/office/drawing/2014/main" id="{C975AD5A-84A6-4A14-A649-105D4AD3A295}"/>
+                <a16:creationId xmlns:a16="http://schemas.microsoft.com/office/drawing/2014/main" xmlns="" id="{C975AD5A-84A6-4A14-A649-105D4AD3A295}"/>
               </a:ext>
             </a:extLst>
           </p:cNvPr>
@@ -1156,7 +1156,7 @@
             <a:fld id="{084287E8-CB68-4034-9C63-9DFF91FAFCD3}" type="datetimeFigureOut">
               <a:rPr lang="en-IN" smtClean="0"/>
               <a:pPr/>
-              <a:t>03-03-2021</a:t>
+              <a:t>25-12-2021</a:t>
             </a:fld>
             <a:endParaRPr lang="en-IN"/>
           </a:p>
@@ -1167,7 +1167,7 @@
           <p:cNvPr id="5" name="Footer Placeholder 4">
             <a:extLst>
               <a:ext uri="{FF2B5EF4-FFF2-40B4-BE49-F238E27FC236}">
-                <a16:creationId xmlns="" xmlns:a16="http://schemas.microsoft.com/office/drawing/2014/main" id="{16006743-35FB-45AD-ACA4-001DF426DB22}"/>
+                <a16:creationId xmlns:a16="http://schemas.microsoft.com/office/drawing/2014/main" xmlns="" id="{16006743-35FB-45AD-ACA4-001DF426DB22}"/>
               </a:ext>
             </a:extLst>
           </p:cNvPr>
@@ -1192,7 +1192,7 @@
           <p:cNvPr id="6" name="Slide Number Placeholder 5">
             <a:extLst>
               <a:ext uri="{FF2B5EF4-FFF2-40B4-BE49-F238E27FC236}">
-                <a16:creationId xmlns="" xmlns:a16="http://schemas.microsoft.com/office/drawing/2014/main" id="{5302DB17-43F2-4B0D-A6B0-C47BCED3CC03}"/>
+                <a16:creationId xmlns:a16="http://schemas.microsoft.com/office/drawing/2014/main" xmlns="" id="{5302DB17-43F2-4B0D-A6B0-C47BCED3CC03}"/>
               </a:ext>
             </a:extLst>
           </p:cNvPr>
@@ -1220,7 +1220,7 @@
     </p:spTree>
     <p:extLst>
       <p:ext uri="{BB962C8B-B14F-4D97-AF65-F5344CB8AC3E}">
-        <p14:creationId xmlns="" xmlns:p14="http://schemas.microsoft.com/office/powerpoint/2010/main" val="1382419651"/>
+        <p14:creationId xmlns:p14="http://schemas.microsoft.com/office/powerpoint/2010/main" xmlns="" val="1382419651"/>
       </p:ext>
     </p:extLst>
   </p:cSld>
@@ -1252,7 +1252,7 @@
           <p:cNvPr id="2" name="Title 1">
             <a:extLst>
               <a:ext uri="{FF2B5EF4-FFF2-40B4-BE49-F238E27FC236}">
-                <a16:creationId xmlns="" xmlns:a16="http://schemas.microsoft.com/office/drawing/2014/main" id="{4A578CE5-0166-4E30-BF1C-58FC9E474A5A}"/>
+                <a16:creationId xmlns:a16="http://schemas.microsoft.com/office/drawing/2014/main" xmlns="" id="{4A578CE5-0166-4E30-BF1C-58FC9E474A5A}"/>
               </a:ext>
             </a:extLst>
           </p:cNvPr>
@@ -1281,7 +1281,7 @@
           <p:cNvPr id="3" name="Content Placeholder 2">
             <a:extLst>
               <a:ext uri="{FF2B5EF4-FFF2-40B4-BE49-F238E27FC236}">
-                <a16:creationId xmlns="" xmlns:a16="http://schemas.microsoft.com/office/drawing/2014/main" id="{0CAE71BC-5F68-48CD-8885-0880D96CF5A8}"/>
+                <a16:creationId xmlns:a16="http://schemas.microsoft.com/office/drawing/2014/main" xmlns="" id="{0CAE71BC-5F68-48CD-8885-0880D96CF5A8}"/>
               </a:ext>
             </a:extLst>
           </p:cNvPr>
@@ -1344,7 +1344,7 @@
           <p:cNvPr id="4" name="Content Placeholder 3">
             <a:extLst>
               <a:ext uri="{FF2B5EF4-FFF2-40B4-BE49-F238E27FC236}">
-                <a16:creationId xmlns="" xmlns:a16="http://schemas.microsoft.com/office/drawing/2014/main" id="{29FD0B81-DDB5-4CD1-B1E2-92CF5B6A8BA9}"/>
+                <a16:creationId xmlns:a16="http://schemas.microsoft.com/office/drawing/2014/main" xmlns="" id="{29FD0B81-DDB5-4CD1-B1E2-92CF5B6A8BA9}"/>
               </a:ext>
             </a:extLst>
           </p:cNvPr>
@@ -1407,7 +1407,7 @@
           <p:cNvPr id="5" name="Date Placeholder 4">
             <a:extLst>
               <a:ext uri="{FF2B5EF4-FFF2-40B4-BE49-F238E27FC236}">
-                <a16:creationId xmlns="" xmlns:a16="http://schemas.microsoft.com/office/drawing/2014/main" id="{BF69D06D-D700-4AB2-835F-8879F370D63A}"/>
+                <a16:creationId xmlns:a16="http://schemas.microsoft.com/office/drawing/2014/main" xmlns="" id="{BF69D06D-D700-4AB2-835F-8879F370D63A}"/>
               </a:ext>
             </a:extLst>
           </p:cNvPr>
@@ -1426,7 +1426,7 @@
             <a:fld id="{084287E8-CB68-4034-9C63-9DFF91FAFCD3}" type="datetimeFigureOut">
               <a:rPr lang="en-IN" smtClean="0"/>
               <a:pPr/>
-              <a:t>03-03-2021</a:t>
+              <a:t>25-12-2021</a:t>
             </a:fld>
             <a:endParaRPr lang="en-IN"/>
           </a:p>
@@ -1437,7 +1437,7 @@
           <p:cNvPr id="6" name="Footer Placeholder 5">
             <a:extLst>
               <a:ext uri="{FF2B5EF4-FFF2-40B4-BE49-F238E27FC236}">
-                <a16:creationId xmlns="" xmlns:a16="http://schemas.microsoft.com/office/drawing/2014/main" id="{25206BB1-517D-4D07-A1BF-1F40E54CBE44}"/>
+                <a16:creationId xmlns:a16="http://schemas.microsoft.com/office/drawing/2014/main" xmlns="" id="{25206BB1-517D-4D07-A1BF-1F40E54CBE44}"/>
               </a:ext>
             </a:extLst>
           </p:cNvPr>
@@ -1462,7 +1462,7 @@
           <p:cNvPr id="7" name="Slide Number Placeholder 6">
             <a:extLst>
               <a:ext uri="{FF2B5EF4-FFF2-40B4-BE49-F238E27FC236}">
-                <a16:creationId xmlns="" xmlns:a16="http://schemas.microsoft.com/office/drawing/2014/main" id="{0760D60C-7BAD-4620-9C5B-561EA4BAC532}"/>
+                <a16:creationId xmlns:a16="http://schemas.microsoft.com/office/drawing/2014/main" xmlns="" id="{0760D60C-7BAD-4620-9C5B-561EA4BAC532}"/>
               </a:ext>
             </a:extLst>
           </p:cNvPr>
@@ -1490,7 +1490,7 @@
     </p:spTree>
     <p:extLst>
       <p:ext uri="{BB962C8B-B14F-4D97-AF65-F5344CB8AC3E}">
-        <p14:creationId xmlns="" xmlns:p14="http://schemas.microsoft.com/office/powerpoint/2010/main" val="1145966055"/>
+        <p14:creationId xmlns:p14="http://schemas.microsoft.com/office/powerpoint/2010/main" xmlns="" val="1145966055"/>
       </p:ext>
     </p:extLst>
   </p:cSld>
@@ -1522,7 +1522,7 @@
           <p:cNvPr id="2" name="Title 1">
             <a:extLst>
               <a:ext uri="{FF2B5EF4-FFF2-40B4-BE49-F238E27FC236}">
-                <a16:creationId xmlns="" xmlns:a16="http://schemas.microsoft.com/office/drawing/2014/main" id="{28C428F2-40A3-4BB9-933B-A242F8674EC5}"/>
+                <a16:creationId xmlns:a16="http://schemas.microsoft.com/office/drawing/2014/main" xmlns="" id="{28C428F2-40A3-4BB9-933B-A242F8674EC5}"/>
               </a:ext>
             </a:extLst>
           </p:cNvPr>
@@ -1556,7 +1556,7 @@
           <p:cNvPr id="3" name="Text Placeholder 2">
             <a:extLst>
               <a:ext uri="{FF2B5EF4-FFF2-40B4-BE49-F238E27FC236}">
-                <a16:creationId xmlns="" xmlns:a16="http://schemas.microsoft.com/office/drawing/2014/main" id="{10E94FB7-A7EC-4A18-8240-C889D7D6369D}"/>
+                <a16:creationId xmlns:a16="http://schemas.microsoft.com/office/drawing/2014/main" xmlns="" id="{10E94FB7-A7EC-4A18-8240-C889D7D6369D}"/>
               </a:ext>
             </a:extLst>
           </p:cNvPr>
@@ -1627,7 +1627,7 @@
           <p:cNvPr id="4" name="Content Placeholder 3">
             <a:extLst>
               <a:ext uri="{FF2B5EF4-FFF2-40B4-BE49-F238E27FC236}">
-                <a16:creationId xmlns="" xmlns:a16="http://schemas.microsoft.com/office/drawing/2014/main" id="{08BCEDB9-2A6F-4576-8837-57A0A26D7BFB}"/>
+                <a16:creationId xmlns:a16="http://schemas.microsoft.com/office/drawing/2014/main" xmlns="" id="{08BCEDB9-2A6F-4576-8837-57A0A26D7BFB}"/>
               </a:ext>
             </a:extLst>
           </p:cNvPr>
@@ -1690,7 +1690,7 @@
           <p:cNvPr id="5" name="Text Placeholder 4">
             <a:extLst>
               <a:ext uri="{FF2B5EF4-FFF2-40B4-BE49-F238E27FC236}">
-                <a16:creationId xmlns="" xmlns:a16="http://schemas.microsoft.com/office/drawing/2014/main" id="{94B07B74-8B42-4C83-9B7B-979EF425D37F}"/>
+                <a16:creationId xmlns:a16="http://schemas.microsoft.com/office/drawing/2014/main" xmlns="" id="{94B07B74-8B42-4C83-9B7B-979EF425D37F}"/>
               </a:ext>
             </a:extLst>
           </p:cNvPr>
@@ -1761,7 +1761,7 @@
           <p:cNvPr id="6" name="Content Placeholder 5">
             <a:extLst>
               <a:ext uri="{FF2B5EF4-FFF2-40B4-BE49-F238E27FC236}">
-                <a16:creationId xmlns="" xmlns:a16="http://schemas.microsoft.com/office/drawing/2014/main" id="{6E2F650F-820E-4ADE-9007-A5BDB4186066}"/>
+                <a16:creationId xmlns:a16="http://schemas.microsoft.com/office/drawing/2014/main" xmlns="" id="{6E2F650F-820E-4ADE-9007-A5BDB4186066}"/>
               </a:ext>
             </a:extLst>
           </p:cNvPr>
@@ -1824,7 +1824,7 @@
           <p:cNvPr id="7" name="Date Placeholder 6">
             <a:extLst>
               <a:ext uri="{FF2B5EF4-FFF2-40B4-BE49-F238E27FC236}">
-                <a16:creationId xmlns="" xmlns:a16="http://schemas.microsoft.com/office/drawing/2014/main" id="{D9151BBF-0755-4E31-9D54-047EC6D0082A}"/>
+                <a16:creationId xmlns:a16="http://schemas.microsoft.com/office/drawing/2014/main" xmlns="" id="{D9151BBF-0755-4E31-9D54-047EC6D0082A}"/>
               </a:ext>
             </a:extLst>
           </p:cNvPr>
@@ -1843,7 +1843,7 @@
             <a:fld id="{084287E8-CB68-4034-9C63-9DFF91FAFCD3}" type="datetimeFigureOut">
               <a:rPr lang="en-IN" smtClean="0"/>
               <a:pPr/>
-              <a:t>03-03-2021</a:t>
+              <a:t>25-12-2021</a:t>
             </a:fld>
             <a:endParaRPr lang="en-IN"/>
           </a:p>
@@ -1854,7 +1854,7 @@
           <p:cNvPr id="8" name="Footer Placeholder 7">
             <a:extLst>
               <a:ext uri="{FF2B5EF4-FFF2-40B4-BE49-F238E27FC236}">
-                <a16:creationId xmlns="" xmlns:a16="http://schemas.microsoft.com/office/drawing/2014/main" id="{9C427BA9-1B85-4AEC-B7A6-D89D6A80B269}"/>
+                <a16:creationId xmlns:a16="http://schemas.microsoft.com/office/drawing/2014/main" xmlns="" id="{9C427BA9-1B85-4AEC-B7A6-D89D6A80B269}"/>
               </a:ext>
             </a:extLst>
           </p:cNvPr>
@@ -1879,7 +1879,7 @@
           <p:cNvPr id="9" name="Slide Number Placeholder 8">
             <a:extLst>
               <a:ext uri="{FF2B5EF4-FFF2-40B4-BE49-F238E27FC236}">
-                <a16:creationId xmlns="" xmlns:a16="http://schemas.microsoft.com/office/drawing/2014/main" id="{C1B88169-DE32-45A2-8DD9-D2A96F6B9984}"/>
+                <a16:creationId xmlns:a16="http://schemas.microsoft.com/office/drawing/2014/main" xmlns="" id="{C1B88169-DE32-45A2-8DD9-D2A96F6B9984}"/>
               </a:ext>
             </a:extLst>
           </p:cNvPr>
@@ -1907,7 +1907,7 @@
     </p:spTree>
     <p:extLst>
       <p:ext uri="{BB962C8B-B14F-4D97-AF65-F5344CB8AC3E}">
-        <p14:creationId xmlns="" xmlns:p14="http://schemas.microsoft.com/office/powerpoint/2010/main" val="4207558215"/>
+        <p14:creationId xmlns:p14="http://schemas.microsoft.com/office/powerpoint/2010/main" xmlns="" val="4207558215"/>
       </p:ext>
     </p:extLst>
   </p:cSld>
@@ -1939,7 +1939,7 @@
           <p:cNvPr id="2" name="Title 1">
             <a:extLst>
               <a:ext uri="{FF2B5EF4-FFF2-40B4-BE49-F238E27FC236}">
-                <a16:creationId xmlns="" xmlns:a16="http://schemas.microsoft.com/office/drawing/2014/main" id="{A2D389EA-114D-437F-96DC-582BCBD9684C}"/>
+                <a16:creationId xmlns:a16="http://schemas.microsoft.com/office/drawing/2014/main" xmlns="" id="{A2D389EA-114D-437F-96DC-582BCBD9684C}"/>
               </a:ext>
             </a:extLst>
           </p:cNvPr>
@@ -1968,7 +1968,7 @@
           <p:cNvPr id="3" name="Date Placeholder 2">
             <a:extLst>
               <a:ext uri="{FF2B5EF4-FFF2-40B4-BE49-F238E27FC236}">
-                <a16:creationId xmlns="" xmlns:a16="http://schemas.microsoft.com/office/drawing/2014/main" id="{695E049B-FEF9-47DE-BB07-8BB7E21430FE}"/>
+                <a16:creationId xmlns:a16="http://schemas.microsoft.com/office/drawing/2014/main" xmlns="" id="{695E049B-FEF9-47DE-BB07-8BB7E21430FE}"/>
               </a:ext>
             </a:extLst>
           </p:cNvPr>
@@ -1987,7 +1987,7 @@
             <a:fld id="{084287E8-CB68-4034-9C63-9DFF91FAFCD3}" type="datetimeFigureOut">
               <a:rPr lang="en-IN" smtClean="0"/>
               <a:pPr/>
-              <a:t>03-03-2021</a:t>
+              <a:t>25-12-2021</a:t>
             </a:fld>
             <a:endParaRPr lang="en-IN"/>
           </a:p>
@@ -1998,7 +1998,7 @@
           <p:cNvPr id="4" name="Footer Placeholder 3">
             <a:extLst>
               <a:ext uri="{FF2B5EF4-FFF2-40B4-BE49-F238E27FC236}">
-                <a16:creationId xmlns="" xmlns:a16="http://schemas.microsoft.com/office/drawing/2014/main" id="{6D11D782-1250-4711-96A6-DAD3CCAECF79}"/>
+                <a16:creationId xmlns:a16="http://schemas.microsoft.com/office/drawing/2014/main" xmlns="" id="{6D11D782-1250-4711-96A6-DAD3CCAECF79}"/>
               </a:ext>
             </a:extLst>
           </p:cNvPr>
@@ -2023,7 +2023,7 @@
           <p:cNvPr id="5" name="Slide Number Placeholder 4">
             <a:extLst>
               <a:ext uri="{FF2B5EF4-FFF2-40B4-BE49-F238E27FC236}">
-                <a16:creationId xmlns="" xmlns:a16="http://schemas.microsoft.com/office/drawing/2014/main" id="{753F028A-8260-4F69-A996-39CF89D400F3}"/>
+                <a16:creationId xmlns:a16="http://schemas.microsoft.com/office/drawing/2014/main" xmlns="" id="{753F028A-8260-4F69-A996-39CF89D400F3}"/>
               </a:ext>
             </a:extLst>
           </p:cNvPr>
@@ -2051,7 +2051,7 @@
     </p:spTree>
     <p:extLst>
       <p:ext uri="{BB962C8B-B14F-4D97-AF65-F5344CB8AC3E}">
-        <p14:creationId xmlns="" xmlns:p14="http://schemas.microsoft.com/office/powerpoint/2010/main" val="1174646437"/>
+        <p14:creationId xmlns:p14="http://schemas.microsoft.com/office/powerpoint/2010/main" xmlns="" val="1174646437"/>
       </p:ext>
     </p:extLst>
   </p:cSld>
@@ -2083,7 +2083,7 @@
           <p:cNvPr id="2" name="Date Placeholder 1">
             <a:extLst>
               <a:ext uri="{FF2B5EF4-FFF2-40B4-BE49-F238E27FC236}">
-                <a16:creationId xmlns="" xmlns:a16="http://schemas.microsoft.com/office/drawing/2014/main" id="{F8762DD0-7043-4483-BE2C-0CAF3567960C}"/>
+                <a16:creationId xmlns:a16="http://schemas.microsoft.com/office/drawing/2014/main" xmlns="" id="{F8762DD0-7043-4483-BE2C-0CAF3567960C}"/>
               </a:ext>
             </a:extLst>
           </p:cNvPr>
@@ -2102,7 +2102,7 @@
             <a:fld id="{084287E8-CB68-4034-9C63-9DFF91FAFCD3}" type="datetimeFigureOut">
               <a:rPr lang="en-IN" smtClean="0"/>
               <a:pPr/>
-              <a:t>03-03-2021</a:t>
+              <a:t>25-12-2021</a:t>
             </a:fld>
             <a:endParaRPr lang="en-IN"/>
           </a:p>
@@ -2113,7 +2113,7 @@
           <p:cNvPr id="3" name="Footer Placeholder 2">
             <a:extLst>
               <a:ext uri="{FF2B5EF4-FFF2-40B4-BE49-F238E27FC236}">
-                <a16:creationId xmlns="" xmlns:a16="http://schemas.microsoft.com/office/drawing/2014/main" id="{F7CAACEC-7981-4D15-80BD-C6A85D2A6B15}"/>
+                <a16:creationId xmlns:a16="http://schemas.microsoft.com/office/drawing/2014/main" xmlns="" id="{F7CAACEC-7981-4D15-80BD-C6A85D2A6B15}"/>
               </a:ext>
             </a:extLst>
           </p:cNvPr>
@@ -2138,7 +2138,7 @@
           <p:cNvPr id="4" name="Slide Number Placeholder 3">
             <a:extLst>
               <a:ext uri="{FF2B5EF4-FFF2-40B4-BE49-F238E27FC236}">
-                <a16:creationId xmlns="" xmlns:a16="http://schemas.microsoft.com/office/drawing/2014/main" id="{091F7000-F64E-45F5-A3D7-8F048AEF3100}"/>
+                <a16:creationId xmlns:a16="http://schemas.microsoft.com/office/drawing/2014/main" xmlns="" id="{091F7000-F64E-45F5-A3D7-8F048AEF3100}"/>
               </a:ext>
             </a:extLst>
           </p:cNvPr>
@@ -2166,7 +2166,7 @@
     </p:spTree>
     <p:extLst>
       <p:ext uri="{BB962C8B-B14F-4D97-AF65-F5344CB8AC3E}">
-        <p14:creationId xmlns="" xmlns:p14="http://schemas.microsoft.com/office/powerpoint/2010/main" val="2149346819"/>
+        <p14:creationId xmlns:p14="http://schemas.microsoft.com/office/powerpoint/2010/main" xmlns="" val="2149346819"/>
       </p:ext>
     </p:extLst>
   </p:cSld>
@@ -2198,7 +2198,7 @@
           <p:cNvPr id="2" name="Title 1">
             <a:extLst>
               <a:ext uri="{FF2B5EF4-FFF2-40B4-BE49-F238E27FC236}">
-                <a16:creationId xmlns="" xmlns:a16="http://schemas.microsoft.com/office/drawing/2014/main" id="{3680DDCD-2992-4211-98B1-1EFBFA3502CE}"/>
+                <a16:creationId xmlns:a16="http://schemas.microsoft.com/office/drawing/2014/main" xmlns="" id="{3680DDCD-2992-4211-98B1-1EFBFA3502CE}"/>
               </a:ext>
             </a:extLst>
           </p:cNvPr>
@@ -2236,7 +2236,7 @@
           <p:cNvPr id="3" name="Content Placeholder 2">
             <a:extLst>
               <a:ext uri="{FF2B5EF4-FFF2-40B4-BE49-F238E27FC236}">
-                <a16:creationId xmlns="" xmlns:a16="http://schemas.microsoft.com/office/drawing/2014/main" id="{3D7DD8BA-3841-480B-A7D6-827416CB364A}"/>
+                <a16:creationId xmlns:a16="http://schemas.microsoft.com/office/drawing/2014/main" xmlns="" id="{3D7DD8BA-3841-480B-A7D6-827416CB364A}"/>
               </a:ext>
             </a:extLst>
           </p:cNvPr>
@@ -2327,7 +2327,7 @@
           <p:cNvPr id="4" name="Text Placeholder 3">
             <a:extLst>
               <a:ext uri="{FF2B5EF4-FFF2-40B4-BE49-F238E27FC236}">
-                <a16:creationId xmlns="" xmlns:a16="http://schemas.microsoft.com/office/drawing/2014/main" id="{FDE1FD53-EDC8-4F93-94DE-82BFBBA38AA9}"/>
+                <a16:creationId xmlns:a16="http://schemas.microsoft.com/office/drawing/2014/main" xmlns="" id="{FDE1FD53-EDC8-4F93-94DE-82BFBBA38AA9}"/>
               </a:ext>
             </a:extLst>
           </p:cNvPr>
@@ -2398,7 +2398,7 @@
           <p:cNvPr id="5" name="Date Placeholder 4">
             <a:extLst>
               <a:ext uri="{FF2B5EF4-FFF2-40B4-BE49-F238E27FC236}">
-                <a16:creationId xmlns="" xmlns:a16="http://schemas.microsoft.com/office/drawing/2014/main" id="{6EF5703A-1752-4E59-AA36-C6B7AE846F6F}"/>
+                <a16:creationId xmlns:a16="http://schemas.microsoft.com/office/drawing/2014/main" xmlns="" id="{6EF5703A-1752-4E59-AA36-C6B7AE846F6F}"/>
               </a:ext>
             </a:extLst>
           </p:cNvPr>
@@ -2417,7 +2417,7 @@
             <a:fld id="{084287E8-CB68-4034-9C63-9DFF91FAFCD3}" type="datetimeFigureOut">
               <a:rPr lang="en-IN" smtClean="0"/>
               <a:pPr/>
-              <a:t>03-03-2021</a:t>
+              <a:t>25-12-2021</a:t>
             </a:fld>
             <a:endParaRPr lang="en-IN"/>
           </a:p>
@@ -2428,7 +2428,7 @@
           <p:cNvPr id="6" name="Footer Placeholder 5">
             <a:extLst>
               <a:ext uri="{FF2B5EF4-FFF2-40B4-BE49-F238E27FC236}">
-                <a16:creationId xmlns="" xmlns:a16="http://schemas.microsoft.com/office/drawing/2014/main" id="{6BD7ED00-62B3-4982-BF6C-E593A37964AD}"/>
+                <a16:creationId xmlns:a16="http://schemas.microsoft.com/office/drawing/2014/main" xmlns="" id="{6BD7ED00-62B3-4982-BF6C-E593A37964AD}"/>
               </a:ext>
             </a:extLst>
           </p:cNvPr>
@@ -2453,7 +2453,7 @@
           <p:cNvPr id="7" name="Slide Number Placeholder 6">
             <a:extLst>
               <a:ext uri="{FF2B5EF4-FFF2-40B4-BE49-F238E27FC236}">
-                <a16:creationId xmlns="" xmlns:a16="http://schemas.microsoft.com/office/drawing/2014/main" id="{337D7B2F-36D6-44FB-A0B1-79C6C2B6DA80}"/>
+                <a16:creationId xmlns:a16="http://schemas.microsoft.com/office/drawing/2014/main" xmlns="" id="{337D7B2F-36D6-44FB-A0B1-79C6C2B6DA80}"/>
               </a:ext>
             </a:extLst>
           </p:cNvPr>
@@ -2481,7 +2481,7 @@
     </p:spTree>
     <p:extLst>
       <p:ext uri="{BB962C8B-B14F-4D97-AF65-F5344CB8AC3E}">
-        <p14:creationId xmlns="" xmlns:p14="http://schemas.microsoft.com/office/powerpoint/2010/main" val="3497247523"/>
+        <p14:creationId xmlns:p14="http://schemas.microsoft.com/office/powerpoint/2010/main" xmlns="" val="3497247523"/>
       </p:ext>
     </p:extLst>
   </p:cSld>
@@ -2513,7 +2513,7 @@
           <p:cNvPr id="2" name="Title 1">
             <a:extLst>
               <a:ext uri="{FF2B5EF4-FFF2-40B4-BE49-F238E27FC236}">
-                <a16:creationId xmlns="" xmlns:a16="http://schemas.microsoft.com/office/drawing/2014/main" id="{65D22888-D5C0-4D5A-9C27-3E0EA8194189}"/>
+                <a16:creationId xmlns:a16="http://schemas.microsoft.com/office/drawing/2014/main" xmlns="" id="{65D22888-D5C0-4D5A-9C27-3E0EA8194189}"/>
               </a:ext>
             </a:extLst>
           </p:cNvPr>
@@ -2551,7 +2551,7 @@
           <p:cNvPr id="3" name="Picture Placeholder 2">
             <a:extLst>
               <a:ext uri="{FF2B5EF4-FFF2-40B4-BE49-F238E27FC236}">
-                <a16:creationId xmlns="" xmlns:a16="http://schemas.microsoft.com/office/drawing/2014/main" id="{678F64EB-63B3-4812-8C9A-64FBC2A06CE3}"/>
+                <a16:creationId xmlns:a16="http://schemas.microsoft.com/office/drawing/2014/main" xmlns="" id="{678F64EB-63B3-4812-8C9A-64FBC2A06CE3}"/>
               </a:ext>
             </a:extLst>
           </p:cNvPr>
@@ -2618,7 +2618,7 @@
           <p:cNvPr id="4" name="Text Placeholder 3">
             <a:extLst>
               <a:ext uri="{FF2B5EF4-FFF2-40B4-BE49-F238E27FC236}">
-                <a16:creationId xmlns="" xmlns:a16="http://schemas.microsoft.com/office/drawing/2014/main" id="{33867836-4E30-4997-90A1-ED1BB7744E89}"/>
+                <a16:creationId xmlns:a16="http://schemas.microsoft.com/office/drawing/2014/main" xmlns="" id="{33867836-4E30-4997-90A1-ED1BB7744E89}"/>
               </a:ext>
             </a:extLst>
           </p:cNvPr>
@@ -2689,7 +2689,7 @@
           <p:cNvPr id="5" name="Date Placeholder 4">
             <a:extLst>
               <a:ext uri="{FF2B5EF4-FFF2-40B4-BE49-F238E27FC236}">
-                <a16:creationId xmlns="" xmlns:a16="http://schemas.microsoft.com/office/drawing/2014/main" id="{58E9EAA2-0340-4EFC-AB28-BF834A1697DD}"/>
+                <a16:creationId xmlns:a16="http://schemas.microsoft.com/office/drawing/2014/main" xmlns="" id="{58E9EAA2-0340-4EFC-AB28-BF834A1697DD}"/>
               </a:ext>
             </a:extLst>
           </p:cNvPr>
@@ -2708,7 +2708,7 @@
             <a:fld id="{084287E8-CB68-4034-9C63-9DFF91FAFCD3}" type="datetimeFigureOut">
               <a:rPr lang="en-IN" smtClean="0"/>
               <a:pPr/>
-              <a:t>03-03-2021</a:t>
+              <a:t>25-12-2021</a:t>
             </a:fld>
             <a:endParaRPr lang="en-IN"/>
           </a:p>
@@ -2719,7 +2719,7 @@
           <p:cNvPr id="6" name="Footer Placeholder 5">
             <a:extLst>
               <a:ext uri="{FF2B5EF4-FFF2-40B4-BE49-F238E27FC236}">
-                <a16:creationId xmlns="" xmlns:a16="http://schemas.microsoft.com/office/drawing/2014/main" id="{08ED8385-D0F1-431F-A0BF-978DA5A19247}"/>
+                <a16:creationId xmlns:a16="http://schemas.microsoft.com/office/drawing/2014/main" xmlns="" id="{08ED8385-D0F1-431F-A0BF-978DA5A19247}"/>
               </a:ext>
             </a:extLst>
           </p:cNvPr>
@@ -2744,7 +2744,7 @@
           <p:cNvPr id="7" name="Slide Number Placeholder 6">
             <a:extLst>
               <a:ext uri="{FF2B5EF4-FFF2-40B4-BE49-F238E27FC236}">
-                <a16:creationId xmlns="" xmlns:a16="http://schemas.microsoft.com/office/drawing/2014/main" id="{0B41061E-1889-4AD8-A9BC-738A809D8F5B}"/>
+                <a16:creationId xmlns:a16="http://schemas.microsoft.com/office/drawing/2014/main" xmlns="" id="{0B41061E-1889-4AD8-A9BC-738A809D8F5B}"/>
               </a:ext>
             </a:extLst>
           </p:cNvPr>
@@ -2772,7 +2772,7 @@
     </p:spTree>
     <p:extLst>
       <p:ext uri="{BB962C8B-B14F-4D97-AF65-F5344CB8AC3E}">
-        <p14:creationId xmlns="" xmlns:p14="http://schemas.microsoft.com/office/powerpoint/2010/main" val="1451480667"/>
+        <p14:creationId xmlns:p14="http://schemas.microsoft.com/office/powerpoint/2010/main" xmlns="" val="1451480667"/>
       </p:ext>
     </p:extLst>
   </p:cSld>
@@ -2809,7 +2809,7 @@
           <p:cNvPr id="2" name="Title Placeholder 1">
             <a:extLst>
               <a:ext uri="{FF2B5EF4-FFF2-40B4-BE49-F238E27FC236}">
-                <a16:creationId xmlns="" xmlns:a16="http://schemas.microsoft.com/office/drawing/2014/main" id="{F6219D8D-6664-458B-8E45-929FAE97D406}"/>
+                <a16:creationId xmlns:a16="http://schemas.microsoft.com/office/drawing/2014/main" xmlns="" id="{F6219D8D-6664-458B-8E45-929FAE97D406}"/>
               </a:ext>
             </a:extLst>
           </p:cNvPr>
@@ -2848,7 +2848,7 @@
           <p:cNvPr id="3" name="Text Placeholder 2">
             <a:extLst>
               <a:ext uri="{FF2B5EF4-FFF2-40B4-BE49-F238E27FC236}">
-                <a16:creationId xmlns="" xmlns:a16="http://schemas.microsoft.com/office/drawing/2014/main" id="{34AE9B1E-0D83-4310-B7E8-75AB04A01943}"/>
+                <a16:creationId xmlns:a16="http://schemas.microsoft.com/office/drawing/2014/main" xmlns="" id="{34AE9B1E-0D83-4310-B7E8-75AB04A01943}"/>
               </a:ext>
             </a:extLst>
           </p:cNvPr>
@@ -2916,7 +2916,7 @@
           <p:cNvPr id="4" name="Date Placeholder 3">
             <a:extLst>
               <a:ext uri="{FF2B5EF4-FFF2-40B4-BE49-F238E27FC236}">
-                <a16:creationId xmlns="" xmlns:a16="http://schemas.microsoft.com/office/drawing/2014/main" id="{A73A4219-709D-410D-A78A-E97808AE0C0F}"/>
+                <a16:creationId xmlns:a16="http://schemas.microsoft.com/office/drawing/2014/main" xmlns="" id="{A73A4219-709D-410D-A78A-E97808AE0C0F}"/>
               </a:ext>
             </a:extLst>
           </p:cNvPr>
@@ -2953,7 +2953,7 @@
             <a:fld id="{084287E8-CB68-4034-9C63-9DFF91FAFCD3}" type="datetimeFigureOut">
               <a:rPr lang="en-IN" smtClean="0"/>
               <a:pPr/>
-              <a:t>03-03-2021</a:t>
+              <a:t>25-12-2021</a:t>
             </a:fld>
             <a:endParaRPr lang="en-IN"/>
           </a:p>
@@ -2964,7 +2964,7 @@
           <p:cNvPr id="5" name="Footer Placeholder 4">
             <a:extLst>
               <a:ext uri="{FF2B5EF4-FFF2-40B4-BE49-F238E27FC236}">
-                <a16:creationId xmlns="" xmlns:a16="http://schemas.microsoft.com/office/drawing/2014/main" id="{A697F020-0358-4905-BF2D-D0812CEEA79C}"/>
+                <a16:creationId xmlns:a16="http://schemas.microsoft.com/office/drawing/2014/main" xmlns="" id="{A697F020-0358-4905-BF2D-D0812CEEA79C}"/>
               </a:ext>
             </a:extLst>
           </p:cNvPr>
@@ -3007,7 +3007,7 @@
           <p:cNvPr id="6" name="Slide Number Placeholder 5">
             <a:extLst>
               <a:ext uri="{FF2B5EF4-FFF2-40B4-BE49-F238E27FC236}">
-                <a16:creationId xmlns="" xmlns:a16="http://schemas.microsoft.com/office/drawing/2014/main" id="{CEE8934F-7A90-438F-8228-26F3F7EE3A6E}"/>
+                <a16:creationId xmlns:a16="http://schemas.microsoft.com/office/drawing/2014/main" xmlns="" id="{CEE8934F-7A90-438F-8228-26F3F7EE3A6E}"/>
               </a:ext>
             </a:extLst>
           </p:cNvPr>
@@ -3053,7 +3053,7 @@
     </p:spTree>
     <p:extLst>
       <p:ext uri="{BB962C8B-B14F-4D97-AF65-F5344CB8AC3E}">
-        <p14:creationId xmlns="" xmlns:p14="http://schemas.microsoft.com/office/powerpoint/2010/main" val="142446728"/>
+        <p14:creationId xmlns:p14="http://schemas.microsoft.com/office/powerpoint/2010/main" xmlns="" val="142446728"/>
       </p:ext>
     </p:extLst>
   </p:cSld>
@@ -3373,13 +3373,7 @@
       </p:grpSpPr>
       <p:grpSp>
         <p:nvGrpSpPr>
-          <p:cNvPr id="233" name="Group 232">
-            <a:extLst>
-              <a:ext uri="{FF2B5EF4-FFF2-40B4-BE49-F238E27FC236}">
-                <a16:creationId xmlns="" xmlns:a16="http://schemas.microsoft.com/office/drawing/2014/main" id="{ABC16984-EFFB-4457-83FD-A8763B85442B}"/>
-              </a:ext>
-            </a:extLst>
-          </p:cNvPr>
+          <p:cNvPr id="90" name="Group 89"/>
           <p:cNvGrpSpPr/>
           <p:nvPr/>
         </p:nvGrpSpPr>
@@ -3387,332 +3381,16 @@
           <a:xfrm>
             <a:off x="1260208" y="277783"/>
             <a:ext cx="8286508" cy="6308365"/>
-            <a:chOff x="1198423" y="426067"/>
+            <a:chOff x="1260208" y="277783"/>
             <a:chExt cx="8286508" cy="6308365"/>
           </a:xfrm>
         </p:grpSpPr>
-        <p:sp>
-          <p:nvSpPr>
-            <p:cNvPr id="4" name="Rectangle 3">
+        <p:grpSp>
+          <p:nvGrpSpPr>
+            <p:cNvPr id="233" name="Group 232">
               <a:extLst>
                 <a:ext uri="{FF2B5EF4-FFF2-40B4-BE49-F238E27FC236}">
-                  <a16:creationId xmlns="" xmlns:a16="http://schemas.microsoft.com/office/drawing/2014/main" id="{FF60CF81-5CFC-4D26-BC95-0E7062BBA6C7}"/>
-                </a:ext>
-              </a:extLst>
-            </p:cNvPr>
-            <p:cNvSpPr/>
-            <p:nvPr/>
-          </p:nvSpPr>
-          <p:spPr>
-            <a:xfrm>
-              <a:off x="1717589" y="766119"/>
-              <a:ext cx="7767342" cy="5968313"/>
-            </a:xfrm>
-            <a:prstGeom prst="rect">
-              <a:avLst/>
-            </a:prstGeom>
-            <a:ln w="19050"/>
-          </p:spPr>
-          <p:style>
-            <a:lnRef idx="2">
-              <a:schemeClr val="accent1"/>
-            </a:lnRef>
-            <a:fillRef idx="1">
-              <a:schemeClr val="lt1"/>
-            </a:fillRef>
-            <a:effectRef idx="0">
-              <a:schemeClr val="accent1"/>
-            </a:effectRef>
-            <a:fontRef idx="minor">
-              <a:schemeClr val="dk1"/>
-            </a:fontRef>
-          </p:style>
-          <p:txBody>
-            <a:bodyPr lIns="36000" tIns="36000" rIns="36000" bIns="36000" rtlCol="0" anchor="ctr" anchorCtr="0"/>
-            <a:lstStyle/>
-            <a:p>
-              <a:pPr algn="ctr"/>
-              <a:endParaRPr lang="en-IN" sz="1400" b="1"/>
-            </a:p>
-          </p:txBody>
-        </p:sp>
-        <p:sp>
-          <p:nvSpPr>
-            <p:cNvPr id="57" name="Rectangle 56">
-              <a:extLst>
-                <a:ext uri="{FF2B5EF4-FFF2-40B4-BE49-F238E27FC236}">
-                  <a16:creationId xmlns="" xmlns:a16="http://schemas.microsoft.com/office/drawing/2014/main" id="{AE4DB599-D485-49B1-8D73-FBED380B46CC}"/>
-                </a:ext>
-              </a:extLst>
-            </p:cNvPr>
-            <p:cNvSpPr/>
-            <p:nvPr/>
-          </p:nvSpPr>
-          <p:spPr>
-            <a:xfrm>
-              <a:off x="1198423" y="766119"/>
-              <a:ext cx="519166" cy="5968313"/>
-            </a:xfrm>
-            <a:prstGeom prst="rect">
-              <a:avLst/>
-            </a:prstGeom>
-            <a:ln w="19050"/>
-          </p:spPr>
-          <p:style>
-            <a:lnRef idx="2">
-              <a:schemeClr val="dk1"/>
-            </a:lnRef>
-            <a:fillRef idx="1">
-              <a:schemeClr val="lt1"/>
-            </a:fillRef>
-            <a:effectRef idx="0">
-              <a:schemeClr val="dk1"/>
-            </a:effectRef>
-            <a:fontRef idx="minor">
-              <a:schemeClr val="dk1"/>
-            </a:fontRef>
-          </p:style>
-          <p:txBody>
-            <a:bodyPr lIns="36000" tIns="36000" rIns="36000" bIns="36000" rtlCol="0" anchor="ctr" anchorCtr="0"/>
-            <a:lstStyle/>
-            <a:p>
-              <a:pPr algn="ctr"/>
-              <a:endParaRPr lang="en-IN" sz="1400" b="1"/>
-            </a:p>
-          </p:txBody>
-        </p:sp>
-        <p:sp>
-          <p:nvSpPr>
-            <p:cNvPr id="58" name="TextBox 57">
-              <a:extLst>
-                <a:ext uri="{FF2B5EF4-FFF2-40B4-BE49-F238E27FC236}">
-                  <a16:creationId xmlns="" xmlns:a16="http://schemas.microsoft.com/office/drawing/2014/main" id="{7FF632F4-D0FD-44A5-9058-CA1D750CFB05}"/>
-                </a:ext>
-              </a:extLst>
-            </p:cNvPr>
-            <p:cNvSpPr txBox="1"/>
-            <p:nvPr/>
-          </p:nvSpPr>
-          <p:spPr>
-            <a:xfrm rot="16200000">
-              <a:off x="688225" y="5628907"/>
-              <a:ext cx="1527726" cy="288147"/>
-            </a:xfrm>
-            <a:prstGeom prst="rect">
-              <a:avLst/>
-            </a:prstGeom>
-            <a:noFill/>
-          </p:spPr>
-          <p:txBody>
-            <a:bodyPr wrap="square" lIns="36000" tIns="36000" rIns="36000" bIns="36000" rtlCol="0" anchor="ctr" anchorCtr="0">
-              <a:spAutoFit/>
-            </a:bodyPr>
-            <a:lstStyle/>
-            <a:p>
-              <a:r>
-                <a:rPr lang="en-IN" sz="1400" b="1" dirty="0"/>
-                <a:t>Data </a:t>
-              </a:r>
-              <a:r>
-                <a:rPr lang="en-IN" sz="1400" b="1" dirty="0" smtClean="0"/>
-                <a:t>Acquisition</a:t>
-              </a:r>
-              <a:endParaRPr lang="en-IN" sz="1400" b="1" dirty="0"/>
-            </a:p>
-          </p:txBody>
-        </p:sp>
-        <p:sp>
-          <p:nvSpPr>
-            <p:cNvPr id="59" name="TextBox 58">
-              <a:extLst>
-                <a:ext uri="{FF2B5EF4-FFF2-40B4-BE49-F238E27FC236}">
-                  <a16:creationId xmlns="" xmlns:a16="http://schemas.microsoft.com/office/drawing/2014/main" id="{FBA93DA5-7B55-46AD-B30E-6E55105C9FED}"/>
-                </a:ext>
-              </a:extLst>
-            </p:cNvPr>
-            <p:cNvSpPr txBox="1"/>
-            <p:nvPr/>
-          </p:nvSpPr>
-          <p:spPr>
-            <a:xfrm rot="16200000">
-              <a:off x="655831" y="3743762"/>
-              <a:ext cx="1596209" cy="297962"/>
-            </a:xfrm>
-            <a:prstGeom prst="rect">
-              <a:avLst/>
-            </a:prstGeom>
-            <a:noFill/>
-          </p:spPr>
-          <p:txBody>
-            <a:bodyPr wrap="square" lIns="36000" tIns="36000" rIns="36000" bIns="36000" rtlCol="0" anchor="ctr" anchorCtr="0">
-              <a:spAutoFit/>
-            </a:bodyPr>
-            <a:lstStyle/>
-            <a:p>
-              <a:r>
-                <a:rPr lang="en-IN" sz="1400" b="1" dirty="0"/>
-                <a:t>Feature Extraction</a:t>
-              </a:r>
-            </a:p>
-          </p:txBody>
-        </p:sp>
-        <p:sp>
-          <p:nvSpPr>
-            <p:cNvPr id="60" name="TextBox 59">
-              <a:extLst>
-                <a:ext uri="{FF2B5EF4-FFF2-40B4-BE49-F238E27FC236}">
-                  <a16:creationId xmlns="" xmlns:a16="http://schemas.microsoft.com/office/drawing/2014/main" id="{29AF936D-399D-443F-847F-66B9C828494E}"/>
-                </a:ext>
-              </a:extLst>
-            </p:cNvPr>
-            <p:cNvSpPr txBox="1"/>
-            <p:nvPr/>
-          </p:nvSpPr>
-          <p:spPr>
-            <a:xfrm rot="16200000">
-              <a:off x="500059" y="1630991"/>
-              <a:ext cx="1892597" cy="288147"/>
-            </a:xfrm>
-            <a:prstGeom prst="rect">
-              <a:avLst/>
-            </a:prstGeom>
-            <a:noFill/>
-          </p:spPr>
-          <p:txBody>
-            <a:bodyPr wrap="square" lIns="36000" tIns="36000" rIns="36000" bIns="36000" rtlCol="0" anchor="ctr" anchorCtr="0">
-              <a:spAutoFit/>
-            </a:bodyPr>
-            <a:lstStyle/>
-            <a:p>
-              <a:r>
-                <a:rPr lang="en-IN" sz="1400" b="1" dirty="0" smtClean="0"/>
-                <a:t>Stay-location Inference</a:t>
-              </a:r>
-              <a:endParaRPr lang="en-IN" sz="1400" b="1" dirty="0"/>
-            </a:p>
-          </p:txBody>
-        </p:sp>
-        <p:sp>
-          <p:nvSpPr>
-            <p:cNvPr id="61" name="Rectangle 60">
-              <a:extLst>
-                <a:ext uri="{FF2B5EF4-FFF2-40B4-BE49-F238E27FC236}">
-                  <a16:creationId xmlns="" xmlns:a16="http://schemas.microsoft.com/office/drawing/2014/main" id="{165F0D6E-B8E0-48BF-9AEB-97FC0DF1A713}"/>
-                </a:ext>
-              </a:extLst>
-            </p:cNvPr>
-            <p:cNvSpPr/>
-            <p:nvPr/>
-          </p:nvSpPr>
-          <p:spPr>
-            <a:xfrm>
-              <a:off x="1198423" y="426067"/>
-              <a:ext cx="8286508" cy="340052"/>
-            </a:xfrm>
-            <a:prstGeom prst="rect">
-              <a:avLst/>
-            </a:prstGeom>
-            <a:ln w="19050"/>
-          </p:spPr>
-          <p:style>
-            <a:lnRef idx="2">
-              <a:schemeClr val="dk1"/>
-            </a:lnRef>
-            <a:fillRef idx="1">
-              <a:schemeClr val="lt1"/>
-            </a:fillRef>
-            <a:effectRef idx="0">
-              <a:schemeClr val="dk1"/>
-            </a:effectRef>
-            <a:fontRef idx="minor">
-              <a:schemeClr val="dk1"/>
-            </a:fontRef>
-          </p:style>
-          <p:txBody>
-            <a:bodyPr lIns="36000" tIns="36000" rIns="36000" bIns="36000" rtlCol="0" anchor="ctr" anchorCtr="0"/>
-            <a:lstStyle/>
-            <a:p>
-              <a:pPr algn="ctr"/>
-              <a:endParaRPr lang="en-IN" sz="1400" b="1"/>
-            </a:p>
-          </p:txBody>
-        </p:sp>
-        <p:sp>
-          <p:nvSpPr>
-            <p:cNvPr id="62" name="TextBox 61">
-              <a:extLst>
-                <a:ext uri="{FF2B5EF4-FFF2-40B4-BE49-F238E27FC236}">
-                  <a16:creationId xmlns="" xmlns:a16="http://schemas.microsoft.com/office/drawing/2014/main" id="{D2A66924-7792-4C88-AE22-3922579435E0}"/>
-                </a:ext>
-              </a:extLst>
-            </p:cNvPr>
-            <p:cNvSpPr txBox="1"/>
-            <p:nvPr/>
-          </p:nvSpPr>
-          <p:spPr>
-            <a:xfrm>
-              <a:off x="2548497" y="468184"/>
-              <a:ext cx="1558816" cy="297962"/>
-            </a:xfrm>
-            <a:prstGeom prst="rect">
-              <a:avLst/>
-            </a:prstGeom>
-            <a:noFill/>
-          </p:spPr>
-          <p:txBody>
-            <a:bodyPr wrap="none" lIns="36000" tIns="36000" rIns="36000" bIns="36000" rtlCol="0" anchor="ctr" anchorCtr="0">
-              <a:spAutoFit/>
-            </a:bodyPr>
-            <a:lstStyle/>
-            <a:p>
-              <a:r>
-                <a:rPr lang="en-IN" sz="1400" b="1" dirty="0"/>
-                <a:t>Feature Engineering</a:t>
-              </a:r>
-            </a:p>
-          </p:txBody>
-        </p:sp>
-        <p:sp>
-          <p:nvSpPr>
-            <p:cNvPr id="63" name="TextBox 62">
-              <a:extLst>
-                <a:ext uri="{FF2B5EF4-FFF2-40B4-BE49-F238E27FC236}">
-                  <a16:creationId xmlns="" xmlns:a16="http://schemas.microsoft.com/office/drawing/2014/main" id="{529A6AA7-3F6C-4455-9D4D-20A6DFFC0231}"/>
-                </a:ext>
-              </a:extLst>
-            </p:cNvPr>
-            <p:cNvSpPr txBox="1"/>
-            <p:nvPr/>
-          </p:nvSpPr>
-          <p:spPr>
-            <a:xfrm>
-              <a:off x="5705537" y="458903"/>
-              <a:ext cx="1612740" cy="297962"/>
-            </a:xfrm>
-            <a:prstGeom prst="rect">
-              <a:avLst/>
-            </a:prstGeom>
-            <a:noFill/>
-          </p:spPr>
-          <p:txBody>
-            <a:bodyPr wrap="none" lIns="36000" tIns="36000" rIns="36000" bIns="36000" rtlCol="0" anchor="ctr" anchorCtr="0">
-              <a:spAutoFit/>
-            </a:bodyPr>
-            <a:lstStyle/>
-            <a:p>
-              <a:r>
-                <a:rPr lang="en-IN" sz="1400" b="1" dirty="0"/>
-                <a:t>Predictive Modelling</a:t>
-              </a:r>
-            </a:p>
-          </p:txBody>
-        </p:sp>
-        <p:grpSp>
-          <p:nvGrpSpPr>
-            <p:cNvPr id="102" name="Group 101">
-              <a:extLst>
-                <a:ext uri="{FF2B5EF4-FFF2-40B4-BE49-F238E27FC236}">
-                  <a16:creationId xmlns="" xmlns:a16="http://schemas.microsoft.com/office/drawing/2014/main" id="{0E8554B8-B75E-40BD-B54A-F48E65D25DBC}"/>
+                  <a16:creationId xmlns:a16="http://schemas.microsoft.com/office/drawing/2014/main" xmlns="" id="{ABC16984-EFFB-4457-83FD-A8763B85442B}"/>
                 </a:ext>
               </a:extLst>
             </p:cNvPr>
@@ -3721,18 +3399,18 @@
           </p:nvGrpSpPr>
           <p:grpSpPr>
             <a:xfrm>
-              <a:off x="1953234" y="5566946"/>
-              <a:ext cx="7314330" cy="1056274"/>
-              <a:chOff x="1953234" y="5588946"/>
-              <a:chExt cx="7314330" cy="1034275"/>
+              <a:off x="1260208" y="277783"/>
+              <a:ext cx="8286508" cy="6308365"/>
+              <a:chOff x="1198423" y="426067"/>
+              <a:chExt cx="8286508" cy="6308365"/>
             </a:xfrm>
           </p:grpSpPr>
           <p:sp>
             <p:nvSpPr>
-              <p:cNvPr id="13" name="Cloud 12">
+              <p:cNvPr id="4" name="Rectangle 3">
                 <a:extLst>
                   <a:ext uri="{FF2B5EF4-FFF2-40B4-BE49-F238E27FC236}">
-                    <a16:creationId xmlns="" xmlns:a16="http://schemas.microsoft.com/office/drawing/2014/main" id="{D13C6225-CF88-4843-9C88-797EC316F0B0}"/>
+                    <a16:creationId xmlns:a16="http://schemas.microsoft.com/office/drawing/2014/main" xmlns="" id="{FF60CF81-5CFC-4D26-BC95-0E7062BBA6C7}"/>
                   </a:ext>
                 </a:extLst>
               </p:cNvPr>
@@ -3741,13 +3419,17 @@
             </p:nvSpPr>
             <p:spPr>
               <a:xfrm>
-                <a:off x="1953234" y="5588946"/>
-                <a:ext cx="7314330" cy="1034275"/>
+                <a:off x="1717589" y="766119"/>
+                <a:ext cx="7767342" cy="5968313"/>
               </a:xfrm>
-              <a:prstGeom prst="cloud">
+              <a:prstGeom prst="rect">
                 <a:avLst/>
               </a:prstGeom>
-              <a:ln w="19050"/>
+              <a:ln w="19050">
+                <a:solidFill>
+                  <a:schemeClr val="tx1"/>
+                </a:solidFill>
+              </a:ln>
             </p:spPr>
             <p:style>
               <a:lnRef idx="2">
@@ -3772,279 +3454,12 @@
               </a:p>
             </p:txBody>
           </p:sp>
-          <p:pic>
-            <p:nvPicPr>
-              <p:cNvPr id="14" name="Picture 13">
+          <p:sp>
+            <p:nvSpPr>
+              <p:cNvPr id="57" name="Rectangle 56">
                 <a:extLst>
                   <a:ext uri="{FF2B5EF4-FFF2-40B4-BE49-F238E27FC236}">
-                    <a16:creationId xmlns="" xmlns:a16="http://schemas.microsoft.com/office/drawing/2014/main" id="{F1DF8E44-1269-42B0-909C-B1DB94BD93FB}"/>
-                  </a:ext>
-                </a:extLst>
-              </p:cNvPr>
-              <p:cNvPicPr>
-                <a:picLocks noChangeAspect="1"/>
-              </p:cNvPicPr>
-              <p:nvPr/>
-            </p:nvPicPr>
-            <p:blipFill>
-              <a:blip r:embed="rId2" cstate="print">
-                <a:extLst>
-                  <a:ext uri="{28A0092B-C50C-407E-A947-70E740481C1C}">
-                    <a14:useLocalDpi xmlns="" xmlns:a14="http://schemas.microsoft.com/office/drawing/2010/main" val="0"/>
-                  </a:ext>
-                </a:extLst>
-              </a:blip>
-              <a:stretch>
-                <a:fillRect/>
-              </a:stretch>
-            </p:blipFill>
-            <p:spPr>
-              <a:xfrm>
-                <a:off x="2707069" y="5813448"/>
-                <a:ext cx="543348" cy="543348"/>
-              </a:xfrm>
-              <a:prstGeom prst="rect">
-                <a:avLst/>
-              </a:prstGeom>
-            </p:spPr>
-          </p:pic>
-          <p:pic>
-            <p:nvPicPr>
-              <p:cNvPr id="15" name="Picture 14">
-                <a:extLst>
-                  <a:ext uri="{FF2B5EF4-FFF2-40B4-BE49-F238E27FC236}">
-                    <a16:creationId xmlns="" xmlns:a16="http://schemas.microsoft.com/office/drawing/2014/main" id="{574B762E-EF1F-4346-B4D8-AEF8334AC80A}"/>
-                  </a:ext>
-                </a:extLst>
-              </p:cNvPr>
-              <p:cNvPicPr>
-                <a:picLocks noChangeAspect="1"/>
-              </p:cNvPicPr>
-              <p:nvPr/>
-            </p:nvPicPr>
-            <p:blipFill>
-              <a:blip r:embed="rId3" cstate="print">
-                <a:extLst>
-                  <a:ext uri="{28A0092B-C50C-407E-A947-70E740481C1C}">
-                    <a14:useLocalDpi xmlns="" xmlns:a14="http://schemas.microsoft.com/office/drawing/2010/main" val="0"/>
-                  </a:ext>
-                </a:extLst>
-              </a:blip>
-              <a:stretch>
-                <a:fillRect/>
-              </a:stretch>
-            </p:blipFill>
-            <p:spPr>
-              <a:xfrm>
-                <a:off x="4281038" y="5868654"/>
-                <a:ext cx="474857" cy="474857"/>
-              </a:xfrm>
-              <a:prstGeom prst="rect">
-                <a:avLst/>
-              </a:prstGeom>
-            </p:spPr>
-          </p:pic>
-          <p:pic>
-            <p:nvPicPr>
-              <p:cNvPr id="18" name="Picture 17">
-                <a:extLst>
-                  <a:ext uri="{FF2B5EF4-FFF2-40B4-BE49-F238E27FC236}">
-                    <a16:creationId xmlns="" xmlns:a16="http://schemas.microsoft.com/office/drawing/2014/main" id="{B42382BB-6CD5-4150-A7A6-58F934E9F88F}"/>
-                  </a:ext>
-                </a:extLst>
-              </p:cNvPr>
-              <p:cNvPicPr>
-                <a:picLocks noChangeAspect="1"/>
-              </p:cNvPicPr>
-              <p:nvPr/>
-            </p:nvPicPr>
-            <p:blipFill>
-              <a:blip r:embed="rId4" cstate="print"/>
-              <a:stretch>
-                <a:fillRect/>
-              </a:stretch>
-            </p:blipFill>
-            <p:spPr>
-              <a:xfrm>
-                <a:off x="8090123" y="5716252"/>
-                <a:ext cx="583023" cy="570880"/>
-              </a:xfrm>
-              <a:prstGeom prst="rect">
-                <a:avLst/>
-              </a:prstGeom>
-            </p:spPr>
-          </p:pic>
-          <p:pic>
-            <p:nvPicPr>
-              <p:cNvPr id="21" name="Picture 20">
-                <a:extLst>
-                  <a:ext uri="{FF2B5EF4-FFF2-40B4-BE49-F238E27FC236}">
-                    <a16:creationId xmlns="" xmlns:a16="http://schemas.microsoft.com/office/drawing/2014/main" id="{30B9AD1C-FE81-47BA-A659-C9B531B19912}"/>
-                  </a:ext>
-                </a:extLst>
-              </p:cNvPr>
-              <p:cNvPicPr>
-                <a:picLocks noChangeAspect="1"/>
-              </p:cNvPicPr>
-              <p:nvPr/>
-            </p:nvPicPr>
-            <p:blipFill>
-              <a:blip r:embed="rId5">
-                <a:extLst>
-                  <a:ext uri="{28A0092B-C50C-407E-A947-70E740481C1C}">
-                    <a14:useLocalDpi xmlns="" xmlns:a14="http://schemas.microsoft.com/office/drawing/2010/main" val="0"/>
-                  </a:ext>
-                </a:extLst>
-              </a:blip>
-              <a:stretch>
-                <a:fillRect/>
-              </a:stretch>
-            </p:blipFill>
-            <p:spPr>
-              <a:xfrm>
-                <a:off x="3498071" y="5741866"/>
-                <a:ext cx="488297" cy="757135"/>
-              </a:xfrm>
-              <a:prstGeom prst="rect">
-                <a:avLst/>
-              </a:prstGeom>
-            </p:spPr>
-          </p:pic>
-          <p:pic>
-            <p:nvPicPr>
-              <p:cNvPr id="67" name="Picture 66">
-                <a:extLst>
-                  <a:ext uri="{FF2B5EF4-FFF2-40B4-BE49-F238E27FC236}">
-                    <a16:creationId xmlns="" xmlns:a16="http://schemas.microsoft.com/office/drawing/2014/main" id="{DA8A1F37-E747-4788-8E66-615D2832AA12}"/>
-                  </a:ext>
-                </a:extLst>
-              </p:cNvPr>
-              <p:cNvPicPr>
-                <a:picLocks noChangeAspect="1"/>
-              </p:cNvPicPr>
-              <p:nvPr/>
-            </p:nvPicPr>
-            <p:blipFill>
-              <a:blip r:embed="rId6" cstate="print">
-                <a:extLst>
-                  <a:ext uri="{28A0092B-C50C-407E-A947-70E740481C1C}">
-                    <a14:useLocalDpi xmlns="" xmlns:a14="http://schemas.microsoft.com/office/drawing/2010/main" val="0"/>
-                  </a:ext>
-                </a:extLst>
-              </a:blip>
-              <a:stretch>
-                <a:fillRect/>
-              </a:stretch>
-            </p:blipFill>
-            <p:spPr>
-              <a:xfrm rot="1923660">
-                <a:off x="4846575" y="5762685"/>
-                <a:ext cx="1014122" cy="760591"/>
-              </a:xfrm>
-              <a:prstGeom prst="rect">
-                <a:avLst/>
-              </a:prstGeom>
-            </p:spPr>
-          </p:pic>
-          <p:pic>
-            <p:nvPicPr>
-              <p:cNvPr id="68" name="Picture 67">
-                <a:extLst>
-                  <a:ext uri="{FF2B5EF4-FFF2-40B4-BE49-F238E27FC236}">
-                    <a16:creationId xmlns="" xmlns:a16="http://schemas.microsoft.com/office/drawing/2014/main" id="{32180321-1341-4F9B-87A4-E386F4882428}"/>
-                  </a:ext>
-                </a:extLst>
-              </p:cNvPr>
-              <p:cNvPicPr>
-                <a:picLocks noChangeAspect="1"/>
-              </p:cNvPicPr>
-              <p:nvPr/>
-            </p:nvPicPr>
-            <p:blipFill>
-              <a:blip r:embed="rId7" cstate="print">
-                <a:extLst>
-                  <a:ext uri="{28A0092B-C50C-407E-A947-70E740481C1C}">
-                    <a14:useLocalDpi xmlns="" xmlns:a14="http://schemas.microsoft.com/office/drawing/2010/main" val="0"/>
-                  </a:ext>
-                </a:extLst>
-              </a:blip>
-              <a:stretch>
-                <a:fillRect/>
-              </a:stretch>
-            </p:blipFill>
-            <p:spPr>
-              <a:xfrm>
-                <a:off x="5722628" y="5653515"/>
-                <a:ext cx="1127547" cy="954656"/>
-              </a:xfrm>
-              <a:prstGeom prst="rect">
-                <a:avLst/>
-              </a:prstGeom>
-            </p:spPr>
-          </p:pic>
-          <p:pic>
-            <p:nvPicPr>
-              <p:cNvPr id="69" name="Picture 68">
-                <a:extLst>
-                  <a:ext uri="{FF2B5EF4-FFF2-40B4-BE49-F238E27FC236}">
-                    <a16:creationId xmlns="" xmlns:a16="http://schemas.microsoft.com/office/drawing/2014/main" id="{8DB4BA55-69C7-496B-8130-EA7816A86032}"/>
-                  </a:ext>
-                </a:extLst>
-              </p:cNvPr>
-              <p:cNvPicPr>
-                <a:picLocks noChangeAspect="1"/>
-              </p:cNvPicPr>
-              <p:nvPr/>
-            </p:nvPicPr>
-            <p:blipFill>
-              <a:blip r:embed="rId8" cstate="print">
-                <a:extLst>
-                  <a:ext uri="{28A0092B-C50C-407E-A947-70E740481C1C}">
-                    <a14:useLocalDpi xmlns="" xmlns:a14="http://schemas.microsoft.com/office/drawing/2010/main" val="0"/>
-                  </a:ext>
-                </a:extLst>
-              </a:blip>
-              <a:stretch>
-                <a:fillRect/>
-              </a:stretch>
-            </p:blipFill>
-            <p:spPr>
-              <a:xfrm>
-                <a:off x="6797824" y="5719388"/>
-                <a:ext cx="1061282" cy="640904"/>
-              </a:xfrm>
-              <a:prstGeom prst="rect">
-                <a:avLst/>
-              </a:prstGeom>
-            </p:spPr>
-          </p:pic>
-        </p:grpSp>
-        <p:grpSp>
-          <p:nvGrpSpPr>
-            <p:cNvPr id="73" name="Group 72">
-              <a:extLst>
-                <a:ext uri="{FF2B5EF4-FFF2-40B4-BE49-F238E27FC236}">
-                  <a16:creationId xmlns="" xmlns:a16="http://schemas.microsoft.com/office/drawing/2014/main" id="{13D20B30-4970-49BE-A694-EEAB7D4F34D3}"/>
-                </a:ext>
-              </a:extLst>
-            </p:cNvPr>
-            <p:cNvGrpSpPr/>
-            <p:nvPr/>
-          </p:nvGrpSpPr>
-          <p:grpSpPr>
-            <a:xfrm>
-              <a:off x="2350013" y="4609336"/>
-              <a:ext cx="6494711" cy="803271"/>
-              <a:chOff x="2920667" y="4510526"/>
-              <a:chExt cx="6494711" cy="803271"/>
-            </a:xfrm>
-          </p:grpSpPr>
-          <p:sp>
-            <p:nvSpPr>
-              <p:cNvPr id="22" name="Cylinder 21">
-                <a:extLst>
-                  <a:ext uri="{FF2B5EF4-FFF2-40B4-BE49-F238E27FC236}">
-                    <a16:creationId xmlns="" xmlns:a16="http://schemas.microsoft.com/office/drawing/2014/main" id="{BBBFCCCC-6E0F-4015-9164-24B8629E4722}"/>
+                    <a16:creationId xmlns:a16="http://schemas.microsoft.com/office/drawing/2014/main" xmlns="" id="{AE4DB599-D485-49B1-8D73-FBED380B46CC}"/>
                   </a:ext>
                 </a:extLst>
               </p:cNvPr>
@@ -4053,23 +3468,23 @@
             </p:nvSpPr>
             <p:spPr>
               <a:xfrm>
-                <a:off x="2920667" y="4511038"/>
-                <a:ext cx="1136822" cy="793784"/>
+                <a:off x="1198423" y="766119"/>
+                <a:ext cx="519166" cy="5968313"/>
               </a:xfrm>
-              <a:prstGeom prst="can">
+              <a:prstGeom prst="rect">
                 <a:avLst/>
               </a:prstGeom>
               <a:ln w="19050"/>
             </p:spPr>
             <p:style>
-              <a:lnRef idx="1">
-                <a:schemeClr val="accent4"/>
+              <a:lnRef idx="2">
+                <a:schemeClr val="dk1"/>
               </a:lnRef>
-              <a:fillRef idx="2">
-                <a:schemeClr val="accent4"/>
+              <a:fillRef idx="1">
+                <a:schemeClr val="lt1"/>
               </a:fillRef>
-              <a:effectRef idx="1">
-                <a:schemeClr val="accent4"/>
+              <a:effectRef idx="0">
+                <a:schemeClr val="dk1"/>
               </a:effectRef>
               <a:fontRef idx="minor">
                 <a:schemeClr val="dk1"/>
@@ -4080,13 +3495,45 @@
               <a:lstStyle/>
               <a:p>
                 <a:pPr algn="ctr"/>
+                <a:endParaRPr lang="en-IN" sz="1400" b="1"/>
+              </a:p>
+            </p:txBody>
+          </p:sp>
+          <p:sp>
+            <p:nvSpPr>
+              <p:cNvPr id="58" name="TextBox 57">
+                <a:extLst>
+                  <a:ext uri="{FF2B5EF4-FFF2-40B4-BE49-F238E27FC236}">
+                    <a16:creationId xmlns:a16="http://schemas.microsoft.com/office/drawing/2014/main" xmlns="" id="{7FF632F4-D0FD-44A5-9058-CA1D750CFB05}"/>
+                  </a:ext>
+                </a:extLst>
+              </p:cNvPr>
+              <p:cNvSpPr txBox="1"/>
+              <p:nvPr/>
+            </p:nvSpPr>
+            <p:spPr>
+              <a:xfrm rot="16200000">
+                <a:off x="688225" y="5628907"/>
+                <a:ext cx="1527726" cy="288147"/>
+              </a:xfrm>
+              <a:prstGeom prst="rect">
+                <a:avLst/>
+              </a:prstGeom>
+              <a:noFill/>
+            </p:spPr>
+            <p:txBody>
+              <a:bodyPr wrap="square" lIns="36000" tIns="36000" rIns="36000" bIns="36000" rtlCol="0" anchor="ctr" anchorCtr="0">
+                <a:spAutoFit/>
+              </a:bodyPr>
+              <a:lstStyle/>
+              <a:p>
                 <a:r>
                   <a:rPr lang="en-IN" sz="1400" b="1" dirty="0"/>
-                  <a:t>Motion Sensor </a:t>
+                  <a:t>Data </a:t>
                 </a:r>
                 <a:r>
                   <a:rPr lang="en-IN" sz="1400" b="1" dirty="0" smtClean="0"/>
-                  <a:t>Data</a:t>
+                  <a:t>Acquisition</a:t>
                 </a:r>
                 <a:endParaRPr lang="en-IN" sz="1400" b="1" dirty="0"/>
               </a:p>
@@ -4094,10 +3541,81 @@
           </p:sp>
           <p:sp>
             <p:nvSpPr>
-              <p:cNvPr id="24" name="Cylinder 23">
+              <p:cNvPr id="59" name="TextBox 58">
                 <a:extLst>
                   <a:ext uri="{FF2B5EF4-FFF2-40B4-BE49-F238E27FC236}">
-                    <a16:creationId xmlns="" xmlns:a16="http://schemas.microsoft.com/office/drawing/2014/main" id="{FE3BAFCD-1BAA-4231-B5FD-EEBC50A2D496}"/>
+                    <a16:creationId xmlns:a16="http://schemas.microsoft.com/office/drawing/2014/main" xmlns="" id="{FBA93DA5-7B55-46AD-B30E-6E55105C9FED}"/>
+                  </a:ext>
+                </a:extLst>
+              </p:cNvPr>
+              <p:cNvSpPr txBox="1"/>
+              <p:nvPr/>
+            </p:nvSpPr>
+            <p:spPr>
+              <a:xfrm rot="16200000">
+                <a:off x="655831" y="3743762"/>
+                <a:ext cx="1596209" cy="297962"/>
+              </a:xfrm>
+              <a:prstGeom prst="rect">
+                <a:avLst/>
+              </a:prstGeom>
+              <a:noFill/>
+            </p:spPr>
+            <p:txBody>
+              <a:bodyPr wrap="square" lIns="36000" tIns="36000" rIns="36000" bIns="36000" rtlCol="0" anchor="ctr" anchorCtr="0">
+                <a:spAutoFit/>
+              </a:bodyPr>
+              <a:lstStyle/>
+              <a:p>
+                <a:r>
+                  <a:rPr lang="en-IN" sz="1400" b="1" dirty="0"/>
+                  <a:t>Feature Extraction</a:t>
+                </a:r>
+              </a:p>
+            </p:txBody>
+          </p:sp>
+          <p:sp>
+            <p:nvSpPr>
+              <p:cNvPr id="60" name="TextBox 59">
+                <a:extLst>
+                  <a:ext uri="{FF2B5EF4-FFF2-40B4-BE49-F238E27FC236}">
+                    <a16:creationId xmlns:a16="http://schemas.microsoft.com/office/drawing/2014/main" xmlns="" id="{29AF936D-399D-443F-847F-66B9C828494E}"/>
+                  </a:ext>
+                </a:extLst>
+              </p:cNvPr>
+              <p:cNvSpPr txBox="1"/>
+              <p:nvPr/>
+            </p:nvSpPr>
+            <p:spPr>
+              <a:xfrm rot="16200000">
+                <a:off x="500059" y="1630991"/>
+                <a:ext cx="1892597" cy="288147"/>
+              </a:xfrm>
+              <a:prstGeom prst="rect">
+                <a:avLst/>
+              </a:prstGeom>
+              <a:noFill/>
+            </p:spPr>
+            <p:txBody>
+              <a:bodyPr wrap="square" lIns="36000" tIns="36000" rIns="36000" bIns="36000" rtlCol="0" anchor="ctr" anchorCtr="0">
+                <a:spAutoFit/>
+              </a:bodyPr>
+              <a:lstStyle/>
+              <a:p>
+                <a:r>
+                  <a:rPr lang="en-IN" sz="1400" b="1" dirty="0" smtClean="0"/>
+                  <a:t>Stay-location Inference</a:t>
+                </a:r>
+                <a:endParaRPr lang="en-IN" sz="1400" b="1" dirty="0"/>
+              </a:p>
+            </p:txBody>
+          </p:sp>
+          <p:sp>
+            <p:nvSpPr>
+              <p:cNvPr id="61" name="Rectangle 60">
+                <a:extLst>
+                  <a:ext uri="{FF2B5EF4-FFF2-40B4-BE49-F238E27FC236}">
+                    <a16:creationId xmlns:a16="http://schemas.microsoft.com/office/drawing/2014/main" xmlns="" id="{165F0D6E-B8E0-48BF-9AEB-97FC0DF1A713}"/>
                   </a:ext>
                 </a:extLst>
               </p:cNvPr>
@@ -4106,23 +3624,23 @@
             </p:nvSpPr>
             <p:spPr>
               <a:xfrm>
-                <a:off x="4255951" y="4511038"/>
-                <a:ext cx="1136822" cy="793784"/>
+                <a:off x="1198423" y="426067"/>
+                <a:ext cx="8286508" cy="340052"/>
               </a:xfrm>
-              <a:prstGeom prst="can">
+              <a:prstGeom prst="rect">
                 <a:avLst/>
               </a:prstGeom>
               <a:ln w="19050"/>
             </p:spPr>
             <p:style>
-              <a:lnRef idx="1">
-                <a:schemeClr val="accent4"/>
+              <a:lnRef idx="2">
+                <a:schemeClr val="dk1"/>
               </a:lnRef>
-              <a:fillRef idx="2">
-                <a:schemeClr val="accent4"/>
+              <a:fillRef idx="1">
+                <a:schemeClr val="lt1"/>
               </a:fillRef>
-              <a:effectRef idx="1">
-                <a:schemeClr val="accent4"/>
+              <a:effectRef idx="0">
+                <a:schemeClr val="dk1"/>
               </a:effectRef>
               <a:fontRef idx="minor">
                 <a:schemeClr val="dk1"/>
@@ -4133,202 +3651,86 @@
               <a:lstStyle/>
               <a:p>
                 <a:pPr algn="ctr"/>
+                <a:endParaRPr lang="en-IN" sz="1400" b="1"/>
+              </a:p>
+            </p:txBody>
+          </p:sp>
+          <p:sp>
+            <p:nvSpPr>
+              <p:cNvPr id="62" name="TextBox 61">
+                <a:extLst>
+                  <a:ext uri="{FF2B5EF4-FFF2-40B4-BE49-F238E27FC236}">
+                    <a16:creationId xmlns:a16="http://schemas.microsoft.com/office/drawing/2014/main" xmlns="" id="{D2A66924-7792-4C88-AE22-3922579435E0}"/>
+                  </a:ext>
+                </a:extLst>
+              </p:cNvPr>
+              <p:cNvSpPr txBox="1"/>
+              <p:nvPr/>
+            </p:nvSpPr>
+            <p:spPr>
+              <a:xfrm>
+                <a:off x="2548497" y="468184"/>
+                <a:ext cx="1558816" cy="297962"/>
+              </a:xfrm>
+              <a:prstGeom prst="rect">
+                <a:avLst/>
+              </a:prstGeom>
+              <a:noFill/>
+            </p:spPr>
+            <p:txBody>
+              <a:bodyPr wrap="none" lIns="36000" tIns="36000" rIns="36000" bIns="36000" rtlCol="0" anchor="ctr" anchorCtr="0">
+                <a:spAutoFit/>
+              </a:bodyPr>
+              <a:lstStyle/>
+              <a:p>
                 <a:r>
                   <a:rPr lang="en-IN" sz="1400" b="1" dirty="0"/>
-                  <a:t>Sound Data</a:t>
+                  <a:t>Feature Engineering</a:t>
                 </a:r>
               </a:p>
             </p:txBody>
           </p:sp>
           <p:sp>
             <p:nvSpPr>
-              <p:cNvPr id="25" name="Cylinder 24">
+              <p:cNvPr id="63" name="TextBox 62">
                 <a:extLst>
                   <a:ext uri="{FF2B5EF4-FFF2-40B4-BE49-F238E27FC236}">
-                    <a16:creationId xmlns="" xmlns:a16="http://schemas.microsoft.com/office/drawing/2014/main" id="{F0F4A2D5-DD62-428E-82A5-9CEC33A5FFF2}"/>
+                    <a16:creationId xmlns:a16="http://schemas.microsoft.com/office/drawing/2014/main" xmlns="" id="{529A6AA7-3F6C-4455-9D4D-20A6DFFC0231}"/>
                   </a:ext>
                 </a:extLst>
               </p:cNvPr>
-              <p:cNvSpPr/>
+              <p:cNvSpPr txBox="1"/>
               <p:nvPr/>
             </p:nvSpPr>
             <p:spPr>
               <a:xfrm>
-                <a:off x="5596158" y="4511038"/>
-                <a:ext cx="1136822" cy="793784"/>
+                <a:off x="5705537" y="458903"/>
+                <a:ext cx="1612740" cy="297962"/>
               </a:xfrm>
-              <a:prstGeom prst="can">
+              <a:prstGeom prst="rect">
                 <a:avLst/>
               </a:prstGeom>
-              <a:ln w="19050"/>
+              <a:noFill/>
             </p:spPr>
-            <p:style>
-              <a:lnRef idx="1">
-                <a:schemeClr val="accent4"/>
-              </a:lnRef>
-              <a:fillRef idx="2">
-                <a:schemeClr val="accent4"/>
-              </a:fillRef>
-              <a:effectRef idx="1">
-                <a:schemeClr val="accent4"/>
-              </a:effectRef>
-              <a:fontRef idx="minor">
-                <a:schemeClr val="dk1"/>
-              </a:fontRef>
-            </p:style>
             <p:txBody>
-              <a:bodyPr lIns="36000" tIns="36000" rIns="36000" bIns="36000" rtlCol="0" anchor="ctr" anchorCtr="0"/>
+              <a:bodyPr wrap="none" lIns="36000" tIns="36000" rIns="36000" bIns="36000" rtlCol="0" anchor="ctr" anchorCtr="0">
+                <a:spAutoFit/>
+              </a:bodyPr>
               <a:lstStyle/>
               <a:p>
-                <a:pPr algn="ctr"/>
-                <a:r>
-                  <a:rPr lang="en-IN" sz="1400" b="1" dirty="0" smtClean="0"/>
-                  <a:t>WiFi </a:t>
-                </a:r>
                 <a:r>
                   <a:rPr lang="en-IN" sz="1400" b="1" dirty="0"/>
-                  <a:t>D</a:t>
-                </a:r>
-                <a:r>
-                  <a:rPr lang="en-IN" sz="1400" b="1" dirty="0" smtClean="0"/>
-                  <a:t>ata</a:t>
-                </a:r>
-                <a:endParaRPr lang="en-IN" sz="1400" b="1" dirty="0"/>
-              </a:p>
-            </p:txBody>
-          </p:sp>
-          <p:sp>
-            <p:nvSpPr>
-              <p:cNvPr id="26" name="Cylinder 25">
-                <a:extLst>
-                  <a:ext uri="{FF2B5EF4-FFF2-40B4-BE49-F238E27FC236}">
-                    <a16:creationId xmlns="" xmlns:a16="http://schemas.microsoft.com/office/drawing/2014/main" id="{0AC67D06-8CD5-451F-AFAD-31575604F6B8}"/>
-                  </a:ext>
-                </a:extLst>
-              </p:cNvPr>
-              <p:cNvSpPr/>
-              <p:nvPr/>
-            </p:nvSpPr>
-            <p:spPr>
-              <a:xfrm>
-                <a:off x="8278556" y="4520013"/>
-                <a:ext cx="1136822" cy="793784"/>
-              </a:xfrm>
-              <a:prstGeom prst="can">
-                <a:avLst/>
-              </a:prstGeom>
-              <a:ln w="19050"/>
-            </p:spPr>
-            <p:style>
-              <a:lnRef idx="1">
-                <a:schemeClr val="accent4"/>
-              </a:lnRef>
-              <a:fillRef idx="2">
-                <a:schemeClr val="accent4"/>
-              </a:fillRef>
-              <a:effectRef idx="1">
-                <a:schemeClr val="accent4"/>
-              </a:effectRef>
-              <a:fontRef idx="minor">
-                <a:schemeClr val="dk1"/>
-              </a:fontRef>
-            </p:style>
-            <p:txBody>
-              <a:bodyPr lIns="36000" tIns="36000" rIns="36000" bIns="36000" rtlCol="0" anchor="ctr" anchorCtr="0"/>
-              <a:lstStyle/>
-              <a:p>
-                <a:pPr algn="ctr"/>
-                <a:r>
-                  <a:rPr lang="en-IN" sz="1400" b="1" dirty="0" smtClean="0"/>
-                  <a:t>Stay-location </a:t>
-                </a:r>
-                <a:r>
-                  <a:rPr lang="en-IN" sz="1400" b="1" dirty="0"/>
-                  <a:t>T</a:t>
-                </a:r>
-                <a:r>
-                  <a:rPr lang="en-IN" sz="1400" b="1" dirty="0" smtClean="0"/>
-                  <a:t>agging Data</a:t>
-                </a:r>
-                <a:endParaRPr lang="en-IN" sz="1400" b="1" dirty="0"/>
-              </a:p>
-            </p:txBody>
-          </p:sp>
-          <p:sp>
-            <p:nvSpPr>
-              <p:cNvPr id="72" name="Cylinder 71">
-                <a:extLst>
-                  <a:ext uri="{FF2B5EF4-FFF2-40B4-BE49-F238E27FC236}">
-                    <a16:creationId xmlns="" xmlns:a16="http://schemas.microsoft.com/office/drawing/2014/main" id="{996420C3-154C-45B9-AC69-ECB794237A9F}"/>
-                  </a:ext>
-                </a:extLst>
-              </p:cNvPr>
-              <p:cNvSpPr/>
-              <p:nvPr/>
-            </p:nvSpPr>
-            <p:spPr>
-              <a:xfrm>
-                <a:off x="6936365" y="4510526"/>
-                <a:ext cx="1136822" cy="793784"/>
-              </a:xfrm>
-              <a:prstGeom prst="can">
-                <a:avLst/>
-              </a:prstGeom>
-              <a:ln w="19050"/>
-            </p:spPr>
-            <p:style>
-              <a:lnRef idx="1">
-                <a:schemeClr val="accent4"/>
-              </a:lnRef>
-              <a:fillRef idx="2">
-                <a:schemeClr val="accent4"/>
-              </a:fillRef>
-              <a:effectRef idx="1">
-                <a:schemeClr val="accent4"/>
-              </a:effectRef>
-              <a:fontRef idx="minor">
-                <a:schemeClr val="dk1"/>
-              </a:fontRef>
-            </p:style>
-            <p:txBody>
-              <a:bodyPr lIns="36000" tIns="36000" rIns="36000" bIns="36000" rtlCol="0" anchor="ctr" anchorCtr="0"/>
-              <a:lstStyle/>
-              <a:p>
-                <a:pPr algn="ctr"/>
-                <a:r>
-                  <a:rPr lang="en-IN" sz="1400" b="1" dirty="0"/>
-                  <a:t>Regional Data</a:t>
+                  <a:t>Predictive Modelling</a:t>
                 </a:r>
               </a:p>
             </p:txBody>
           </p:sp>
-        </p:grpSp>
-        <p:grpSp>
-          <p:nvGrpSpPr>
-            <p:cNvPr id="155" name="Group 154">
-              <a:extLst>
-                <a:ext uri="{FF2B5EF4-FFF2-40B4-BE49-F238E27FC236}">
-                  <a16:creationId xmlns="" xmlns:a16="http://schemas.microsoft.com/office/drawing/2014/main" id="{A3208D57-BE38-43CF-92F3-154D573216E2}"/>
-                </a:ext>
-              </a:extLst>
-            </p:cNvPr>
-            <p:cNvGrpSpPr/>
-            <p:nvPr/>
-          </p:nvGrpSpPr>
-          <p:grpSpPr>
-            <a:xfrm>
-              <a:off x="1962038" y="982162"/>
-              <a:ext cx="7280812" cy="1735435"/>
-              <a:chOff x="1986752" y="982162"/>
-              <a:chExt cx="7280812" cy="1735435"/>
-            </a:xfrm>
-          </p:grpSpPr>
           <p:grpSp>
             <p:nvGrpSpPr>
-              <p:cNvPr id="118" name="Group 117">
+              <p:cNvPr id="102" name="Group 101">
                 <a:extLst>
                   <a:ext uri="{FF2B5EF4-FFF2-40B4-BE49-F238E27FC236}">
-                    <a16:creationId xmlns="" xmlns:a16="http://schemas.microsoft.com/office/drawing/2014/main" id="{8A98AE61-3E43-48C2-909F-0AF424FD0A44}"/>
+                    <a16:creationId xmlns:a16="http://schemas.microsoft.com/office/drawing/2014/main" xmlns="" id="{0E8554B8-B75E-40BD-B54A-F48E65D25DBC}"/>
                   </a:ext>
                 </a:extLst>
               </p:cNvPr>
@@ -4337,18 +3739,18 @@
             </p:nvGrpSpPr>
             <p:grpSpPr>
               <a:xfrm>
-                <a:off x="1986752" y="982162"/>
-                <a:ext cx="2885341" cy="1727904"/>
-                <a:chOff x="2049615" y="1104583"/>
-                <a:chExt cx="2885341" cy="1727904"/>
+                <a:off x="1953234" y="5566946"/>
+                <a:ext cx="7314330" cy="1056274"/>
+                <a:chOff x="1953234" y="5588946"/>
+                <a:chExt cx="7314330" cy="1034275"/>
               </a:xfrm>
             </p:grpSpPr>
             <p:sp>
               <p:nvSpPr>
-                <p:cNvPr id="6" name="Rectangle 5">
+                <p:cNvPr id="13" name="Cloud 12">
                   <a:extLst>
                     <a:ext uri="{FF2B5EF4-FFF2-40B4-BE49-F238E27FC236}">
-                      <a16:creationId xmlns="" xmlns:a16="http://schemas.microsoft.com/office/drawing/2014/main" id="{026D10EF-F74D-4E62-AB7D-BD9E36A0707D}"/>
+                      <a16:creationId xmlns:a16="http://schemas.microsoft.com/office/drawing/2014/main" xmlns="" id="{D13C6225-CF88-4843-9C88-797EC316F0B0}"/>
                     </a:ext>
                   </a:extLst>
                 </p:cNvPr>
@@ -4357,25 +3759,23 @@
               </p:nvSpPr>
               <p:spPr>
                 <a:xfrm>
-                  <a:off x="2049615" y="1104583"/>
-                  <a:ext cx="2885341" cy="1727904"/>
+                  <a:off x="1953234" y="5588946"/>
+                  <a:ext cx="7314330" cy="1034275"/>
                 </a:xfrm>
-                <a:prstGeom prst="rect">
+                <a:prstGeom prst="cloud">
                   <a:avLst/>
                 </a:prstGeom>
-                <a:ln w="19050">
-                  <a:prstDash val="sysDash"/>
-                </a:ln>
+                <a:ln w="19050"/>
               </p:spPr>
               <p:style>
                 <a:lnRef idx="2">
-                  <a:schemeClr val="accent3"/>
+                  <a:schemeClr val="accent1"/>
                 </a:lnRef>
                 <a:fillRef idx="1">
                   <a:schemeClr val="lt1"/>
                 </a:fillRef>
                 <a:effectRef idx="0">
-                  <a:schemeClr val="accent3"/>
+                  <a:schemeClr val="accent1"/>
                 </a:effectRef>
                 <a:fontRef idx="minor">
                   <a:schemeClr val="dk1"/>
@@ -4390,12 +3790,279 @@
                 </a:p>
               </p:txBody>
             </p:sp>
+            <p:pic>
+              <p:nvPicPr>
+                <p:cNvPr id="14" name="Picture 13">
+                  <a:extLst>
+                    <a:ext uri="{FF2B5EF4-FFF2-40B4-BE49-F238E27FC236}">
+                      <a16:creationId xmlns:a16="http://schemas.microsoft.com/office/drawing/2014/main" xmlns="" id="{F1DF8E44-1269-42B0-909C-B1DB94BD93FB}"/>
+                    </a:ext>
+                  </a:extLst>
+                </p:cNvPr>
+                <p:cNvPicPr>
+                  <a:picLocks noChangeAspect="1"/>
+                </p:cNvPicPr>
+                <p:nvPr/>
+              </p:nvPicPr>
+              <p:blipFill>
+                <a:blip r:embed="rId2" cstate="print">
+                  <a:extLst>
+                    <a:ext uri="{28A0092B-C50C-407E-A947-70E740481C1C}">
+                      <a14:useLocalDpi xmlns:a14="http://schemas.microsoft.com/office/drawing/2010/main" xmlns="" val="0"/>
+                    </a:ext>
+                  </a:extLst>
+                </a:blip>
+                <a:stretch>
+                  <a:fillRect/>
+                </a:stretch>
+              </p:blipFill>
+              <p:spPr>
+                <a:xfrm>
+                  <a:off x="2707069" y="5813448"/>
+                  <a:ext cx="543348" cy="543348"/>
+                </a:xfrm>
+                <a:prstGeom prst="rect">
+                  <a:avLst/>
+                </a:prstGeom>
+              </p:spPr>
+            </p:pic>
+            <p:pic>
+              <p:nvPicPr>
+                <p:cNvPr id="15" name="Picture 14">
+                  <a:extLst>
+                    <a:ext uri="{FF2B5EF4-FFF2-40B4-BE49-F238E27FC236}">
+                      <a16:creationId xmlns:a16="http://schemas.microsoft.com/office/drawing/2014/main" xmlns="" id="{574B762E-EF1F-4346-B4D8-AEF8334AC80A}"/>
+                    </a:ext>
+                  </a:extLst>
+                </p:cNvPr>
+                <p:cNvPicPr>
+                  <a:picLocks noChangeAspect="1"/>
+                </p:cNvPicPr>
+                <p:nvPr/>
+              </p:nvPicPr>
+              <p:blipFill>
+                <a:blip r:embed="rId3" cstate="print">
+                  <a:extLst>
+                    <a:ext uri="{28A0092B-C50C-407E-A947-70E740481C1C}">
+                      <a14:useLocalDpi xmlns:a14="http://schemas.microsoft.com/office/drawing/2010/main" xmlns="" val="0"/>
+                    </a:ext>
+                  </a:extLst>
+                </a:blip>
+                <a:stretch>
+                  <a:fillRect/>
+                </a:stretch>
+              </p:blipFill>
+              <p:spPr>
+                <a:xfrm>
+                  <a:off x="4281038" y="5868654"/>
+                  <a:ext cx="474857" cy="474857"/>
+                </a:xfrm>
+                <a:prstGeom prst="rect">
+                  <a:avLst/>
+                </a:prstGeom>
+              </p:spPr>
+            </p:pic>
+            <p:pic>
+              <p:nvPicPr>
+                <p:cNvPr id="18" name="Picture 17">
+                  <a:extLst>
+                    <a:ext uri="{FF2B5EF4-FFF2-40B4-BE49-F238E27FC236}">
+                      <a16:creationId xmlns:a16="http://schemas.microsoft.com/office/drawing/2014/main" xmlns="" id="{B42382BB-6CD5-4150-A7A6-58F934E9F88F}"/>
+                    </a:ext>
+                  </a:extLst>
+                </p:cNvPr>
+                <p:cNvPicPr>
+                  <a:picLocks noChangeAspect="1"/>
+                </p:cNvPicPr>
+                <p:nvPr/>
+              </p:nvPicPr>
+              <p:blipFill>
+                <a:blip r:embed="rId4" cstate="print"/>
+                <a:stretch>
+                  <a:fillRect/>
+                </a:stretch>
+              </p:blipFill>
+              <p:spPr>
+                <a:xfrm>
+                  <a:off x="8090123" y="5716252"/>
+                  <a:ext cx="583023" cy="570880"/>
+                </a:xfrm>
+                <a:prstGeom prst="rect">
+                  <a:avLst/>
+                </a:prstGeom>
+              </p:spPr>
+            </p:pic>
+            <p:pic>
+              <p:nvPicPr>
+                <p:cNvPr id="21" name="Picture 20">
+                  <a:extLst>
+                    <a:ext uri="{FF2B5EF4-FFF2-40B4-BE49-F238E27FC236}">
+                      <a16:creationId xmlns:a16="http://schemas.microsoft.com/office/drawing/2014/main" xmlns="" id="{30B9AD1C-FE81-47BA-A659-C9B531B19912}"/>
+                    </a:ext>
+                  </a:extLst>
+                </p:cNvPr>
+                <p:cNvPicPr>
+                  <a:picLocks noChangeAspect="1"/>
+                </p:cNvPicPr>
+                <p:nvPr/>
+              </p:nvPicPr>
+              <p:blipFill>
+                <a:blip r:embed="rId5">
+                  <a:extLst>
+                    <a:ext uri="{28A0092B-C50C-407E-A947-70E740481C1C}">
+                      <a14:useLocalDpi xmlns:a14="http://schemas.microsoft.com/office/drawing/2010/main" xmlns="" val="0"/>
+                    </a:ext>
+                  </a:extLst>
+                </a:blip>
+                <a:stretch>
+                  <a:fillRect/>
+                </a:stretch>
+              </p:blipFill>
+              <p:spPr>
+                <a:xfrm>
+                  <a:off x="3498071" y="5741866"/>
+                  <a:ext cx="488297" cy="757135"/>
+                </a:xfrm>
+                <a:prstGeom prst="rect">
+                  <a:avLst/>
+                </a:prstGeom>
+              </p:spPr>
+            </p:pic>
+            <p:pic>
+              <p:nvPicPr>
+                <p:cNvPr id="67" name="Picture 66">
+                  <a:extLst>
+                    <a:ext uri="{FF2B5EF4-FFF2-40B4-BE49-F238E27FC236}">
+                      <a16:creationId xmlns:a16="http://schemas.microsoft.com/office/drawing/2014/main" xmlns="" id="{DA8A1F37-E747-4788-8E66-615D2832AA12}"/>
+                    </a:ext>
+                  </a:extLst>
+                </p:cNvPr>
+                <p:cNvPicPr>
+                  <a:picLocks noChangeAspect="1"/>
+                </p:cNvPicPr>
+                <p:nvPr/>
+              </p:nvPicPr>
+              <p:blipFill>
+                <a:blip r:embed="rId6" cstate="print">
+                  <a:extLst>
+                    <a:ext uri="{28A0092B-C50C-407E-A947-70E740481C1C}">
+                      <a14:useLocalDpi xmlns:a14="http://schemas.microsoft.com/office/drawing/2010/main" xmlns="" val="0"/>
+                    </a:ext>
+                  </a:extLst>
+                </a:blip>
+                <a:stretch>
+                  <a:fillRect/>
+                </a:stretch>
+              </p:blipFill>
+              <p:spPr>
+                <a:xfrm rot="1923660">
+                  <a:off x="4846575" y="5762685"/>
+                  <a:ext cx="1014122" cy="760591"/>
+                </a:xfrm>
+                <a:prstGeom prst="rect">
+                  <a:avLst/>
+                </a:prstGeom>
+              </p:spPr>
+            </p:pic>
+            <p:pic>
+              <p:nvPicPr>
+                <p:cNvPr id="68" name="Picture 67">
+                  <a:extLst>
+                    <a:ext uri="{FF2B5EF4-FFF2-40B4-BE49-F238E27FC236}">
+                      <a16:creationId xmlns:a16="http://schemas.microsoft.com/office/drawing/2014/main" xmlns="" id="{32180321-1341-4F9B-87A4-E386F4882428}"/>
+                    </a:ext>
+                  </a:extLst>
+                </p:cNvPr>
+                <p:cNvPicPr>
+                  <a:picLocks noChangeAspect="1"/>
+                </p:cNvPicPr>
+                <p:nvPr/>
+              </p:nvPicPr>
+              <p:blipFill>
+                <a:blip r:embed="rId7" cstate="print">
+                  <a:extLst>
+                    <a:ext uri="{28A0092B-C50C-407E-A947-70E740481C1C}">
+                      <a14:useLocalDpi xmlns:a14="http://schemas.microsoft.com/office/drawing/2010/main" xmlns="" val="0"/>
+                    </a:ext>
+                  </a:extLst>
+                </a:blip>
+                <a:stretch>
+                  <a:fillRect/>
+                </a:stretch>
+              </p:blipFill>
+              <p:spPr>
+                <a:xfrm>
+                  <a:off x="5722628" y="5653515"/>
+                  <a:ext cx="1127547" cy="954656"/>
+                </a:xfrm>
+                <a:prstGeom prst="rect">
+                  <a:avLst/>
+                </a:prstGeom>
+              </p:spPr>
+            </p:pic>
+            <p:pic>
+              <p:nvPicPr>
+                <p:cNvPr id="69" name="Picture 68">
+                  <a:extLst>
+                    <a:ext uri="{FF2B5EF4-FFF2-40B4-BE49-F238E27FC236}">
+                      <a16:creationId xmlns:a16="http://schemas.microsoft.com/office/drawing/2014/main" xmlns="" id="{8DB4BA55-69C7-496B-8130-EA7816A86032}"/>
+                    </a:ext>
+                  </a:extLst>
+                </p:cNvPr>
+                <p:cNvPicPr>
+                  <a:picLocks noChangeAspect="1"/>
+                </p:cNvPicPr>
+                <p:nvPr/>
+              </p:nvPicPr>
+              <p:blipFill>
+                <a:blip r:embed="rId8" cstate="print">
+                  <a:extLst>
+                    <a:ext uri="{28A0092B-C50C-407E-A947-70E740481C1C}">
+                      <a14:useLocalDpi xmlns:a14="http://schemas.microsoft.com/office/drawing/2010/main" xmlns="" val="0"/>
+                    </a:ext>
+                  </a:extLst>
+                </a:blip>
+                <a:stretch>
+                  <a:fillRect/>
+                </a:stretch>
+              </p:blipFill>
+              <p:spPr>
+                <a:xfrm>
+                  <a:off x="6797824" y="5719388"/>
+                  <a:ext cx="1061282" cy="640904"/>
+                </a:xfrm>
+                <a:prstGeom prst="rect">
+                  <a:avLst/>
+                </a:prstGeom>
+              </p:spPr>
+            </p:pic>
+          </p:grpSp>
+          <p:grpSp>
+            <p:nvGrpSpPr>
+              <p:cNvPr id="73" name="Group 72">
+                <a:extLst>
+                  <a:ext uri="{FF2B5EF4-FFF2-40B4-BE49-F238E27FC236}">
+                    <a16:creationId xmlns:a16="http://schemas.microsoft.com/office/drawing/2014/main" xmlns="" id="{13D20B30-4970-49BE-A694-EEAB7D4F34D3}"/>
+                  </a:ext>
+                </a:extLst>
+              </p:cNvPr>
+              <p:cNvGrpSpPr/>
+              <p:nvPr/>
+            </p:nvGrpSpPr>
+            <p:grpSpPr>
+              <a:xfrm>
+                <a:off x="2350013" y="4609336"/>
+                <a:ext cx="6494711" cy="803271"/>
+                <a:chOff x="2920667" y="4510526"/>
+                <a:chExt cx="6494711" cy="803271"/>
+              </a:xfrm>
+            </p:grpSpPr>
             <p:sp>
               <p:nvSpPr>
-                <p:cNvPr id="31" name="Rectangle: Rounded Corners 30">
+                <p:cNvPr id="22" name="Cylinder 21">
                   <a:extLst>
                     <a:ext uri="{FF2B5EF4-FFF2-40B4-BE49-F238E27FC236}">
-                      <a16:creationId xmlns="" xmlns:a16="http://schemas.microsoft.com/office/drawing/2014/main" id="{C1BBB854-C0AD-45F1-BCF6-26342B2FF04F}"/>
+                      <a16:creationId xmlns:a16="http://schemas.microsoft.com/office/drawing/2014/main" xmlns="" id="{BBBFCCCC-6E0F-4015-9164-24B8629E4722}"/>
                     </a:ext>
                   </a:extLst>
                 </p:cNvPr>
@@ -4404,23 +4071,23 @@
               </p:nvSpPr>
               <p:spPr>
                 <a:xfrm>
-                  <a:off x="2107879" y="1716169"/>
-                  <a:ext cx="1162645" cy="380734"/>
+                  <a:off x="2920667" y="4511038"/>
+                  <a:ext cx="1136822" cy="793784"/>
                 </a:xfrm>
-                <a:prstGeom prst="roundRect">
+                <a:prstGeom prst="can">
                   <a:avLst/>
                 </a:prstGeom>
                 <a:ln w="19050"/>
               </p:spPr>
               <p:style>
-                <a:lnRef idx="2">
-                  <a:schemeClr val="accent2"/>
+                <a:lnRef idx="1">
+                  <a:schemeClr val="accent4"/>
                 </a:lnRef>
-                <a:fillRef idx="1">
-                  <a:schemeClr val="lt1"/>
+                <a:fillRef idx="2">
+                  <a:schemeClr val="accent4"/>
                 </a:fillRef>
-                <a:effectRef idx="0">
-                  <a:schemeClr val="accent2"/>
+                <a:effectRef idx="1">
+                  <a:schemeClr val="accent4"/>
                 </a:effectRef>
                 <a:fontRef idx="minor">
                   <a:schemeClr val="dk1"/>
@@ -4433,17 +4100,22 @@
                   <a:pPr algn="ctr"/>
                   <a:r>
                     <a:rPr lang="en-IN" sz="1400" b="1" dirty="0"/>
-                    <a:t>Feature Importance</a:t>
+                    <a:t>Motion Sensor </a:t>
                   </a:r>
+                  <a:r>
+                    <a:rPr lang="en-IN" sz="1400" b="1" dirty="0" smtClean="0"/>
+                    <a:t>Data</a:t>
+                  </a:r>
+                  <a:endParaRPr lang="en-IN" sz="1400" b="1" dirty="0"/>
                 </a:p>
               </p:txBody>
             </p:sp>
             <p:sp>
               <p:nvSpPr>
-                <p:cNvPr id="33" name="Rectangle: Rounded Corners 32">
+                <p:cNvPr id="24" name="Cylinder 23">
                   <a:extLst>
                     <a:ext uri="{FF2B5EF4-FFF2-40B4-BE49-F238E27FC236}">
-                      <a16:creationId xmlns="" xmlns:a16="http://schemas.microsoft.com/office/drawing/2014/main" id="{3B196442-764C-4DF1-8510-E4C3322331F8}"/>
+                      <a16:creationId xmlns:a16="http://schemas.microsoft.com/office/drawing/2014/main" xmlns="" id="{FE3BAFCD-1BAA-4231-B5FD-EEBC50A2D496}"/>
                     </a:ext>
                   </a:extLst>
                 </p:cNvPr>
@@ -4452,23 +4124,71 @@
               </p:nvSpPr>
               <p:spPr>
                 <a:xfrm>
-                  <a:off x="2107879" y="1186594"/>
-                  <a:ext cx="1162645" cy="380734"/>
+                  <a:off x="4255951" y="4511038"/>
+                  <a:ext cx="1136822" cy="793784"/>
                 </a:xfrm>
-                <a:prstGeom prst="roundRect">
+                <a:prstGeom prst="can">
                   <a:avLst/>
                 </a:prstGeom>
                 <a:ln w="19050"/>
               </p:spPr>
               <p:style>
-                <a:lnRef idx="2">
-                  <a:schemeClr val="accent2"/>
+                <a:lnRef idx="1">
+                  <a:schemeClr val="accent4"/>
                 </a:lnRef>
-                <a:fillRef idx="1">
-                  <a:schemeClr val="lt1"/>
+                <a:fillRef idx="2">
+                  <a:schemeClr val="accent4"/>
                 </a:fillRef>
-                <a:effectRef idx="0">
-                  <a:schemeClr val="accent2"/>
+                <a:effectRef idx="1">
+                  <a:schemeClr val="accent4"/>
+                </a:effectRef>
+                <a:fontRef idx="minor">
+                  <a:schemeClr val="dk1"/>
+                </a:fontRef>
+              </p:style>
+              <p:txBody>
+                <a:bodyPr lIns="36000" tIns="36000" rIns="36000" bIns="36000" rtlCol="0" anchor="ctr" anchorCtr="0"/>
+                <a:lstStyle/>
+                <a:p>
+                  <a:pPr algn="ctr"/>
+                  <a:r>
+                    <a:rPr lang="en-IN" sz="1400" b="1" dirty="0"/>
+                    <a:t>Sound Data</a:t>
+                  </a:r>
+                </a:p>
+              </p:txBody>
+            </p:sp>
+            <p:sp>
+              <p:nvSpPr>
+                <p:cNvPr id="25" name="Cylinder 24">
+                  <a:extLst>
+                    <a:ext uri="{FF2B5EF4-FFF2-40B4-BE49-F238E27FC236}">
+                      <a16:creationId xmlns:a16="http://schemas.microsoft.com/office/drawing/2014/main" xmlns="" id="{F0F4A2D5-DD62-428E-82A5-9CEC33A5FFF2}"/>
+                    </a:ext>
+                  </a:extLst>
+                </p:cNvPr>
+                <p:cNvSpPr/>
+                <p:nvPr/>
+              </p:nvSpPr>
+              <p:spPr>
+                <a:xfrm>
+                  <a:off x="5596158" y="4511038"/>
+                  <a:ext cx="1136822" cy="793784"/>
+                </a:xfrm>
+                <a:prstGeom prst="can">
+                  <a:avLst/>
+                </a:prstGeom>
+                <a:ln w="19050"/>
+              </p:spPr>
+              <p:style>
+                <a:lnRef idx="1">
+                  <a:schemeClr val="accent4"/>
+                </a:lnRef>
+                <a:fillRef idx="2">
+                  <a:schemeClr val="accent4"/>
+                </a:fillRef>
+                <a:effectRef idx="1">
+                  <a:schemeClr val="accent4"/>
                 </a:effectRef>
                 <a:fontRef idx="minor">
                   <a:schemeClr val="dk1"/>
@@ -4481,7 +4201,15 @@
                   <a:pPr algn="ctr"/>
                   <a:r>
                     <a:rPr lang="en-IN" sz="1400" b="1" dirty="0" smtClean="0"/>
-                    <a:t>Feature Selection</a:t>
+                    <a:t>WiFi </a:t>
+                  </a:r>
+                  <a:r>
+                    <a:rPr lang="en-IN" sz="1400" b="1" dirty="0"/>
+                    <a:t>D</a:t>
+                  </a:r>
+                  <a:r>
+                    <a:rPr lang="en-IN" sz="1400" b="1" dirty="0" smtClean="0"/>
+                    <a:t>ata</a:t>
                   </a:r>
                   <a:endParaRPr lang="en-IN" sz="1400" b="1" dirty="0"/>
                 </a:p>
@@ -4489,10 +4217,10 @@
             </p:sp>
             <p:sp>
               <p:nvSpPr>
-                <p:cNvPr id="34" name="Flowchart: Predefined Process 33">
+                <p:cNvPr id="26" name="Cylinder 25">
                   <a:extLst>
                     <a:ext uri="{FF2B5EF4-FFF2-40B4-BE49-F238E27FC236}">
-                      <a16:creationId xmlns="" xmlns:a16="http://schemas.microsoft.com/office/drawing/2014/main" id="{51C7F1BB-C14E-4DBE-9BD2-4A89D3993087}"/>
+                      <a16:creationId xmlns:a16="http://schemas.microsoft.com/office/drawing/2014/main" xmlns="" id="{0AC67D06-8CD5-451F-AFAD-31575604F6B8}"/>
                     </a:ext>
                   </a:extLst>
                 </p:cNvPr>
@@ -4501,23 +4229,80 @@
               </p:nvSpPr>
               <p:spPr>
                 <a:xfrm>
-                  <a:off x="3461653" y="2120768"/>
-                  <a:ext cx="1383190" cy="647561"/>
+                  <a:off x="8278556" y="4520013"/>
+                  <a:ext cx="1136822" cy="793784"/>
                 </a:xfrm>
-                <a:prstGeom prst="flowChartPredefinedProcess">
+                <a:prstGeom prst="can">
                   <a:avLst/>
                 </a:prstGeom>
                 <a:ln w="19050"/>
               </p:spPr>
               <p:style>
                 <a:lnRef idx="1">
-                  <a:schemeClr val="accent2"/>
+                  <a:schemeClr val="accent4"/>
                 </a:lnRef>
                 <a:fillRef idx="2">
-                  <a:schemeClr val="accent2"/>
+                  <a:schemeClr val="accent4"/>
                 </a:fillRef>
                 <a:effectRef idx="1">
-                  <a:schemeClr val="accent2"/>
+                  <a:schemeClr val="accent4"/>
+                </a:effectRef>
+                <a:fontRef idx="minor">
+                  <a:schemeClr val="dk1"/>
+                </a:fontRef>
+              </p:style>
+              <p:txBody>
+                <a:bodyPr lIns="36000" tIns="36000" rIns="36000" bIns="36000" rtlCol="0" anchor="ctr" anchorCtr="0"/>
+                <a:lstStyle/>
+                <a:p>
+                  <a:pPr algn="ctr"/>
+                  <a:r>
+                    <a:rPr lang="en-IN" sz="1400" b="1" dirty="0" smtClean="0"/>
+                    <a:t>Stay-location </a:t>
+                  </a:r>
+                  <a:r>
+                    <a:rPr lang="en-IN" sz="1400" b="1" dirty="0"/>
+                    <a:t>T</a:t>
+                  </a:r>
+                  <a:r>
+                    <a:rPr lang="en-IN" sz="1400" b="1" dirty="0" smtClean="0"/>
+                    <a:t>agging Data</a:t>
+                  </a:r>
+                  <a:endParaRPr lang="en-IN" sz="1400" b="1" dirty="0"/>
+                </a:p>
+              </p:txBody>
+            </p:sp>
+            <p:sp>
+              <p:nvSpPr>
+                <p:cNvPr id="72" name="Cylinder 71">
+                  <a:extLst>
+                    <a:ext uri="{FF2B5EF4-FFF2-40B4-BE49-F238E27FC236}">
+                      <a16:creationId xmlns:a16="http://schemas.microsoft.com/office/drawing/2014/main" xmlns="" id="{996420C3-154C-45B9-AC69-ECB794237A9F}"/>
+                    </a:ext>
+                  </a:extLst>
+                </p:cNvPr>
+                <p:cNvSpPr/>
+                <p:nvPr/>
+              </p:nvSpPr>
+              <p:spPr>
+                <a:xfrm>
+                  <a:off x="6936365" y="4510526"/>
+                  <a:ext cx="1136822" cy="793784"/>
+                </a:xfrm>
+                <a:prstGeom prst="can">
+                  <a:avLst/>
+                </a:prstGeom>
+                <a:ln w="19050"/>
+              </p:spPr>
+              <p:style>
+                <a:lnRef idx="1">
+                  <a:schemeClr val="accent4"/>
+                </a:lnRef>
+                <a:fillRef idx="2">
+                  <a:schemeClr val="accent4"/>
+                </a:fillRef>
+                <a:effectRef idx="1">
+                  <a:schemeClr val="accent4"/>
                 </a:effectRef>
                 <a:fontRef idx="minor">
                   <a:schemeClr val="dk1"/>
@@ -4530,222 +4315,18 @@
                   <a:pPr algn="ctr"/>
                   <a:r>
                     <a:rPr lang="en-IN" sz="1400" b="1" dirty="0"/>
-                    <a:t>Multilabel </a:t>
+                    <a:t>Regional Data</a:t>
                   </a:r>
-                  <a:r>
-                    <a:rPr lang="en-IN" sz="1400" b="1" dirty="0" smtClean="0"/>
-                    <a:t>Targets</a:t>
-                  </a:r>
-                  <a:endParaRPr lang="en-IN" sz="1400" b="1" dirty="0"/>
-                </a:p>
-              </p:txBody>
-            </p:sp>
-            <p:cxnSp>
-              <p:nvCxnSpPr>
-                <p:cNvPr id="48" name="Straight Arrow Connector 47">
-                  <a:extLst>
-                    <a:ext uri="{FF2B5EF4-FFF2-40B4-BE49-F238E27FC236}">
-                      <a16:creationId xmlns="" xmlns:a16="http://schemas.microsoft.com/office/drawing/2014/main" id="{05C9F02F-F6B9-4A3C-9DE3-E895AD2FFAE2}"/>
-                    </a:ext>
-                  </a:extLst>
-                </p:cNvPr>
-                <p:cNvCxnSpPr>
-                  <a:stCxn id="31" idx="0"/>
-                  <a:endCxn id="33" idx="2"/>
-                </p:cNvCxnSpPr>
-                <p:nvPr/>
-              </p:nvCxnSpPr>
-              <p:spPr>
-                <a:xfrm rot="5400000" flipH="1" flipV="1">
-                  <a:off x="2614782" y="1641749"/>
-                  <a:ext cx="148841" cy="1588"/>
-                </a:xfrm>
-                <a:prstGeom prst="straightConnector1">
-                  <a:avLst/>
-                </a:prstGeom>
-                <a:ln w="38100">
-                  <a:solidFill>
-                    <a:schemeClr val="tx1">
-                      <a:lumMod val="50000"/>
-                      <a:lumOff val="50000"/>
-                    </a:schemeClr>
-                  </a:solidFill>
-                  <a:prstDash val="solid"/>
-                  <a:tailEnd type="triangle"/>
-                </a:ln>
-              </p:spPr>
-              <p:style>
-                <a:lnRef idx="1">
-                  <a:schemeClr val="accent1"/>
-                </a:lnRef>
-                <a:fillRef idx="0">
-                  <a:schemeClr val="accent1"/>
-                </a:fillRef>
-                <a:effectRef idx="0">
-                  <a:schemeClr val="accent1"/>
-                </a:effectRef>
-                <a:fontRef idx="minor">
-                  <a:schemeClr val="tx1"/>
-                </a:fontRef>
-              </p:style>
-            </p:cxnSp>
-            <p:cxnSp>
-              <p:nvCxnSpPr>
-                <p:cNvPr id="108" name="Straight Arrow Connector 107">
-                  <a:extLst>
-                    <a:ext uri="{FF2B5EF4-FFF2-40B4-BE49-F238E27FC236}">
-                      <a16:creationId xmlns="" xmlns:a16="http://schemas.microsoft.com/office/drawing/2014/main" id="{792B13A9-C597-410F-B66D-475359C645EF}"/>
-                    </a:ext>
-                  </a:extLst>
-                </p:cNvPr>
-                <p:cNvCxnSpPr>
-                  <a:cxnSpLocks/>
-                  <a:stCxn id="30" idx="0"/>
-                  <a:endCxn id="31" idx="2"/>
-                </p:cNvCxnSpPr>
-                <p:nvPr/>
-              </p:nvCxnSpPr>
-              <p:spPr>
-                <a:xfrm rot="5400000" flipH="1" flipV="1">
-                  <a:off x="2621704" y="2164355"/>
-                  <a:ext cx="134949" cy="47"/>
-                </a:xfrm>
-                <a:prstGeom prst="straightConnector1">
-                  <a:avLst/>
-                </a:prstGeom>
-                <a:ln w="38100">
-                  <a:solidFill>
-                    <a:schemeClr val="tx1">
-                      <a:lumMod val="50000"/>
-                      <a:lumOff val="50000"/>
-                    </a:schemeClr>
-                  </a:solidFill>
-                  <a:prstDash val="solid"/>
-                  <a:tailEnd type="triangle"/>
-                </a:ln>
-              </p:spPr>
-              <p:style>
-                <a:lnRef idx="1">
-                  <a:schemeClr val="accent1"/>
-                </a:lnRef>
-                <a:fillRef idx="0">
-                  <a:schemeClr val="accent1"/>
-                </a:fillRef>
-                <a:effectRef idx="0">
-                  <a:schemeClr val="accent1"/>
-                </a:effectRef>
-                <a:fontRef idx="minor">
-                  <a:schemeClr val="tx1"/>
-                </a:fontRef>
-              </p:style>
-            </p:cxnSp>
-            <p:sp>
-              <p:nvSpPr>
-                <p:cNvPr id="111" name="Flowchart: Internal Storage 110">
-                  <a:extLst>
-                    <a:ext uri="{FF2B5EF4-FFF2-40B4-BE49-F238E27FC236}">
-                      <a16:creationId xmlns="" xmlns:a16="http://schemas.microsoft.com/office/drawing/2014/main" id="{E7358810-DBE8-4CEF-9FCF-2C8A78BA2FBC}"/>
-                    </a:ext>
-                  </a:extLst>
-                </p:cNvPr>
-                <p:cNvSpPr/>
-                <p:nvPr/>
-              </p:nvSpPr>
-              <p:spPr>
-                <a:xfrm>
-                  <a:off x="3462134" y="1186880"/>
-                  <a:ext cx="1383190" cy="844512"/>
-                </a:xfrm>
-                <a:prstGeom prst="flowChartInternalStorage">
-                  <a:avLst/>
-                </a:prstGeom>
-                <a:ln w="19050">
-                  <a:headEnd type="none" w="med" len="med"/>
-                  <a:tailEnd type="none" w="med" len="med"/>
-                </a:ln>
-              </p:spPr>
-              <p:style>
-                <a:lnRef idx="1">
-                  <a:schemeClr val="accent5"/>
-                </a:lnRef>
-                <a:fillRef idx="2">
-                  <a:schemeClr val="accent5"/>
-                </a:fillRef>
-                <a:effectRef idx="1">
-                  <a:schemeClr val="accent5"/>
-                </a:effectRef>
-                <a:fontRef idx="minor">
-                  <a:schemeClr val="dk1"/>
-                </a:fontRef>
-              </p:style>
-              <p:txBody>
-                <a:bodyPr lIns="36000" tIns="36000" rIns="36000" bIns="36000" rtlCol="0" anchor="ctr" anchorCtr="0"/>
-                <a:lstStyle/>
-                <a:p>
-                  <a:pPr algn="ctr"/>
-                  <a:r>
-                    <a:rPr lang="en-IN" sz="1400" b="1" dirty="0"/>
-                    <a:t>Features</a:t>
-                  </a:r>
-                </a:p>
-              </p:txBody>
-            </p:sp>
-            <p:sp>
-              <p:nvSpPr>
-                <p:cNvPr id="30" name="Rectangle: Rounded Corners 29">
-                  <a:extLst>
-                    <a:ext uri="{FF2B5EF4-FFF2-40B4-BE49-F238E27FC236}">
-                      <a16:creationId xmlns="" xmlns:a16="http://schemas.microsoft.com/office/drawing/2014/main" id="{1F726109-9B74-4AD2-BC51-944659FA5304}"/>
-                    </a:ext>
-                  </a:extLst>
-                </p:cNvPr>
-                <p:cNvSpPr/>
-                <p:nvPr/>
-              </p:nvSpPr>
-              <p:spPr>
-                <a:xfrm>
-                  <a:off x="2107832" y="2231852"/>
-                  <a:ext cx="1162645" cy="547857"/>
-                </a:xfrm>
-                <a:prstGeom prst="roundRect">
-                  <a:avLst/>
-                </a:prstGeom>
-                <a:ln w="19050"/>
-              </p:spPr>
-              <p:style>
-                <a:lnRef idx="2">
-                  <a:schemeClr val="accent2"/>
-                </a:lnRef>
-                <a:fillRef idx="1">
-                  <a:schemeClr val="lt1"/>
-                </a:fillRef>
-                <a:effectRef idx="0">
-                  <a:schemeClr val="accent2"/>
-                </a:effectRef>
-                <a:fontRef idx="minor">
-                  <a:schemeClr val="dk1"/>
-                </a:fontRef>
-              </p:style>
-              <p:txBody>
-                <a:bodyPr lIns="36000" tIns="36000" rIns="36000" bIns="36000" rtlCol="0" anchor="ctr" anchorCtr="0"/>
-                <a:lstStyle/>
-                <a:p>
-                  <a:pPr algn="ctr"/>
-                  <a:r>
-                    <a:rPr lang="en-IN" sz="1400" b="1" dirty="0" smtClean="0"/>
-                    <a:t>Data  Pre-processing</a:t>
-                  </a:r>
-                  <a:endParaRPr lang="en-IN" sz="1400" b="1" dirty="0"/>
                 </a:p>
               </p:txBody>
             </p:sp>
           </p:grpSp>
           <p:grpSp>
             <p:nvGrpSpPr>
-              <p:cNvPr id="131" name="Group 130">
+              <p:cNvPr id="155" name="Group 154">
                 <a:extLst>
                   <a:ext uri="{FF2B5EF4-FFF2-40B4-BE49-F238E27FC236}">
-                    <a16:creationId xmlns="" xmlns:a16="http://schemas.microsoft.com/office/drawing/2014/main" id="{3EA17D66-8D36-483F-ABC9-9F7429097033}"/>
+                    <a16:creationId xmlns:a16="http://schemas.microsoft.com/office/drawing/2014/main" xmlns="" id="{A3208D57-BE38-43CF-92F3-154D573216E2}"/>
                   </a:ext>
                 </a:extLst>
               </p:cNvPr>
@@ -4754,18 +4335,18 @@
             </p:nvGrpSpPr>
             <p:grpSpPr>
               <a:xfrm>
-                <a:off x="4952728" y="989693"/>
-                <a:ext cx="3244036" cy="1727904"/>
-                <a:chOff x="5151867" y="1002849"/>
-                <a:chExt cx="3008734" cy="1727904"/>
+                <a:off x="1962038" y="982162"/>
+                <a:ext cx="7311563" cy="1735435"/>
+                <a:chOff x="1986752" y="982162"/>
+                <a:chExt cx="7311563" cy="1735435"/>
               </a:xfrm>
             </p:grpSpPr>
             <p:grpSp>
               <p:nvGrpSpPr>
-                <p:cNvPr id="119" name="Group 118">
+                <p:cNvPr id="118" name="Group 117">
                   <a:extLst>
                     <a:ext uri="{FF2B5EF4-FFF2-40B4-BE49-F238E27FC236}">
-                      <a16:creationId xmlns="" xmlns:a16="http://schemas.microsoft.com/office/drawing/2014/main" id="{682BBDE5-F970-4C6E-8263-E7BC55EEF408}"/>
+                      <a16:creationId xmlns:a16="http://schemas.microsoft.com/office/drawing/2014/main" xmlns="" id="{8A98AE61-3E43-48C2-909F-0AF424FD0A44}"/>
                     </a:ext>
                   </a:extLst>
                 </p:cNvPr>
@@ -4774,18 +4355,18 @@
               </p:nvGrpSpPr>
               <p:grpSpPr>
                 <a:xfrm>
-                  <a:off x="5151867" y="1002849"/>
-                  <a:ext cx="3008734" cy="1727904"/>
-                  <a:chOff x="5489455" y="942541"/>
-                  <a:chExt cx="3712667" cy="1996819"/>
+                  <a:off x="1986752" y="982162"/>
+                  <a:ext cx="2885341" cy="1727904"/>
+                  <a:chOff x="2049615" y="1104583"/>
+                  <a:chExt cx="2885341" cy="1727904"/>
                 </a:xfrm>
               </p:grpSpPr>
               <p:sp>
                 <p:nvSpPr>
-                  <p:cNvPr id="5" name="Rectangle 4">
+                  <p:cNvPr id="6" name="Rectangle 5">
                     <a:extLst>
                       <a:ext uri="{FF2B5EF4-FFF2-40B4-BE49-F238E27FC236}">
-                        <a16:creationId xmlns="" xmlns:a16="http://schemas.microsoft.com/office/drawing/2014/main" id="{B3104B39-A596-4EC4-ADB8-B7F18956B5E2}"/>
+                        <a16:creationId xmlns:a16="http://schemas.microsoft.com/office/drawing/2014/main" xmlns="" id="{026D10EF-F74D-4E62-AB7D-BD9E36A0707D}"/>
                       </a:ext>
                     </a:extLst>
                   </p:cNvPr>
@@ -4794,8 +4375,8 @@
                 </p:nvSpPr>
                 <p:spPr>
                   <a:xfrm>
-                    <a:off x="5489455" y="942541"/>
-                    <a:ext cx="3712667" cy="1996819"/>
+                    <a:off x="2049615" y="1104583"/>
+                    <a:ext cx="2885341" cy="1727904"/>
                   </a:xfrm>
                   <a:prstGeom prst="rect">
                     <a:avLst/>
@@ -4827,48 +4408,12 @@
                   </a:p>
                 </p:txBody>
               </p:sp>
-              <p:pic>
-                <p:nvPicPr>
-                  <p:cNvPr id="36" name="Picture 35">
+              <p:sp>
+                <p:nvSpPr>
+                  <p:cNvPr id="31" name="Rectangle: Rounded Corners 30">
                     <a:extLst>
                       <a:ext uri="{FF2B5EF4-FFF2-40B4-BE49-F238E27FC236}">
-                        <a16:creationId xmlns="" xmlns:a16="http://schemas.microsoft.com/office/drawing/2014/main" id="{17F264B1-A400-416D-9663-1E7668A5A3E7}"/>
-                      </a:ext>
-                    </a:extLst>
-                  </p:cNvPr>
-                  <p:cNvPicPr>
-                    <a:picLocks noChangeAspect="1"/>
-                  </p:cNvPicPr>
-                  <p:nvPr/>
-                </p:nvPicPr>
-                <p:blipFill>
-                  <a:blip r:embed="rId9">
-                    <a:extLst>
-                      <a:ext uri="{28A0092B-C50C-407E-A947-70E740481C1C}">
-                        <a14:useLocalDpi xmlns="" xmlns:a14="http://schemas.microsoft.com/office/drawing/2010/main" val="0"/>
-                      </a:ext>
-                    </a:extLst>
-                  </a:blip>
-                  <a:stretch>
-                    <a:fillRect/>
-                  </a:stretch>
-                </p:blipFill>
-                <p:spPr>
-                  <a:xfrm>
-                    <a:off x="6678224" y="1225965"/>
-                    <a:ext cx="1033273" cy="1033273"/>
-                  </a:xfrm>
-                  <a:prstGeom prst="rect">
-                    <a:avLst/>
-                  </a:prstGeom>
-                </p:spPr>
-              </p:pic>
-              <p:sp>
-                <p:nvSpPr>
-                  <p:cNvPr id="37" name="Rectangle: Folded Corner 36">
-                    <a:extLst>
-                      <a:ext uri="{FF2B5EF4-FFF2-40B4-BE49-F238E27FC236}">
-                        <a16:creationId xmlns="" xmlns:a16="http://schemas.microsoft.com/office/drawing/2014/main" id="{294B1302-0F54-4426-BE93-B2F5AFD3895A}"/>
+                        <a16:creationId xmlns:a16="http://schemas.microsoft.com/office/drawing/2014/main" xmlns="" id="{C1BBB854-C0AD-45F1-BCF6-26342B2FF04F}"/>
                       </a:ext>
                     </a:extLst>
                   </p:cNvPr>
@@ -4877,23 +4422,23 @@
                 </p:nvSpPr>
                 <p:spPr>
                   <a:xfrm>
-                    <a:off x="5672468" y="1096413"/>
-                    <a:ext cx="810342" cy="1154036"/>
+                    <a:off x="2107879" y="1716169"/>
+                    <a:ext cx="1162645" cy="380734"/>
                   </a:xfrm>
-                  <a:prstGeom prst="foldedCorner">
+                  <a:prstGeom prst="roundRect">
                     <a:avLst/>
                   </a:prstGeom>
                   <a:ln w="19050"/>
                 </p:spPr>
                 <p:style>
                   <a:lnRef idx="2">
-                    <a:schemeClr val="dk1"/>
+                    <a:schemeClr val="accent2"/>
                   </a:lnRef>
                   <a:fillRef idx="1">
                     <a:schemeClr val="lt1"/>
                   </a:fillRef>
                   <a:effectRef idx="0">
-                    <a:schemeClr val="dk1"/>
+                    <a:schemeClr val="accent2"/>
                   </a:effectRef>
                   <a:fontRef idx="minor">
                     <a:schemeClr val="dk1"/>
@@ -4906,17 +4451,17 @@
                     <a:pPr algn="ctr"/>
                     <a:r>
                       <a:rPr lang="en-IN" sz="1400" b="1" dirty="0"/>
-                      <a:t>Training Data</a:t>
+                      <a:t>Feature Importance</a:t>
                     </a:r>
                   </a:p>
                 </p:txBody>
               </p:sp>
               <p:sp>
                 <p:nvSpPr>
-                  <p:cNvPr id="38" name="Rectangle: Folded Corner 37">
+                  <p:cNvPr id="33" name="Rectangle: Rounded Corners 32">
                     <a:extLst>
                       <a:ext uri="{FF2B5EF4-FFF2-40B4-BE49-F238E27FC236}">
-                        <a16:creationId xmlns="" xmlns:a16="http://schemas.microsoft.com/office/drawing/2014/main" id="{2B483BD7-E4C5-4550-9771-54E2033BED80}"/>
+                        <a16:creationId xmlns:a16="http://schemas.microsoft.com/office/drawing/2014/main" xmlns="" id="{3B196442-764C-4DF1-8510-E4C3322331F8}"/>
                       </a:ext>
                     </a:extLst>
                   </p:cNvPr>
@@ -4925,23 +4470,78 @@
                 </p:nvSpPr>
                 <p:spPr>
                   <a:xfrm>
-                    <a:off x="5672468" y="2264355"/>
-                    <a:ext cx="810342" cy="570066"/>
+                    <a:off x="2107879" y="1186594"/>
+                    <a:ext cx="1162645" cy="380734"/>
                   </a:xfrm>
-                  <a:prstGeom prst="foldedCorner">
+                  <a:prstGeom prst="roundRect">
                     <a:avLst/>
                   </a:prstGeom>
                   <a:ln w="19050"/>
                 </p:spPr>
                 <p:style>
                   <a:lnRef idx="2">
-                    <a:schemeClr val="accent6"/>
+                    <a:schemeClr val="accent2"/>
                   </a:lnRef>
                   <a:fillRef idx="1">
                     <a:schemeClr val="lt1"/>
                   </a:fillRef>
                   <a:effectRef idx="0">
-                    <a:schemeClr val="accent6"/>
+                    <a:schemeClr val="accent2"/>
+                  </a:effectRef>
+                  <a:fontRef idx="minor">
+                    <a:schemeClr val="dk1"/>
+                  </a:fontRef>
+                </p:style>
+                <p:txBody>
+                  <a:bodyPr lIns="36000" tIns="36000" rIns="36000" bIns="36000" rtlCol="0" anchor="ctr" anchorCtr="0"/>
+                  <a:lstStyle/>
+                  <a:p>
+                    <a:pPr algn="ctr"/>
+                    <a:r>
+                      <a:rPr lang="en-IN" sz="1400" b="1" dirty="0" smtClean="0"/>
+                      <a:t>Feature Selection</a:t>
+                    </a:r>
+                    <a:endParaRPr lang="en-IN" sz="1400" b="1" dirty="0"/>
+                  </a:p>
+                </p:txBody>
+              </p:sp>
+              <p:sp>
+                <p:nvSpPr>
+                  <p:cNvPr id="34" name="Flowchart: Predefined Process 33">
+                    <a:extLst>
+                      <a:ext uri="{FF2B5EF4-FFF2-40B4-BE49-F238E27FC236}">
+                        <a16:creationId xmlns:a16="http://schemas.microsoft.com/office/drawing/2014/main" xmlns="" id="{51C7F1BB-C14E-4DBE-9BD2-4A89D3993087}"/>
+                      </a:ext>
+                    </a:extLst>
+                  </p:cNvPr>
+                  <p:cNvSpPr/>
+                  <p:nvPr/>
+                </p:nvSpPr>
+                <p:spPr>
+                  <a:xfrm>
+                    <a:off x="3461653" y="2120768"/>
+                    <a:ext cx="1383190" cy="647561"/>
+                  </a:xfrm>
+                  <a:prstGeom prst="flowChartPredefinedProcess">
+                    <a:avLst/>
+                  </a:prstGeom>
+                  <a:solidFill>
+                    <a:schemeClr val="accent2">
+                      <a:lumMod val="40000"/>
+                      <a:lumOff val="60000"/>
+                    </a:schemeClr>
+                  </a:solidFill>
+                  <a:ln w="19050"/>
+                </p:spPr>
+                <p:style>
+                  <a:lnRef idx="1">
+                    <a:schemeClr val="accent2"/>
+                  </a:lnRef>
+                  <a:fillRef idx="2">
+                    <a:schemeClr val="accent2"/>
+                  </a:fillRef>
+                  <a:effectRef idx="1">
+                    <a:schemeClr val="accent2"/>
                   </a:effectRef>
                   <a:fontRef idx="minor">
                     <a:schemeClr val="dk1"/>
@@ -4954,102 +4554,88 @@
                     <a:pPr algn="ctr"/>
                     <a:r>
                       <a:rPr lang="en-IN" sz="1400" b="1" dirty="0"/>
-                      <a:t>Testing </a:t>
+                      <a:t>Multilabel </a:t>
                     </a:r>
                     <a:r>
                       <a:rPr lang="en-IN" sz="1400" b="1" dirty="0" smtClean="0"/>
-                      <a:t>Data</a:t>
+                      <a:t>Targets</a:t>
                     </a:r>
                     <a:endParaRPr lang="en-IN" sz="1400" b="1" dirty="0"/>
                   </a:p>
                 </p:txBody>
               </p:sp>
-              <p:sp>
-                <p:nvSpPr>
-                  <p:cNvPr id="39" name="Rectangle: Diagonal Corners Snipped 38">
+              <p:cxnSp>
+                <p:nvCxnSpPr>
+                  <p:cNvPr id="48" name="Straight Arrow Connector 47">
                     <a:extLst>
                       <a:ext uri="{FF2B5EF4-FFF2-40B4-BE49-F238E27FC236}">
-                        <a16:creationId xmlns="" xmlns:a16="http://schemas.microsoft.com/office/drawing/2014/main" id="{1AAA1B20-93BF-49FD-9244-295AD68383CB}"/>
+                        <a16:creationId xmlns:a16="http://schemas.microsoft.com/office/drawing/2014/main" xmlns="" id="{05C9F02F-F6B9-4A3C-9DE3-E895AD2FFAE2}"/>
                       </a:ext>
                     </a:extLst>
                   </p:cNvPr>
-                  <p:cNvSpPr/>
+                  <p:cNvCxnSpPr>
+                    <a:stCxn id="31" idx="0"/>
+                    <a:endCxn id="33" idx="2"/>
+                  </p:cNvCxnSpPr>
                   <p:nvPr/>
-                </p:nvSpPr>
+                </p:nvCxnSpPr>
                 <p:spPr>
-                  <a:xfrm>
-                    <a:off x="6626560" y="2377876"/>
-                    <a:ext cx="1084938" cy="415167"/>
+                  <a:xfrm rot="5400000" flipH="1" flipV="1">
+                    <a:off x="2614782" y="1641749"/>
+                    <a:ext cx="148841" cy="1588"/>
                   </a:xfrm>
-                  <a:prstGeom prst="snip2DiagRect">
+                  <a:prstGeom prst="straightConnector1">
                     <a:avLst/>
                   </a:prstGeom>
-                  <a:solidFill>
-                    <a:schemeClr val="accent1">
-                      <a:lumMod val="50000"/>
-                    </a:schemeClr>
-                  </a:solidFill>
-                  <a:ln w="19050">
+                  <a:ln w="38100">
                     <a:solidFill>
-                      <a:schemeClr val="accent1">
+                      <a:schemeClr val="tx1">
                         <a:lumMod val="50000"/>
+                        <a:lumOff val="50000"/>
                       </a:schemeClr>
                     </a:solidFill>
+                    <a:prstDash val="solid"/>
+                    <a:tailEnd type="triangle"/>
                   </a:ln>
                 </p:spPr>
                 <p:style>
-                  <a:lnRef idx="2">
-                    <a:schemeClr val="accent6">
-                      <a:shade val="50000"/>
-                    </a:schemeClr>
+                  <a:lnRef idx="1">
+                    <a:schemeClr val="accent1"/>
                   </a:lnRef>
-                  <a:fillRef idx="1">
-                    <a:schemeClr val="accent6"/>
+                  <a:fillRef idx="0">
+                    <a:schemeClr val="accent1"/>
                   </a:fillRef>
                   <a:effectRef idx="0">
-                    <a:schemeClr val="accent6"/>
+                    <a:schemeClr val="accent1"/>
                   </a:effectRef>
                   <a:fontRef idx="minor">
-                    <a:schemeClr val="lt1"/>
+                    <a:schemeClr val="tx1"/>
                   </a:fontRef>
                 </p:style>
-                <p:txBody>
-                  <a:bodyPr lIns="36000" tIns="36000" rIns="36000" bIns="36000" rtlCol="0" anchor="ctr" anchorCtr="0"/>
-                  <a:lstStyle/>
-                  <a:p>
-                    <a:pPr algn="ctr"/>
-                    <a:r>
-                      <a:rPr lang="en-IN" sz="1400" b="1" dirty="0"/>
-                      <a:t>Evaluation</a:t>
-                    </a:r>
-                  </a:p>
-                </p:txBody>
-              </p:sp>
+              </p:cxnSp>
               <p:cxnSp>
                 <p:nvCxnSpPr>
-                  <p:cNvPr id="55" name="Connector: Elbow 54">
+                  <p:cNvPr id="108" name="Straight Arrow Connector 107">
                     <a:extLst>
                       <a:ext uri="{FF2B5EF4-FFF2-40B4-BE49-F238E27FC236}">
-                        <a16:creationId xmlns="" xmlns:a16="http://schemas.microsoft.com/office/drawing/2014/main" id="{A597570F-DD66-4275-9B55-69FEF4038AF2}"/>
+                        <a16:creationId xmlns:a16="http://schemas.microsoft.com/office/drawing/2014/main" xmlns="" id="{792B13A9-C597-410F-B66D-475359C645EF}"/>
                       </a:ext>
                     </a:extLst>
                   </p:cNvPr>
                   <p:cNvCxnSpPr>
                     <a:cxnSpLocks/>
-                    <a:stCxn id="129" idx="0"/>
-                    <a:endCxn id="40" idx="3"/>
+                    <a:stCxn id="30" idx="0"/>
+                    <a:endCxn id="31" idx="2"/>
                   </p:cNvCxnSpPr>
                   <p:nvPr/>
                 </p:nvCxnSpPr>
                 <p:spPr>
-                  <a:xfrm rot="16200000" flipH="1">
-                    <a:off x="7783247" y="548736"/>
-                    <a:ext cx="192429" cy="1287781"/>
+                  <a:xfrm rot="5400000" flipH="1" flipV="1">
+                    <a:off x="2621704" y="2164355"/>
+                    <a:ext cx="134949" cy="47"/>
                   </a:xfrm>
-                  <a:prstGeom prst="bentConnector3">
-                    <a:avLst>
-                      <a:gd name="adj1" fmla="val -28902"/>
-                    </a:avLst>
+                  <a:prstGeom prst="straightConnector1">
+                    <a:avLst/>
                   </a:prstGeom>
                   <a:ln w="38100">
                     <a:solidFill>
@@ -5079,10 +4665,10 @@
               </p:cxnSp>
               <p:sp>
                 <p:nvSpPr>
-                  <p:cNvPr id="40" name="Rectangle: Diagonal Corners Rounded 39">
+                  <p:cNvPr id="111" name="Flowchart: Internal Storage 110">
                     <a:extLst>
                       <a:ext uri="{FF2B5EF4-FFF2-40B4-BE49-F238E27FC236}">
-                        <a16:creationId xmlns="" xmlns:a16="http://schemas.microsoft.com/office/drawing/2014/main" id="{23C1494D-646B-4ABE-A191-825696EDAAAF}"/>
+                        <a16:creationId xmlns:a16="http://schemas.microsoft.com/office/drawing/2014/main" xmlns="" id="{E7358810-DBE8-4CEF-9FCF-2C8A78BA2FBC}"/>
                       </a:ext>
                     </a:extLst>
                   </p:cNvPr>
@@ -5091,19 +4677,22 @@
                 </p:nvSpPr>
                 <p:spPr>
                   <a:xfrm>
-                    <a:off x="7980883" y="1288841"/>
-                    <a:ext cx="1084938" cy="1504202"/>
+                    <a:off x="3462134" y="1186880"/>
+                    <a:ext cx="1383190" cy="844512"/>
                   </a:xfrm>
-                  <a:prstGeom prst="round2DiagRect">
+                  <a:prstGeom prst="flowChartInternalStorage">
                     <a:avLst/>
                   </a:prstGeom>
                   <a:solidFill>
-                    <a:schemeClr val="accent2">
+                    <a:schemeClr val="accent1">
                       <a:lumMod val="20000"/>
                       <a:lumOff val="80000"/>
                     </a:schemeClr>
                   </a:solidFill>
-                  <a:ln w="19050"/>
+                  <a:ln w="19050">
+                    <a:headEnd type="none" w="med" len="med"/>
+                    <a:tailEnd type="none" w="med" len="med"/>
+                  </a:ln>
                 </p:spPr>
                 <p:style>
                   <a:lnRef idx="1">
@@ -5125,142 +4714,68 @@
                   <a:p>
                     <a:pPr algn="ctr"/>
                     <a:r>
+                      <a:rPr lang="en-IN" sz="1400" b="1" dirty="0"/>
+                      <a:t>Features</a:t>
+                    </a:r>
+                  </a:p>
+                </p:txBody>
+              </p:sp>
+              <p:sp>
+                <p:nvSpPr>
+                  <p:cNvPr id="30" name="Rectangle: Rounded Corners 29">
+                    <a:extLst>
+                      <a:ext uri="{FF2B5EF4-FFF2-40B4-BE49-F238E27FC236}">
+                        <a16:creationId xmlns:a16="http://schemas.microsoft.com/office/drawing/2014/main" xmlns="" id="{1F726109-9B74-4AD2-BC51-944659FA5304}"/>
+                      </a:ext>
+                    </a:extLst>
+                  </p:cNvPr>
+                  <p:cNvSpPr/>
+                  <p:nvPr/>
+                </p:nvSpPr>
+                <p:spPr>
+                  <a:xfrm>
+                    <a:off x="2107832" y="2231852"/>
+                    <a:ext cx="1162645" cy="547857"/>
+                  </a:xfrm>
+                  <a:prstGeom prst="roundRect">
+                    <a:avLst/>
+                  </a:prstGeom>
+                  <a:ln w="19050"/>
+                </p:spPr>
+                <p:style>
+                  <a:lnRef idx="2">
+                    <a:schemeClr val="accent2"/>
+                  </a:lnRef>
+                  <a:fillRef idx="1">
+                    <a:schemeClr val="lt1"/>
+                  </a:fillRef>
+                  <a:effectRef idx="0">
+                    <a:schemeClr val="accent2"/>
+                  </a:effectRef>
+                  <a:fontRef idx="minor">
+                    <a:schemeClr val="dk1"/>
+                  </a:fontRef>
+                </p:style>
+                <p:txBody>
+                  <a:bodyPr lIns="36000" tIns="36000" rIns="36000" bIns="36000" rtlCol="0" anchor="ctr" anchorCtr="0"/>
+                  <a:lstStyle/>
+                  <a:p>
+                    <a:pPr algn="ctr"/>
+                    <a:r>
                       <a:rPr lang="en-IN" sz="1400" b="1" dirty="0" smtClean="0"/>
-                      <a:t>Inference</a:t>
+                      <a:t>Data  Pre-processing</a:t>
                     </a:r>
                     <a:endParaRPr lang="en-IN" sz="1400" b="1" dirty="0"/>
                   </a:p>
                 </p:txBody>
               </p:sp>
             </p:grpSp>
-            <p:sp>
-              <p:nvSpPr>
-                <p:cNvPr id="129" name="Flowchart: Delay 128">
+            <p:grpSp>
+              <p:nvGrpSpPr>
+                <p:cNvPr id="131" name="Group 130">
                   <a:extLst>
                     <a:ext uri="{FF2B5EF4-FFF2-40B4-BE49-F238E27FC236}">
-                      <a16:creationId xmlns="" xmlns:a16="http://schemas.microsoft.com/office/drawing/2014/main" id="{7F63EC51-2B44-4E8F-A572-9FA9A7679E9E}"/>
-                    </a:ext>
-                  </a:extLst>
-                </p:cNvPr>
-                <p:cNvSpPr/>
-                <p:nvPr/>
-              </p:nvSpPr>
-              <p:spPr>
-                <a:xfrm>
-                  <a:off x="6073373" y="1135998"/>
-                  <a:ext cx="987082" cy="1046130"/>
-                </a:xfrm>
-                <a:prstGeom prst="flowChartDelay">
-                  <a:avLst/>
-                </a:prstGeom>
-                <a:noFill/>
-                <a:ln w="19050" cap="flat" cmpd="sng" algn="ctr">
-                  <a:solidFill>
-                    <a:schemeClr val="accent1"/>
-                  </a:solidFill>
-                  <a:prstDash val="solid"/>
-                  <a:round/>
-                  <a:headEnd type="none" w="med" len="med"/>
-                  <a:tailEnd type="none" w="med" len="med"/>
-                </a:ln>
-              </p:spPr>
-              <p:style>
-                <a:lnRef idx="0">
-                  <a:scrgbClr r="0" g="0" b="0"/>
-                </a:lnRef>
-                <a:fillRef idx="0">
-                  <a:scrgbClr r="0" g="0" b="0"/>
-                </a:fillRef>
-                <a:effectRef idx="0">
-                  <a:scrgbClr r="0" g="0" b="0"/>
-                </a:effectRef>
-                <a:fontRef idx="minor">
-                  <a:schemeClr val="accent1"/>
-                </a:fontRef>
-              </p:style>
-              <p:txBody>
-                <a:bodyPr lIns="36000" tIns="36000" rIns="36000" bIns="36000" rtlCol="0" anchor="ctr" anchorCtr="0"/>
-                <a:lstStyle/>
-                <a:p>
-                  <a:pPr algn="ctr"/>
-                  <a:endParaRPr lang="en-IN" sz="1400" b="1"/>
-                </a:p>
-              </p:txBody>
-            </p:sp>
-          </p:grpSp>
-          <p:grpSp>
-            <p:nvGrpSpPr>
-              <p:cNvPr id="153" name="Group 152">
-                <a:extLst>
-                  <a:ext uri="{FF2B5EF4-FFF2-40B4-BE49-F238E27FC236}">
-                    <a16:creationId xmlns="" xmlns:a16="http://schemas.microsoft.com/office/drawing/2014/main" id="{B99412FE-017A-460D-A9F2-63F7514D9D6D}"/>
-                  </a:ext>
-                </a:extLst>
-              </p:cNvPr>
-              <p:cNvGrpSpPr/>
-              <p:nvPr/>
-            </p:nvGrpSpPr>
-            <p:grpSpPr>
-              <a:xfrm>
-                <a:off x="8283582" y="982162"/>
-                <a:ext cx="983982" cy="1727904"/>
-                <a:chOff x="8283582" y="999968"/>
-                <a:chExt cx="983982" cy="1727904"/>
-              </a:xfrm>
-            </p:grpSpPr>
-            <p:sp>
-              <p:nvSpPr>
-                <p:cNvPr id="135" name="Rectangle 134">
-                  <a:extLst>
-                    <a:ext uri="{FF2B5EF4-FFF2-40B4-BE49-F238E27FC236}">
-                      <a16:creationId xmlns="" xmlns:a16="http://schemas.microsoft.com/office/drawing/2014/main" id="{2FC0649F-7A94-4CD1-9C5B-C32E10886223}"/>
-                    </a:ext>
-                  </a:extLst>
-                </p:cNvPr>
-                <p:cNvSpPr/>
-                <p:nvPr/>
-              </p:nvSpPr>
-              <p:spPr>
-                <a:xfrm>
-                  <a:off x="8283582" y="999968"/>
-                  <a:ext cx="983982" cy="1727904"/>
-                </a:xfrm>
-                <a:prstGeom prst="rect">
-                  <a:avLst/>
-                </a:prstGeom>
-                <a:ln w="19050">
-                  <a:prstDash val="sysDash"/>
-                </a:ln>
-              </p:spPr>
-              <p:style>
-                <a:lnRef idx="2">
-                  <a:schemeClr val="accent3"/>
-                </a:lnRef>
-                <a:fillRef idx="1">
-                  <a:schemeClr val="lt1"/>
-                </a:fillRef>
-                <a:effectRef idx="0">
-                  <a:schemeClr val="accent3"/>
-                </a:effectRef>
-                <a:fontRef idx="minor">
-                  <a:schemeClr val="dk1"/>
-                </a:fontRef>
-              </p:style>
-              <p:txBody>
-                <a:bodyPr lIns="36000" tIns="36000" rIns="36000" bIns="36000" rtlCol="0" anchor="ctr" anchorCtr="0"/>
-                <a:lstStyle/>
-                <a:p>
-                  <a:pPr algn="ctr"/>
-                  <a:endParaRPr lang="en-IN" sz="1400" b="1"/>
-                </a:p>
-              </p:txBody>
-            </p:sp>
-            <p:grpSp>
-              <p:nvGrpSpPr>
-                <p:cNvPr id="152" name="Group 151">
-                  <a:extLst>
-                    <a:ext uri="{FF2B5EF4-FFF2-40B4-BE49-F238E27FC236}">
-                      <a16:creationId xmlns="" xmlns:a16="http://schemas.microsoft.com/office/drawing/2014/main" id="{7F553C5F-7102-4362-95E1-46234ACC9AAC}"/>
+                      <a16:creationId xmlns:a16="http://schemas.microsoft.com/office/drawing/2014/main" xmlns="" id="{3EA17D66-8D36-483F-ABC9-9F7429097033}"/>
                     </a:ext>
                   </a:extLst>
                 </p:cNvPr>
@@ -5269,481 +4784,385 @@
               </p:nvGrpSpPr>
               <p:grpSpPr>
                 <a:xfrm>
-                  <a:off x="8333602" y="1043167"/>
-                  <a:ext cx="932360" cy="1359536"/>
-                  <a:chOff x="9804793" y="4546464"/>
-                  <a:chExt cx="1203131" cy="1750091"/>
+                  <a:off x="4952728" y="989693"/>
+                  <a:ext cx="3244036" cy="1727904"/>
+                  <a:chOff x="5151867" y="1002849"/>
+                  <a:chExt cx="3008734" cy="1727904"/>
                 </a:xfrm>
               </p:grpSpPr>
-              <p:pic>
-                <p:nvPicPr>
-                  <p:cNvPr id="143" name="Picture 142">
+              <p:grpSp>
+                <p:nvGrpSpPr>
+                  <p:cNvPr id="119" name="Group 118">
                     <a:extLst>
                       <a:ext uri="{FF2B5EF4-FFF2-40B4-BE49-F238E27FC236}">
-                        <a16:creationId xmlns="" xmlns:a16="http://schemas.microsoft.com/office/drawing/2014/main" id="{580BF35E-8F23-43A7-BA8E-2E3C7D352EDB}"/>
+                        <a16:creationId xmlns:a16="http://schemas.microsoft.com/office/drawing/2014/main" xmlns="" id="{682BBDE5-F970-4C6E-8263-E7BC55EEF408}"/>
                       </a:ext>
                     </a:extLst>
                   </p:cNvPr>
-                  <p:cNvPicPr>
-                    <a:picLocks noChangeAspect="1"/>
-                  </p:cNvPicPr>
+                  <p:cNvGrpSpPr/>
                   <p:nvPr/>
-                </p:nvPicPr>
-                <p:blipFill>
-                  <a:blip r:embed="rId10" cstate="print">
-                    <a:extLst>
-                      <a:ext uri="{28A0092B-C50C-407E-A947-70E740481C1C}">
-                        <a14:useLocalDpi xmlns="" xmlns:a14="http://schemas.microsoft.com/office/drawing/2010/main" val="0"/>
-                      </a:ext>
-                    </a:extLst>
-                  </a:blip>
-                  <a:stretch>
-                    <a:fillRect/>
-                  </a:stretch>
-                </p:blipFill>
-                <p:spPr>
+                </p:nvGrpSpPr>
+                <p:grpSpPr>
                   <a:xfrm>
-                    <a:off x="9892184" y="5262587"/>
-                    <a:ext cx="339813" cy="339812"/>
+                    <a:off x="5151867" y="1002849"/>
+                    <a:ext cx="3008734" cy="1727904"/>
+                    <a:chOff x="5489455" y="942541"/>
+                    <a:chExt cx="3712667" cy="1996819"/>
                   </a:xfrm>
-                  <a:prstGeom prst="rect">
-                    <a:avLst/>
-                  </a:prstGeom>
-                </p:spPr>
-              </p:pic>
-              <p:pic>
-                <p:nvPicPr>
-                  <p:cNvPr id="145" name="Picture 144">
+                </p:grpSpPr>
+                <p:sp>
+                  <p:nvSpPr>
+                    <p:cNvPr id="5" name="Rectangle 4">
+                      <a:extLst>
+                        <a:ext uri="{FF2B5EF4-FFF2-40B4-BE49-F238E27FC236}">
+                          <a16:creationId xmlns:a16="http://schemas.microsoft.com/office/drawing/2014/main" xmlns="" id="{B3104B39-A596-4EC4-ADB8-B7F18956B5E2}"/>
+                        </a:ext>
+                      </a:extLst>
+                    </p:cNvPr>
+                    <p:cNvSpPr/>
+                    <p:nvPr/>
+                  </p:nvSpPr>
+                  <p:spPr>
+                    <a:xfrm>
+                      <a:off x="5489455" y="942541"/>
+                      <a:ext cx="3712667" cy="1996819"/>
+                    </a:xfrm>
+                    <a:prstGeom prst="rect">
+                      <a:avLst/>
+                    </a:prstGeom>
+                    <a:ln w="19050">
+                      <a:prstDash val="sysDash"/>
+                    </a:ln>
+                  </p:spPr>
+                  <p:style>
+                    <a:lnRef idx="2">
+                      <a:schemeClr val="accent3"/>
+                    </a:lnRef>
+                    <a:fillRef idx="1">
+                      <a:schemeClr val="lt1"/>
+                    </a:fillRef>
+                    <a:effectRef idx="0">
+                      <a:schemeClr val="accent3"/>
+                    </a:effectRef>
+                    <a:fontRef idx="minor">
+                      <a:schemeClr val="dk1"/>
+                    </a:fontRef>
+                  </p:style>
+                  <p:txBody>
+                    <a:bodyPr lIns="36000" tIns="36000" rIns="36000" bIns="36000" rtlCol="0" anchor="ctr" anchorCtr="0"/>
+                    <a:lstStyle/>
+                    <a:p>
+                      <a:pPr algn="ctr"/>
+                      <a:endParaRPr lang="en-IN" sz="1400" b="1"/>
+                    </a:p>
+                  </p:txBody>
+                </p:sp>
+                <p:pic>
+                  <p:nvPicPr>
+                    <p:cNvPr id="36" name="Picture 35">
+                      <a:extLst>
+                        <a:ext uri="{FF2B5EF4-FFF2-40B4-BE49-F238E27FC236}">
+                          <a16:creationId xmlns:a16="http://schemas.microsoft.com/office/drawing/2014/main" xmlns="" id="{17F264B1-A400-416D-9663-1E7668A5A3E7}"/>
+                        </a:ext>
+                      </a:extLst>
+                    </p:cNvPr>
+                    <p:cNvPicPr>
+                      <a:picLocks noChangeAspect="1"/>
+                    </p:cNvPicPr>
+                    <p:nvPr/>
+                  </p:nvPicPr>
+                  <p:blipFill>
+                    <a:blip r:embed="rId9">
+                      <a:extLst>
+                        <a:ext uri="{28A0092B-C50C-407E-A947-70E740481C1C}">
+                          <a14:useLocalDpi xmlns:a14="http://schemas.microsoft.com/office/drawing/2010/main" xmlns="" val="0"/>
+                        </a:ext>
+                      </a:extLst>
+                    </a:blip>
+                    <a:stretch>
+                      <a:fillRect/>
+                    </a:stretch>
+                  </p:blipFill>
+                  <p:spPr>
+                    <a:xfrm>
+                      <a:off x="6678224" y="1225965"/>
+                      <a:ext cx="1033273" cy="1033273"/>
+                    </a:xfrm>
+                    <a:prstGeom prst="rect">
+                      <a:avLst/>
+                    </a:prstGeom>
+                  </p:spPr>
+                </p:pic>
+                <p:sp>
+                  <p:nvSpPr>
+                    <p:cNvPr id="37" name="Rectangle: Folded Corner 36">
+                      <a:extLst>
+                        <a:ext uri="{FF2B5EF4-FFF2-40B4-BE49-F238E27FC236}">
+                          <a16:creationId xmlns:a16="http://schemas.microsoft.com/office/drawing/2014/main" xmlns="" id="{294B1302-0F54-4426-BE93-B2F5AFD3895A}"/>
+                        </a:ext>
+                      </a:extLst>
+                    </p:cNvPr>
+                    <p:cNvSpPr/>
+                    <p:nvPr/>
+                  </p:nvSpPr>
+                  <p:spPr>
+                    <a:xfrm>
+                      <a:off x="5672468" y="1096413"/>
+                      <a:ext cx="810342" cy="1154036"/>
+                    </a:xfrm>
+                    <a:prstGeom prst="foldedCorner">
+                      <a:avLst/>
+                    </a:prstGeom>
+                    <a:ln w="19050"/>
+                  </p:spPr>
+                  <p:style>
+                    <a:lnRef idx="2">
+                      <a:schemeClr val="dk1"/>
+                    </a:lnRef>
+                    <a:fillRef idx="1">
+                      <a:schemeClr val="lt1"/>
+                    </a:fillRef>
+                    <a:effectRef idx="0">
+                      <a:schemeClr val="dk1"/>
+                    </a:effectRef>
+                    <a:fontRef idx="minor">
+                      <a:schemeClr val="dk1"/>
+                    </a:fontRef>
+                  </p:style>
+                  <p:txBody>
+                    <a:bodyPr lIns="36000" tIns="36000" rIns="36000" bIns="36000" rtlCol="0" anchor="ctr" anchorCtr="0"/>
+                    <a:lstStyle/>
+                    <a:p>
+                      <a:pPr algn="ctr"/>
+                      <a:r>
+                        <a:rPr lang="en-IN" sz="1400" b="1" dirty="0"/>
+                        <a:t>Training Data</a:t>
+                      </a:r>
+                    </a:p>
+                  </p:txBody>
+                </p:sp>
+                <p:sp>
+                  <p:nvSpPr>
+                    <p:cNvPr id="38" name="Rectangle: Folded Corner 37">
+                      <a:extLst>
+                        <a:ext uri="{FF2B5EF4-FFF2-40B4-BE49-F238E27FC236}">
+                          <a16:creationId xmlns:a16="http://schemas.microsoft.com/office/drawing/2014/main" xmlns="" id="{2B483BD7-E4C5-4550-9771-54E2033BED80}"/>
+                        </a:ext>
+                      </a:extLst>
+                    </p:cNvPr>
+                    <p:cNvSpPr/>
+                    <p:nvPr/>
+                  </p:nvSpPr>
+                  <p:spPr>
+                    <a:xfrm>
+                      <a:off x="5672468" y="2264355"/>
+                      <a:ext cx="810342" cy="570066"/>
+                    </a:xfrm>
+                    <a:prstGeom prst="foldedCorner">
+                      <a:avLst/>
+                    </a:prstGeom>
+                    <a:ln w="19050"/>
+                  </p:spPr>
+                  <p:style>
+                    <a:lnRef idx="2">
+                      <a:schemeClr val="accent6"/>
+                    </a:lnRef>
+                    <a:fillRef idx="1">
+                      <a:schemeClr val="lt1"/>
+                    </a:fillRef>
+                    <a:effectRef idx="0">
+                      <a:schemeClr val="accent6"/>
+                    </a:effectRef>
+                    <a:fontRef idx="minor">
+                      <a:schemeClr val="dk1"/>
+                    </a:fontRef>
+                  </p:style>
+                  <p:txBody>
+                    <a:bodyPr lIns="36000" tIns="36000" rIns="36000" bIns="36000" rtlCol="0" anchor="ctr" anchorCtr="0"/>
+                    <a:lstStyle/>
+                    <a:p>
+                      <a:pPr algn="ctr"/>
+                      <a:r>
+                        <a:rPr lang="en-IN" sz="1400" b="1" dirty="0"/>
+                        <a:t>Testing </a:t>
+                      </a:r>
+                      <a:r>
+                        <a:rPr lang="en-IN" sz="1400" b="1" dirty="0" smtClean="0"/>
+                        <a:t>Data</a:t>
+                      </a:r>
+                      <a:endParaRPr lang="en-IN" sz="1400" b="1" dirty="0"/>
+                    </a:p>
+                  </p:txBody>
+                </p:sp>
+                <p:sp>
+                  <p:nvSpPr>
+                    <p:cNvPr id="39" name="Rectangle: Diagonal Corners Snipped 38">
+                      <a:extLst>
+                        <a:ext uri="{FF2B5EF4-FFF2-40B4-BE49-F238E27FC236}">
+                          <a16:creationId xmlns:a16="http://schemas.microsoft.com/office/drawing/2014/main" xmlns="" id="{1AAA1B20-93BF-49FD-9244-295AD68383CB}"/>
+                        </a:ext>
+                      </a:extLst>
+                    </p:cNvPr>
+                    <p:cNvSpPr/>
+                    <p:nvPr/>
+                  </p:nvSpPr>
+                  <p:spPr>
+                    <a:xfrm>
+                      <a:off x="6626560" y="2377876"/>
+                      <a:ext cx="1084938" cy="415167"/>
+                    </a:xfrm>
+                    <a:prstGeom prst="snip2DiagRect">
+                      <a:avLst/>
+                    </a:prstGeom>
+                    <a:solidFill>
+                      <a:schemeClr val="bg2"/>
+                    </a:solidFill>
+                    <a:ln w="19050"/>
+                  </p:spPr>
+                  <p:style>
+                    <a:lnRef idx="1">
+                      <a:schemeClr val="accent3"/>
+                    </a:lnRef>
+                    <a:fillRef idx="2">
+                      <a:schemeClr val="accent3"/>
+                    </a:fillRef>
+                    <a:effectRef idx="1">
+                      <a:schemeClr val="accent3"/>
+                    </a:effectRef>
+                    <a:fontRef idx="minor">
+                      <a:schemeClr val="dk1"/>
+                    </a:fontRef>
+                  </p:style>
+                  <p:txBody>
+                    <a:bodyPr lIns="36000" tIns="36000" rIns="36000" bIns="36000" rtlCol="0" anchor="ctr" anchorCtr="0"/>
+                    <a:lstStyle/>
+                    <a:p>
+                      <a:pPr algn="ctr"/>
+                      <a:r>
+                        <a:rPr lang="en-IN" sz="1400" b="1" dirty="0"/>
+                        <a:t>Evaluation</a:t>
+                      </a:r>
+                    </a:p>
+                  </p:txBody>
+                </p:sp>
+                <p:cxnSp>
+                  <p:nvCxnSpPr>
+                    <p:cNvPr id="55" name="Connector: Elbow 54">
+                      <a:extLst>
+                        <a:ext uri="{FF2B5EF4-FFF2-40B4-BE49-F238E27FC236}">
+                          <a16:creationId xmlns:a16="http://schemas.microsoft.com/office/drawing/2014/main" xmlns="" id="{A597570F-DD66-4275-9B55-69FEF4038AF2}"/>
+                        </a:ext>
+                      </a:extLst>
+                    </p:cNvPr>
+                    <p:cNvCxnSpPr>
+                      <a:cxnSpLocks/>
+                      <a:stCxn id="129" idx="0"/>
+                      <a:endCxn id="40" idx="3"/>
+                    </p:cNvCxnSpPr>
+                    <p:nvPr/>
+                  </p:nvCxnSpPr>
+                  <p:spPr>
+                    <a:xfrm rot="16200000" flipH="1">
+                      <a:off x="7783247" y="548736"/>
+                      <a:ext cx="192429" cy="1287781"/>
+                    </a:xfrm>
+                    <a:prstGeom prst="bentConnector3">
+                      <a:avLst>
+                        <a:gd name="adj1" fmla="val -28902"/>
+                      </a:avLst>
+                    </a:prstGeom>
+                    <a:ln w="38100">
+                      <a:solidFill>
+                        <a:schemeClr val="tx1">
+                          <a:lumMod val="50000"/>
+                          <a:lumOff val="50000"/>
+                        </a:schemeClr>
+                      </a:solidFill>
+                      <a:prstDash val="solid"/>
+                      <a:tailEnd type="triangle"/>
+                    </a:ln>
+                  </p:spPr>
+                  <p:style>
+                    <a:lnRef idx="1">
+                      <a:schemeClr val="accent1"/>
+                    </a:lnRef>
+                    <a:fillRef idx="0">
+                      <a:schemeClr val="accent1"/>
+                    </a:fillRef>
+                    <a:effectRef idx="0">
+                      <a:schemeClr val="accent1"/>
+                    </a:effectRef>
+                    <a:fontRef idx="minor">
+                      <a:schemeClr val="tx1"/>
+                    </a:fontRef>
+                  </p:style>
+                </p:cxnSp>
+                <p:sp>
+                  <p:nvSpPr>
+                    <p:cNvPr id="40" name="Rectangle: Diagonal Corners Rounded 39">
+                      <a:extLst>
+                        <a:ext uri="{FF2B5EF4-FFF2-40B4-BE49-F238E27FC236}">
+                          <a16:creationId xmlns:a16="http://schemas.microsoft.com/office/drawing/2014/main" xmlns="" id="{23C1494D-646B-4ABE-A191-825696EDAAAF}"/>
+                        </a:ext>
+                      </a:extLst>
+                    </p:cNvPr>
+                    <p:cNvSpPr/>
+                    <p:nvPr/>
+                  </p:nvSpPr>
+                  <p:spPr>
+                    <a:xfrm>
+                      <a:off x="7980883" y="1288841"/>
+                      <a:ext cx="1084938" cy="1504202"/>
+                    </a:xfrm>
+                    <a:prstGeom prst="round2DiagRect">
+                      <a:avLst/>
+                    </a:prstGeom>
+                    <a:solidFill>
+                      <a:schemeClr val="accent2">
+                        <a:lumMod val="20000"/>
+                        <a:lumOff val="80000"/>
+                      </a:schemeClr>
+                    </a:solidFill>
+                    <a:ln w="19050">
+                      <a:solidFill>
+                        <a:schemeClr val="accent2"/>
+                      </a:solidFill>
+                    </a:ln>
+                  </p:spPr>
+                  <p:style>
+                    <a:lnRef idx="1">
+                      <a:schemeClr val="accent5"/>
+                    </a:lnRef>
+                    <a:fillRef idx="2">
+                      <a:schemeClr val="accent5"/>
+                    </a:fillRef>
+                    <a:effectRef idx="1">
+                      <a:schemeClr val="accent5"/>
+                    </a:effectRef>
+                    <a:fontRef idx="minor">
+                      <a:schemeClr val="dk1"/>
+                    </a:fontRef>
+                  </p:style>
+                  <p:txBody>
+                    <a:bodyPr lIns="36000" tIns="36000" rIns="36000" bIns="36000" rtlCol="0" anchor="ctr" anchorCtr="0"/>
+                    <a:lstStyle/>
+                    <a:p>
+                      <a:pPr algn="ctr"/>
+                      <a:r>
+                        <a:rPr lang="en-IN" sz="1400" b="1" dirty="0" smtClean="0"/>
+                        <a:t>Inference</a:t>
+                      </a:r>
+                      <a:endParaRPr lang="en-IN" sz="1400" b="1" dirty="0"/>
+                    </a:p>
+                  </p:txBody>
+                </p:sp>
+              </p:grpSp>
+              <p:sp>
+                <p:nvSpPr>
+                  <p:cNvPr id="129" name="Flowchart: Delay 128">
                     <a:extLst>
                       <a:ext uri="{FF2B5EF4-FFF2-40B4-BE49-F238E27FC236}">
-                        <a16:creationId xmlns="" xmlns:a16="http://schemas.microsoft.com/office/drawing/2014/main" id="{C5C989CF-E003-47AA-B11D-B001F0B538E7}"/>
-                      </a:ext>
-                    </a:extLst>
-                  </p:cNvPr>
-                  <p:cNvPicPr>
-                    <a:picLocks noChangeAspect="1"/>
-                  </p:cNvPicPr>
-                  <p:nvPr/>
-                </p:nvPicPr>
-                <p:blipFill>
-                  <a:blip r:embed="rId11" cstate="print">
-                    <a:extLst>
-                      <a:ext uri="{28A0092B-C50C-407E-A947-70E740481C1C}">
-                        <a14:useLocalDpi xmlns="" xmlns:a14="http://schemas.microsoft.com/office/drawing/2010/main" val="0"/>
-                      </a:ext>
-                    </a:extLst>
-                  </a:blip>
-                  <a:stretch>
-                    <a:fillRect/>
-                  </a:stretch>
-                </p:blipFill>
-                <p:spPr>
-                  <a:xfrm flipH="1">
-                    <a:off x="10344028" y="5186648"/>
-                    <a:ext cx="495779" cy="591698"/>
-                  </a:xfrm>
-                  <a:prstGeom prst="rect">
-                    <a:avLst/>
-                  </a:prstGeom>
-                </p:spPr>
-              </p:pic>
-              <p:pic>
-                <p:nvPicPr>
-                  <p:cNvPr id="147" name="Picture 146">
-                    <a:extLst>
-                      <a:ext uri="{FF2B5EF4-FFF2-40B4-BE49-F238E27FC236}">
-                        <a16:creationId xmlns="" xmlns:a16="http://schemas.microsoft.com/office/drawing/2014/main" id="{430DCDF1-0DCC-4C12-9141-F179A163E693}"/>
-                      </a:ext>
-                    </a:extLst>
-                  </p:cNvPr>
-                  <p:cNvPicPr>
-                    <a:picLocks noChangeAspect="1"/>
-                  </p:cNvPicPr>
-                  <p:nvPr/>
-                </p:nvPicPr>
-                <p:blipFill>
-                  <a:blip r:embed="rId12" cstate="print">
-                    <a:extLst>
-                      <a:ext uri="{28A0092B-C50C-407E-A947-70E740481C1C}">
-                        <a14:useLocalDpi xmlns="" xmlns:a14="http://schemas.microsoft.com/office/drawing/2010/main" val="0"/>
-                      </a:ext>
-                    </a:extLst>
-                  </a:blip>
-                  <a:stretch>
-                    <a:fillRect/>
-                  </a:stretch>
-                </p:blipFill>
-                <p:spPr>
-                  <a:xfrm>
-                    <a:off x="9909342" y="5733120"/>
-                    <a:ext cx="563435" cy="563435"/>
-                  </a:xfrm>
-                  <a:prstGeom prst="rect">
-                    <a:avLst/>
-                  </a:prstGeom>
-                </p:spPr>
-              </p:pic>
-              <p:pic>
-                <p:nvPicPr>
-                  <p:cNvPr id="149" name="Picture 148">
-                    <a:extLst>
-                      <a:ext uri="{FF2B5EF4-FFF2-40B4-BE49-F238E27FC236}">
-                        <a16:creationId xmlns="" xmlns:a16="http://schemas.microsoft.com/office/drawing/2014/main" id="{87ED915D-99EB-4CF6-8D15-E41A5597ACF8}"/>
-                      </a:ext>
-                    </a:extLst>
-                  </p:cNvPr>
-                  <p:cNvPicPr>
-                    <a:picLocks noChangeAspect="1"/>
-                  </p:cNvPicPr>
-                  <p:nvPr/>
-                </p:nvPicPr>
-                <p:blipFill>
-                  <a:blip r:embed="rId13" cstate="print">
-                    <a:extLst>
-                      <a:ext uri="{28A0092B-C50C-407E-A947-70E740481C1C}">
-                        <a14:useLocalDpi xmlns="" xmlns:a14="http://schemas.microsoft.com/office/drawing/2010/main" val="0"/>
-                      </a:ext>
-                    </a:extLst>
-                  </a:blip>
-                  <a:stretch>
-                    <a:fillRect/>
-                  </a:stretch>
-                </p:blipFill>
-                <p:spPr>
-                  <a:xfrm flipH="1">
-                    <a:off x="9804793" y="4550834"/>
-                    <a:ext cx="667987" cy="615218"/>
-                  </a:xfrm>
-                  <a:prstGeom prst="rect">
-                    <a:avLst/>
-                  </a:prstGeom>
-                </p:spPr>
-              </p:pic>
-              <p:pic>
-                <p:nvPicPr>
-                  <p:cNvPr id="151" name="Picture 150">
-                    <a:extLst>
-                      <a:ext uri="{FF2B5EF4-FFF2-40B4-BE49-F238E27FC236}">
-                        <a16:creationId xmlns="" xmlns:a16="http://schemas.microsoft.com/office/drawing/2014/main" id="{C7C52066-D95D-4B32-BEB7-EBEFBC8A4EFC}"/>
-                      </a:ext>
-                    </a:extLst>
-                  </p:cNvPr>
-                  <p:cNvPicPr>
-                    <a:picLocks noChangeAspect="1"/>
-                  </p:cNvPicPr>
-                  <p:nvPr/>
-                </p:nvPicPr>
-                <p:blipFill>
-                  <a:blip r:embed="rId14" cstate="print">
-                    <a:extLst>
-                      <a:ext uri="{28A0092B-C50C-407E-A947-70E740481C1C}">
-                        <a14:useLocalDpi xmlns="" xmlns:a14="http://schemas.microsoft.com/office/drawing/2010/main" val="0"/>
-                      </a:ext>
-                    </a:extLst>
-                  </a:blip>
-                  <a:stretch>
-                    <a:fillRect/>
-                  </a:stretch>
-                </p:blipFill>
-                <p:spPr>
-                  <a:xfrm>
-                    <a:off x="10372274" y="4546464"/>
-                    <a:ext cx="635650" cy="635650"/>
-                  </a:xfrm>
-                  <a:prstGeom prst="rect">
-                    <a:avLst/>
-                  </a:prstGeom>
-                </p:spPr>
-              </p:pic>
-            </p:grpSp>
-          </p:grpSp>
-        </p:grpSp>
-        <p:sp>
-          <p:nvSpPr>
-            <p:cNvPr id="154" name="Rectangle 153">
-              <a:extLst>
-                <a:ext uri="{FF2B5EF4-FFF2-40B4-BE49-F238E27FC236}">
-                  <a16:creationId xmlns="" xmlns:a16="http://schemas.microsoft.com/office/drawing/2014/main" id="{ECA394FD-189E-4822-B8EA-302A5BA2F53D}"/>
-                </a:ext>
-              </a:extLst>
-            </p:cNvPr>
-            <p:cNvSpPr/>
-            <p:nvPr/>
-          </p:nvSpPr>
-          <p:spPr>
-            <a:xfrm>
-              <a:off x="8236792" y="2416601"/>
-              <a:ext cx="1035923" cy="300996"/>
-            </a:xfrm>
-            <a:prstGeom prst="rect">
-              <a:avLst/>
-            </a:prstGeom>
-          </p:spPr>
-          <p:style>
-            <a:lnRef idx="0">
-              <a:schemeClr val="accent1"/>
-            </a:lnRef>
-            <a:fillRef idx="3">
-              <a:schemeClr val="accent1"/>
-            </a:fillRef>
-            <a:effectRef idx="3">
-              <a:schemeClr val="accent1"/>
-            </a:effectRef>
-            <a:fontRef idx="minor">
-              <a:schemeClr val="lt1"/>
-            </a:fontRef>
-          </p:style>
-          <p:txBody>
-            <a:bodyPr lIns="36000" tIns="36000" rIns="36000" bIns="36000" rtlCol="0" anchor="ctr" anchorCtr="0"/>
-            <a:lstStyle/>
-            <a:p>
-              <a:pPr algn="ctr"/>
-              <a:r>
-                <a:rPr lang="en-IN" sz="1400" b="1" dirty="0" smtClean="0"/>
-                <a:t>Stay-location</a:t>
-              </a:r>
-              <a:endParaRPr lang="en-IN" sz="1400" b="1" dirty="0"/>
-            </a:p>
-          </p:txBody>
-        </p:sp>
-        <p:grpSp>
-          <p:nvGrpSpPr>
-            <p:cNvPr id="158" name="Group 157">
-              <a:extLst>
-                <a:ext uri="{FF2B5EF4-FFF2-40B4-BE49-F238E27FC236}">
-                  <a16:creationId xmlns="" xmlns:a16="http://schemas.microsoft.com/office/drawing/2014/main" id="{00ECB78A-96D6-43D3-943B-458B3CA1CAD2}"/>
-                </a:ext>
-              </a:extLst>
-            </p:cNvPr>
-            <p:cNvGrpSpPr/>
-            <p:nvPr/>
-          </p:nvGrpSpPr>
-          <p:grpSpPr>
-            <a:xfrm>
-              <a:off x="2140242" y="3083643"/>
-              <a:ext cx="6799153" cy="1307032"/>
-              <a:chOff x="2140242" y="3145428"/>
-              <a:chExt cx="6799153" cy="1307032"/>
-            </a:xfrm>
-          </p:grpSpPr>
-          <p:grpSp>
-            <p:nvGrpSpPr>
-              <p:cNvPr id="101" name="Group 100">
-                <a:extLst>
-                  <a:ext uri="{FF2B5EF4-FFF2-40B4-BE49-F238E27FC236}">
-                    <a16:creationId xmlns="" xmlns:a16="http://schemas.microsoft.com/office/drawing/2014/main" id="{1A115BDB-EDA2-4664-9BC4-F0DCE217342D}"/>
-                  </a:ext>
-                </a:extLst>
-              </p:cNvPr>
-              <p:cNvGrpSpPr/>
-              <p:nvPr/>
-            </p:nvGrpSpPr>
-            <p:grpSpPr>
-              <a:xfrm>
-                <a:off x="2140242" y="3145428"/>
-                <a:ext cx="6799153" cy="1238238"/>
-                <a:chOff x="2140242" y="3417274"/>
-                <a:chExt cx="6799153" cy="1238238"/>
-              </a:xfrm>
-            </p:grpSpPr>
-            <p:sp>
-              <p:nvSpPr>
-                <p:cNvPr id="95" name="Flowchart: Internal Storage 94">
-                  <a:extLst>
-                    <a:ext uri="{FF2B5EF4-FFF2-40B4-BE49-F238E27FC236}">
-                      <a16:creationId xmlns="" xmlns:a16="http://schemas.microsoft.com/office/drawing/2014/main" id="{0CB9E4E0-00CB-43C7-ACB0-4BA34E9362D6}"/>
-                    </a:ext>
-                  </a:extLst>
-                </p:cNvPr>
-                <p:cNvSpPr/>
-                <p:nvPr/>
-              </p:nvSpPr>
-              <p:spPr>
-                <a:xfrm>
-                  <a:off x="6908335" y="3565527"/>
-                  <a:ext cx="840259" cy="835923"/>
-                </a:xfrm>
-                <a:prstGeom prst="flowChartInternalStorage">
-                  <a:avLst/>
-                </a:prstGeom>
-                <a:noFill/>
-                <a:ln w="19050" cap="flat" cmpd="sng" algn="ctr">
-                  <a:solidFill>
-                    <a:schemeClr val="dk1"/>
-                  </a:solidFill>
-                  <a:prstDash val="solid"/>
-                  <a:round/>
-                  <a:headEnd type="none" w="med" len="med"/>
-                  <a:tailEnd type="none" w="med" len="med"/>
-                </a:ln>
-              </p:spPr>
-              <p:style>
-                <a:lnRef idx="0">
-                  <a:scrgbClr r="0" g="0" b="0"/>
-                </a:lnRef>
-                <a:fillRef idx="0">
-                  <a:scrgbClr r="0" g="0" b="0"/>
-                </a:fillRef>
-                <a:effectRef idx="0">
-                  <a:scrgbClr r="0" g="0" b="0"/>
-                </a:effectRef>
-                <a:fontRef idx="minor">
-                  <a:schemeClr val="dk1"/>
-                </a:fontRef>
-              </p:style>
-              <p:txBody>
-                <a:bodyPr lIns="36000" tIns="36000" rIns="36000" bIns="36000" rtlCol="0" anchor="ctr" anchorCtr="0"/>
-                <a:lstStyle/>
-                <a:p>
-                  <a:pPr algn="ctr"/>
-                  <a:r>
-                    <a:rPr lang="en-IN" sz="1400" b="1" dirty="0"/>
-                    <a:t>Spatial </a:t>
-                  </a:r>
-                  <a:r>
-                    <a:rPr lang="en-IN" sz="1400" b="1" dirty="0" smtClean="0"/>
-                    <a:t>Features</a:t>
-                  </a:r>
-                  <a:endParaRPr lang="en-IN" sz="1400" b="1" dirty="0"/>
-                </a:p>
-              </p:txBody>
-            </p:sp>
-            <p:sp>
-              <p:nvSpPr>
-                <p:cNvPr id="96" name="Flowchart: Internal Storage 95">
-                  <a:extLst>
-                    <a:ext uri="{FF2B5EF4-FFF2-40B4-BE49-F238E27FC236}">
-                      <a16:creationId xmlns="" xmlns:a16="http://schemas.microsoft.com/office/drawing/2014/main" id="{28D3F001-0A84-40AD-9104-DEA587868CC2}"/>
-                    </a:ext>
-                  </a:extLst>
-                </p:cNvPr>
-                <p:cNvSpPr/>
-                <p:nvPr/>
-              </p:nvSpPr>
-              <p:spPr>
-                <a:xfrm>
-                  <a:off x="5743610" y="3565527"/>
-                  <a:ext cx="840259" cy="835923"/>
-                </a:xfrm>
-                <a:prstGeom prst="flowChartInternalStorage">
-                  <a:avLst/>
-                </a:prstGeom>
-                <a:ln w="19050">
-                  <a:headEnd type="none" w="med" len="med"/>
-                  <a:tailEnd type="none" w="med" len="med"/>
-                </a:ln>
-              </p:spPr>
-              <p:style>
-                <a:lnRef idx="1">
-                  <a:schemeClr val="accent5"/>
-                </a:lnRef>
-                <a:fillRef idx="2">
-                  <a:schemeClr val="accent5"/>
-                </a:fillRef>
-                <a:effectRef idx="1">
-                  <a:schemeClr val="accent5"/>
-                </a:effectRef>
-                <a:fontRef idx="minor">
-                  <a:schemeClr val="dk1"/>
-                </a:fontRef>
-              </p:style>
-              <p:txBody>
-                <a:bodyPr lIns="36000" tIns="36000" rIns="36000" bIns="36000" rtlCol="0" anchor="ctr" anchorCtr="0"/>
-                <a:lstStyle/>
-                <a:p>
-                  <a:pPr algn="ctr"/>
-                  <a:r>
-                    <a:rPr lang="en-IN" sz="1400" b="1" dirty="0"/>
-                    <a:t>Raw</a:t>
-                  </a:r>
-                </a:p>
-                <a:p>
-                  <a:pPr algn="ctr"/>
-                  <a:r>
-                    <a:rPr lang="en-IN" sz="1400" b="1" dirty="0"/>
-                    <a:t>Features</a:t>
-                  </a:r>
-                </a:p>
-              </p:txBody>
-            </p:sp>
-            <p:sp>
-              <p:nvSpPr>
-                <p:cNvPr id="97" name="Flowchart: Internal Storage 96">
-                  <a:extLst>
-                    <a:ext uri="{FF2B5EF4-FFF2-40B4-BE49-F238E27FC236}">
-                      <a16:creationId xmlns="" xmlns:a16="http://schemas.microsoft.com/office/drawing/2014/main" id="{8C6DFB87-EA45-400E-9BDD-D82D9A699522}"/>
-                    </a:ext>
-                  </a:extLst>
-                </p:cNvPr>
-                <p:cNvSpPr/>
-                <p:nvPr/>
-              </p:nvSpPr>
-              <p:spPr>
-                <a:xfrm>
-                  <a:off x="8099136" y="3576495"/>
-                  <a:ext cx="840259" cy="835923"/>
-                </a:xfrm>
-                <a:prstGeom prst="flowChartInternalStorage">
-                  <a:avLst/>
-                </a:prstGeom>
-                <a:ln w="19050">
-                  <a:headEnd type="none" w="med" len="med"/>
-                  <a:tailEnd type="none" w="med" len="med"/>
-                </a:ln>
-              </p:spPr>
-              <p:style>
-                <a:lnRef idx="1">
-                  <a:schemeClr val="accent6"/>
-                </a:lnRef>
-                <a:fillRef idx="2">
-                  <a:schemeClr val="accent6"/>
-                </a:fillRef>
-                <a:effectRef idx="1">
-                  <a:schemeClr val="accent6"/>
-                </a:effectRef>
-                <a:fontRef idx="minor">
-                  <a:schemeClr val="dk1"/>
-                </a:fontRef>
-              </p:style>
-              <p:txBody>
-                <a:bodyPr lIns="36000" tIns="36000" rIns="36000" bIns="36000" rtlCol="0" anchor="ctr" anchorCtr="0"/>
-                <a:lstStyle/>
-                <a:p>
-                  <a:pPr algn="ctr"/>
-                  <a:r>
-                    <a:rPr lang="en-IN" sz="1400" b="1" dirty="0" smtClean="0"/>
-                    <a:t>Stay-location Labels</a:t>
-                  </a:r>
-                  <a:endParaRPr lang="en-IN" sz="1400" b="1" dirty="0"/>
-                </a:p>
-              </p:txBody>
-            </p:sp>
-            <p:grpSp>
-              <p:nvGrpSpPr>
-                <p:cNvPr id="100" name="Group 99">
-                  <a:extLst>
-                    <a:ext uri="{FF2B5EF4-FFF2-40B4-BE49-F238E27FC236}">
-                      <a16:creationId xmlns="" xmlns:a16="http://schemas.microsoft.com/office/drawing/2014/main" id="{EA6615FA-425C-4067-91F7-8AA2B06E6D49}"/>
-                    </a:ext>
-                  </a:extLst>
-                </p:cNvPr>
-                <p:cNvGrpSpPr/>
-                <p:nvPr/>
-              </p:nvGrpSpPr>
-              <p:grpSpPr>
-                <a:xfrm>
-                  <a:off x="2140242" y="3417274"/>
-                  <a:ext cx="3365263" cy="1238238"/>
-                  <a:chOff x="2140242" y="3417274"/>
-                  <a:chExt cx="3365263" cy="1238238"/>
-                </a:xfrm>
-              </p:grpSpPr>
-              <p:sp>
-                <p:nvSpPr>
-                  <p:cNvPr id="99" name="Rectangle: Single Corner Rounded 98">
-                    <a:extLst>
-                      <a:ext uri="{FF2B5EF4-FFF2-40B4-BE49-F238E27FC236}">
-                        <a16:creationId xmlns="" xmlns:a16="http://schemas.microsoft.com/office/drawing/2014/main" id="{E015BE6F-55A8-4C43-80A3-87D9480C14E5}"/>
+                        <a16:creationId xmlns:a16="http://schemas.microsoft.com/office/drawing/2014/main" xmlns="" id="{7F63EC51-2B44-4E8F-A572-9FA9A7679E9E}"/>
                       </a:ext>
                     </a:extLst>
                   </p:cNvPr>
@@ -5752,24 +5171,21 @@
                 </p:nvSpPr>
                 <p:spPr>
                   <a:xfrm>
-                    <a:off x="2261469" y="3472777"/>
-                    <a:ext cx="3244036" cy="1024228"/>
+                    <a:off x="6073373" y="1135998"/>
+                    <a:ext cx="987082" cy="1046130"/>
                   </a:xfrm>
-                  <a:prstGeom prst="round1Rect">
+                  <a:prstGeom prst="flowChartDelay">
                     <a:avLst/>
                   </a:prstGeom>
-                  <a:solidFill>
-                    <a:schemeClr val="accent3">
-                      <a:alpha val="50000"/>
-                    </a:schemeClr>
-                  </a:solidFill>
-                  <a:ln w="19050">
+                  <a:noFill/>
+                  <a:ln w="19050" cap="flat" cmpd="sng" algn="ctr">
                     <a:solidFill>
-                      <a:schemeClr val="tx1">
-                        <a:lumMod val="50000"/>
-                        <a:lumOff val="50000"/>
-                      </a:schemeClr>
+                      <a:schemeClr val="accent1"/>
                     </a:solidFill>
+                    <a:prstDash val="solid"/>
+                    <a:round/>
+                    <a:headEnd type="none" w="med" len="med"/>
+                    <a:tailEnd type="none" w="med" len="med"/>
                   </a:ln>
                 </p:spPr>
                 <p:style>
@@ -5783,7 +5199,75 @@
                     <a:scrgbClr r="0" g="0" b="0"/>
                   </a:effectRef>
                   <a:fontRef idx="minor">
+                    <a:schemeClr val="accent1"/>
+                  </a:fontRef>
+                </p:style>
+                <p:txBody>
+                  <a:bodyPr lIns="36000" tIns="36000" rIns="36000" bIns="36000" rtlCol="0" anchor="ctr" anchorCtr="0"/>
+                  <a:lstStyle/>
+                  <a:p>
+                    <a:pPr algn="ctr"/>
+                    <a:endParaRPr lang="en-IN" sz="1400" b="1"/>
+                  </a:p>
+                </p:txBody>
+              </p:sp>
+            </p:grpSp>
+            <p:grpSp>
+              <p:nvGrpSpPr>
+                <p:cNvPr id="153" name="Group 152">
+                  <a:extLst>
+                    <a:ext uri="{FF2B5EF4-FFF2-40B4-BE49-F238E27FC236}">
+                      <a16:creationId xmlns:a16="http://schemas.microsoft.com/office/drawing/2014/main" xmlns="" id="{B99412FE-017A-460D-A9F2-63F7514D9D6D}"/>
+                    </a:ext>
+                  </a:extLst>
+                </p:cNvPr>
+                <p:cNvGrpSpPr/>
+                <p:nvPr/>
+              </p:nvGrpSpPr>
+              <p:grpSpPr>
+                <a:xfrm>
+                  <a:off x="8262314" y="982162"/>
+                  <a:ext cx="1036001" cy="1727904"/>
+                  <a:chOff x="8262314" y="999968"/>
+                  <a:chExt cx="1036001" cy="1727904"/>
+                </a:xfrm>
+              </p:grpSpPr>
+              <p:sp>
+                <p:nvSpPr>
+                  <p:cNvPr id="135" name="Rectangle 134">
+                    <a:extLst>
+                      <a:ext uri="{FF2B5EF4-FFF2-40B4-BE49-F238E27FC236}">
+                        <a16:creationId xmlns:a16="http://schemas.microsoft.com/office/drawing/2014/main" xmlns="" id="{2FC0649F-7A94-4CD1-9C5B-C32E10886223}"/>
+                      </a:ext>
+                    </a:extLst>
+                  </p:cNvPr>
+                  <p:cNvSpPr/>
+                  <p:nvPr/>
+                </p:nvSpPr>
+                <p:spPr>
+                  <a:xfrm>
+                    <a:off x="8262314" y="999968"/>
+                    <a:ext cx="1036001" cy="1727904"/>
+                  </a:xfrm>
+                  <a:prstGeom prst="rect">
+                    <a:avLst/>
+                  </a:prstGeom>
+                  <a:ln w="19050">
+                    <a:prstDash val="sysDash"/>
+                  </a:ln>
+                </p:spPr>
+                <p:style>
+                  <a:lnRef idx="2">
+                    <a:schemeClr val="accent3"/>
+                  </a:lnRef>
+                  <a:fillRef idx="1">
                     <a:schemeClr val="lt1"/>
+                  </a:fillRef>
+                  <a:effectRef idx="0">
+                    <a:schemeClr val="accent3"/>
+                  </a:effectRef>
+                  <a:fontRef idx="minor">
+                    <a:schemeClr val="dk1"/>
                   </a:fontRef>
                 </p:style>
                 <p:txBody>
@@ -5797,10 +5281,10 @@
               </p:sp>
               <p:grpSp>
                 <p:nvGrpSpPr>
-                  <p:cNvPr id="98" name="Group 97">
+                  <p:cNvPr id="152" name="Group 151">
                     <a:extLst>
                       <a:ext uri="{FF2B5EF4-FFF2-40B4-BE49-F238E27FC236}">
-                        <a16:creationId xmlns="" xmlns:a16="http://schemas.microsoft.com/office/drawing/2014/main" id="{968D4F53-9F4C-4AE1-9B48-3F43BF9343DD}"/>
+                        <a16:creationId xmlns:a16="http://schemas.microsoft.com/office/drawing/2014/main" xmlns="" id="{7F553C5F-7102-4362-95E1-46234ACC9AAC}"/>
                       </a:ext>
                     </a:extLst>
                   </p:cNvPr>
@@ -5809,18 +5293,18 @@
                 </p:nvGrpSpPr>
                 <p:grpSpPr>
                   <a:xfrm>
-                    <a:off x="2140242" y="3417274"/>
-                    <a:ext cx="3269840" cy="1238238"/>
-                    <a:chOff x="2140242" y="3417274"/>
-                    <a:chExt cx="3269840" cy="1238238"/>
+                    <a:off x="8333602" y="1043167"/>
+                    <a:ext cx="932360" cy="1359536"/>
+                    <a:chOff x="9804793" y="4546464"/>
+                    <a:chExt cx="1203131" cy="1750091"/>
                   </a:xfrm>
                 </p:grpSpPr>
                 <p:pic>
                   <p:nvPicPr>
-                    <p:cNvPr id="89" name="Picture 88">
+                    <p:cNvPr id="143" name="Picture 142">
                       <a:extLst>
                         <a:ext uri="{FF2B5EF4-FFF2-40B4-BE49-F238E27FC236}">
-                          <a16:creationId xmlns="" xmlns:a16="http://schemas.microsoft.com/office/drawing/2014/main" id="{E11D587B-1904-4CC5-97A6-5761228F8D9B}"/>
+                          <a16:creationId xmlns:a16="http://schemas.microsoft.com/office/drawing/2014/main" xmlns="" id="{580BF35E-8F23-43A7-BA8E-2E3C7D352EDB}"/>
                         </a:ext>
                       </a:extLst>
                     </p:cNvPr>
@@ -5830,10 +5314,10 @@
                     <p:nvPr/>
                   </p:nvPicPr>
                   <p:blipFill>
-                    <a:blip r:embed="rId15">
+                    <a:blip r:embed="rId10" cstate="print">
                       <a:extLst>
                         <a:ext uri="{28A0092B-C50C-407E-A947-70E740481C1C}">
-                          <a14:useLocalDpi xmlns="" xmlns:a14="http://schemas.microsoft.com/office/drawing/2010/main" val="0"/>
+                          <a14:useLocalDpi xmlns:a14="http://schemas.microsoft.com/office/drawing/2010/main" xmlns="" val="0"/>
                         </a:ext>
                       </a:extLst>
                     </a:blip>
@@ -5842,9 +5326,9 @@
                     </a:stretch>
                   </p:blipFill>
                   <p:spPr>
-                    <a:xfrm rot="16200000">
-                      <a:off x="2140242" y="3417274"/>
-                      <a:ext cx="1238238" cy="1238238"/>
+                    <a:xfrm>
+                      <a:off x="9892184" y="5262587"/>
+                      <a:ext cx="339813" cy="339812"/>
                     </a:xfrm>
                     <a:prstGeom prst="rect">
                       <a:avLst/>
@@ -5853,10 +5337,10 @@
                 </p:pic>
                 <p:pic>
                   <p:nvPicPr>
-                    <p:cNvPr id="92" name="Picture 91">
+                    <p:cNvPr id="145" name="Picture 144">
                       <a:extLst>
                         <a:ext uri="{FF2B5EF4-FFF2-40B4-BE49-F238E27FC236}">
-                          <a16:creationId xmlns="" xmlns:a16="http://schemas.microsoft.com/office/drawing/2014/main" id="{7EA7ABC0-72A7-4908-A9B3-051736AE8061}"/>
+                          <a16:creationId xmlns:a16="http://schemas.microsoft.com/office/drawing/2014/main" xmlns="" id="{C5C989CF-E003-47AA-B11D-B001F0B538E7}"/>
                         </a:ext>
                       </a:extLst>
                     </p:cNvPr>
@@ -5866,10 +5350,46 @@
                     <p:nvPr/>
                   </p:nvPicPr>
                   <p:blipFill>
-                    <a:blip r:embed="rId16" cstate="print">
+                    <a:blip r:embed="rId11" cstate="print">
                       <a:extLst>
                         <a:ext uri="{28A0092B-C50C-407E-A947-70E740481C1C}">
-                          <a14:useLocalDpi xmlns="" xmlns:a14="http://schemas.microsoft.com/office/drawing/2010/main" val="0"/>
+                          <a14:useLocalDpi xmlns:a14="http://schemas.microsoft.com/office/drawing/2010/main" xmlns="" val="0"/>
+                        </a:ext>
+                      </a:extLst>
+                    </a:blip>
+                    <a:stretch>
+                      <a:fillRect/>
+                    </a:stretch>
+                  </p:blipFill>
+                  <p:spPr>
+                    <a:xfrm flipH="1">
+                      <a:off x="10344028" y="5186648"/>
+                      <a:ext cx="495779" cy="591698"/>
+                    </a:xfrm>
+                    <a:prstGeom prst="rect">
+                      <a:avLst/>
+                    </a:prstGeom>
+                  </p:spPr>
+                </p:pic>
+                <p:pic>
+                  <p:nvPicPr>
+                    <p:cNvPr id="147" name="Picture 146">
+                      <a:extLst>
+                        <a:ext uri="{FF2B5EF4-FFF2-40B4-BE49-F238E27FC236}">
+                          <a16:creationId xmlns:a16="http://schemas.microsoft.com/office/drawing/2014/main" xmlns="" id="{430DCDF1-0DCC-4C12-9141-F179A163E693}"/>
+                        </a:ext>
+                      </a:extLst>
+                    </p:cNvPr>
+                    <p:cNvPicPr>
+                      <a:picLocks noChangeAspect="1"/>
+                    </p:cNvPicPr>
+                    <p:nvPr/>
+                  </p:nvPicPr>
+                  <p:blipFill>
+                    <a:blip r:embed="rId12" cstate="print">
+                      <a:extLst>
+                        <a:ext uri="{28A0092B-C50C-407E-A947-70E740481C1C}">
+                          <a14:useLocalDpi xmlns:a14="http://schemas.microsoft.com/office/drawing/2010/main" xmlns="" val="0"/>
                         </a:ext>
                       </a:extLst>
                     </a:blip>
@@ -5879,85 +5399,95 @@
                   </p:blipFill>
                   <p:spPr>
                     <a:xfrm>
-                      <a:off x="3422643" y="3502412"/>
-                      <a:ext cx="984091" cy="984091"/>
+                      <a:off x="9909342" y="5733120"/>
+                      <a:ext cx="563435" cy="563435"/>
                     </a:xfrm>
                     <a:prstGeom prst="rect">
                       <a:avLst/>
                     </a:prstGeom>
                   </p:spPr>
                 </p:pic>
-                <p:sp>
-                  <p:nvSpPr>
-                    <p:cNvPr id="94" name="Flowchart: Internal Storage 93">
+                <p:pic>
+                  <p:nvPicPr>
+                    <p:cNvPr id="149" name="Picture 148">
                       <a:extLst>
                         <a:ext uri="{FF2B5EF4-FFF2-40B4-BE49-F238E27FC236}">
-                          <a16:creationId xmlns="" xmlns:a16="http://schemas.microsoft.com/office/drawing/2014/main" id="{115A1F77-5D2B-4424-AD23-57556CA99142}"/>
+                          <a16:creationId xmlns:a16="http://schemas.microsoft.com/office/drawing/2014/main" xmlns="" id="{87ED915D-99EB-4CF6-8D15-E41A5597ACF8}"/>
                         </a:ext>
                       </a:extLst>
                     </p:cNvPr>
-                    <p:cNvSpPr/>
+                    <p:cNvPicPr>
+                      <a:picLocks noChangeAspect="1"/>
+                    </p:cNvPicPr>
                     <p:nvPr/>
-                  </p:nvSpPr>
+                  </p:nvPicPr>
+                  <p:blipFill>
+                    <a:blip r:embed="rId13" cstate="print">
+                      <a:extLst>
+                        <a:ext uri="{28A0092B-C50C-407E-A947-70E740481C1C}">
+                          <a14:useLocalDpi xmlns:a14="http://schemas.microsoft.com/office/drawing/2010/main" xmlns="" val="0"/>
+                        </a:ext>
+                      </a:extLst>
+                    </a:blip>
+                    <a:stretch>
+                      <a:fillRect/>
+                    </a:stretch>
+                  </p:blipFill>
+                  <p:spPr>
+                    <a:xfrm flipH="1">
+                      <a:off x="9804793" y="4550834"/>
+                      <a:ext cx="667987" cy="615218"/>
+                    </a:xfrm>
+                    <a:prstGeom prst="rect">
+                      <a:avLst/>
+                    </a:prstGeom>
+                  </p:spPr>
+                </p:pic>
+                <p:pic>
+                  <p:nvPicPr>
+                    <p:cNvPr id="151" name="Picture 150">
+                      <a:extLst>
+                        <a:ext uri="{FF2B5EF4-FFF2-40B4-BE49-F238E27FC236}">
+                          <a16:creationId xmlns:a16="http://schemas.microsoft.com/office/drawing/2014/main" xmlns="" id="{C7C52066-D95D-4B32-BEB7-EBEFBC8A4EFC}"/>
+                        </a:ext>
+                      </a:extLst>
+                    </p:cNvPr>
+                    <p:cNvPicPr>
+                      <a:picLocks noChangeAspect="1"/>
+                    </p:cNvPicPr>
+                    <p:nvPr/>
+                  </p:nvPicPr>
+                  <p:blipFill>
+                    <a:blip r:embed="rId14" cstate="print">
+                      <a:extLst>
+                        <a:ext uri="{28A0092B-C50C-407E-A947-70E740481C1C}">
+                          <a14:useLocalDpi xmlns:a14="http://schemas.microsoft.com/office/drawing/2010/main" xmlns="" val="0"/>
+                        </a:ext>
+                      </a:extLst>
+                    </a:blip>
+                    <a:stretch>
+                      <a:fillRect/>
+                    </a:stretch>
+                  </p:blipFill>
                   <p:spPr>
                     <a:xfrm>
-                      <a:off x="4569823" y="3571706"/>
-                      <a:ext cx="840259" cy="835923"/>
+                      <a:off x="10372274" y="4546464"/>
+                      <a:ext cx="635650" cy="635650"/>
                     </a:xfrm>
-                    <a:prstGeom prst="flowChartInternalStorage">
+                    <a:prstGeom prst="rect">
                       <a:avLst/>
                     </a:prstGeom>
-                    <a:noFill/>
-                    <a:ln w="19050" cap="flat" cmpd="sng" algn="ctr">
-                      <a:solidFill>
-                        <a:schemeClr val="dk1"/>
-                      </a:solidFill>
-                      <a:prstDash val="solid"/>
-                      <a:round/>
-                      <a:headEnd type="none" w="med" len="med"/>
-                      <a:tailEnd type="none" w="med" len="med"/>
-                    </a:ln>
                   </p:spPr>
-                  <p:style>
-                    <a:lnRef idx="0">
-                      <a:scrgbClr r="0" g="0" b="0"/>
-                    </a:lnRef>
-                    <a:fillRef idx="0">
-                      <a:scrgbClr r="0" g="0" b="0"/>
-                    </a:fillRef>
-                    <a:effectRef idx="0">
-                      <a:scrgbClr r="0" g="0" b="0"/>
-                    </a:effectRef>
-                    <a:fontRef idx="minor">
-                      <a:schemeClr val="dk1"/>
-                    </a:fontRef>
-                  </p:style>
-                  <p:txBody>
-                    <a:bodyPr lIns="36000" tIns="36000" rIns="36000" bIns="36000" rtlCol="0" anchor="ctr" anchorCtr="0"/>
-                    <a:lstStyle/>
-                    <a:p>
-                      <a:pPr algn="ctr"/>
-                      <a:r>
-                        <a:rPr lang="en-IN" sz="1400" b="1" dirty="0"/>
-                        <a:t>Sensor </a:t>
-                      </a:r>
-                      <a:r>
-                        <a:rPr lang="en-IN" sz="1400" b="1" dirty="0" smtClean="0"/>
-                        <a:t>Features</a:t>
-                      </a:r>
-                      <a:endParaRPr lang="en-IN" sz="1400" b="1" dirty="0"/>
-                    </a:p>
-                  </p:txBody>
-                </p:sp>
+                </p:pic>
               </p:grpSp>
             </p:grpSp>
           </p:grpSp>
           <p:sp>
             <p:nvSpPr>
-              <p:cNvPr id="157" name="Rectangle 156">
+              <p:cNvPr id="154" name="Rectangle 153">
                 <a:extLst>
                   <a:ext uri="{FF2B5EF4-FFF2-40B4-BE49-F238E27FC236}">
-                    <a16:creationId xmlns="" xmlns:a16="http://schemas.microsoft.com/office/drawing/2014/main" id="{221235A3-5780-4A29-8D82-111801F216F4}"/>
+                    <a16:creationId xmlns:a16="http://schemas.microsoft.com/office/drawing/2014/main" xmlns="" id="{ECA394FD-189E-4822-B8EA-302A5BA2F53D}"/>
                   </a:ext>
                 </a:extLst>
               </p:cNvPr>
@@ -5966,23 +5496,21 @@
             </p:nvSpPr>
             <p:spPr>
               <a:xfrm>
-                <a:off x="2261469" y="4225159"/>
-                <a:ext cx="3244036" cy="227301"/>
+                <a:off x="8236792" y="2416601"/>
+                <a:ext cx="1035923" cy="300996"/>
               </a:xfrm>
               <a:prstGeom prst="rect">
                 <a:avLst/>
               </a:prstGeom>
               <a:solidFill>
-                <a:schemeClr val="bg1">
-                  <a:lumMod val="65000"/>
+                <a:schemeClr val="accent4">
+                  <a:lumMod val="40000"/>
+                  <a:lumOff val="60000"/>
                 </a:schemeClr>
               </a:solidFill>
               <a:ln w="19050">
                 <a:solidFill>
-                  <a:schemeClr val="tx1">
-                    <a:lumMod val="50000"/>
-                    <a:lumOff val="50000"/>
-                  </a:schemeClr>
+                  <a:schemeClr val="accent4"/>
                 </a:solidFill>
               </a:ln>
             </p:spPr>
@@ -6006,12 +5534,1552 @@
               <a:p>
                 <a:pPr algn="ctr"/>
                 <a:r>
-                  <a:rPr lang="en-IN" sz="1400" b="1" dirty="0">
+                  <a:rPr lang="en-IN" sz="1400" b="1" dirty="0" smtClean="0"/>
+                  <a:t>Stay-location</a:t>
+                </a:r>
+                <a:endParaRPr lang="en-IN" sz="1400" b="1" dirty="0"/>
+              </a:p>
+            </p:txBody>
+          </p:sp>
+          <p:grpSp>
+            <p:nvGrpSpPr>
+              <p:cNvPr id="158" name="Group 157">
+                <a:extLst>
+                  <a:ext uri="{FF2B5EF4-FFF2-40B4-BE49-F238E27FC236}">
+                    <a16:creationId xmlns:a16="http://schemas.microsoft.com/office/drawing/2014/main" xmlns="" id="{00ECB78A-96D6-43D3-943B-458B3CA1CAD2}"/>
+                  </a:ext>
+                </a:extLst>
+              </p:cNvPr>
+              <p:cNvGrpSpPr/>
+              <p:nvPr/>
+            </p:nvGrpSpPr>
+            <p:grpSpPr>
+              <a:xfrm>
+                <a:off x="2140242" y="3083643"/>
+                <a:ext cx="6799153" cy="1307032"/>
+                <a:chOff x="2140242" y="3145428"/>
+                <a:chExt cx="6799153" cy="1307032"/>
+              </a:xfrm>
+            </p:grpSpPr>
+            <p:grpSp>
+              <p:nvGrpSpPr>
+                <p:cNvPr id="101" name="Group 100">
+                  <a:extLst>
+                    <a:ext uri="{FF2B5EF4-FFF2-40B4-BE49-F238E27FC236}">
+                      <a16:creationId xmlns:a16="http://schemas.microsoft.com/office/drawing/2014/main" xmlns="" id="{1A115BDB-EDA2-4664-9BC4-F0DCE217342D}"/>
+                    </a:ext>
+                  </a:extLst>
+                </p:cNvPr>
+                <p:cNvGrpSpPr/>
+                <p:nvPr/>
+              </p:nvGrpSpPr>
+              <p:grpSpPr>
+                <a:xfrm>
+                  <a:off x="2140242" y="3145428"/>
+                  <a:ext cx="6799153" cy="1238238"/>
+                  <a:chOff x="2140242" y="3417274"/>
+                  <a:chExt cx="6799153" cy="1238238"/>
+                </a:xfrm>
+              </p:grpSpPr>
+              <p:sp>
+                <p:nvSpPr>
+                  <p:cNvPr id="95" name="Flowchart: Internal Storage 94">
+                    <a:extLst>
+                      <a:ext uri="{FF2B5EF4-FFF2-40B4-BE49-F238E27FC236}">
+                        <a16:creationId xmlns:a16="http://schemas.microsoft.com/office/drawing/2014/main" xmlns="" id="{0CB9E4E0-00CB-43C7-ACB0-4BA34E9362D6}"/>
+                      </a:ext>
+                    </a:extLst>
+                  </p:cNvPr>
+                  <p:cNvSpPr/>
+                  <p:nvPr/>
+                </p:nvSpPr>
+                <p:spPr>
+                  <a:xfrm>
+                    <a:off x="6908335" y="3565527"/>
+                    <a:ext cx="840259" cy="835923"/>
+                  </a:xfrm>
+                  <a:prstGeom prst="flowChartInternalStorage">
+                    <a:avLst/>
+                  </a:prstGeom>
+                  <a:noFill/>
+                  <a:ln w="19050" cap="flat" cmpd="sng" algn="ctr">
                     <a:solidFill>
-                      <a:schemeClr val="tx1"/>
+                      <a:schemeClr val="dk1"/>
                     </a:solidFill>
-                  </a:rPr>
-                  <a:t>Filtering &amp; Clustering</a:t>
+                    <a:prstDash val="solid"/>
+                    <a:round/>
+                    <a:headEnd type="none" w="med" len="med"/>
+                    <a:tailEnd type="none" w="med" len="med"/>
+                  </a:ln>
+                </p:spPr>
+                <p:style>
+                  <a:lnRef idx="0">
+                    <a:scrgbClr r="0" g="0" b="0"/>
+                  </a:lnRef>
+                  <a:fillRef idx="0">
+                    <a:scrgbClr r="0" g="0" b="0"/>
+                  </a:fillRef>
+                  <a:effectRef idx="0">
+                    <a:scrgbClr r="0" g="0" b="0"/>
+                  </a:effectRef>
+                  <a:fontRef idx="minor">
+                    <a:schemeClr val="dk1"/>
+                  </a:fontRef>
+                </p:style>
+                <p:txBody>
+                  <a:bodyPr lIns="36000" tIns="36000" rIns="36000" bIns="36000" rtlCol="0" anchor="ctr" anchorCtr="0"/>
+                  <a:lstStyle/>
+                  <a:p>
+                    <a:pPr algn="ctr"/>
+                    <a:r>
+                      <a:rPr lang="en-IN" sz="1400" b="1" dirty="0"/>
+                      <a:t>Spatial </a:t>
+                    </a:r>
+                    <a:r>
+                      <a:rPr lang="en-IN" sz="1400" b="1" dirty="0" smtClean="0"/>
+                      <a:t>Features</a:t>
+                    </a:r>
+                    <a:endParaRPr lang="en-IN" sz="1400" b="1" dirty="0"/>
+                  </a:p>
+                </p:txBody>
+              </p:sp>
+              <p:sp>
+                <p:nvSpPr>
+                  <p:cNvPr id="96" name="Flowchart: Internal Storage 95">
+                    <a:extLst>
+                      <a:ext uri="{FF2B5EF4-FFF2-40B4-BE49-F238E27FC236}">
+                        <a16:creationId xmlns:a16="http://schemas.microsoft.com/office/drawing/2014/main" xmlns="" id="{28D3F001-0A84-40AD-9104-DEA587868CC2}"/>
+                      </a:ext>
+                    </a:extLst>
+                  </p:cNvPr>
+                  <p:cNvSpPr/>
+                  <p:nvPr/>
+                </p:nvSpPr>
+                <p:spPr>
+                  <a:xfrm>
+                    <a:off x="5743610" y="3565527"/>
+                    <a:ext cx="840259" cy="835923"/>
+                  </a:xfrm>
+                  <a:prstGeom prst="flowChartInternalStorage">
+                    <a:avLst/>
+                  </a:prstGeom>
+                  <a:solidFill>
+                    <a:schemeClr val="accent1">
+                      <a:lumMod val="20000"/>
+                      <a:lumOff val="80000"/>
+                    </a:schemeClr>
+                  </a:solidFill>
+                  <a:ln w="19050">
+                    <a:headEnd type="none" w="med" len="med"/>
+                    <a:tailEnd type="none" w="med" len="med"/>
+                  </a:ln>
+                </p:spPr>
+                <p:style>
+                  <a:lnRef idx="1">
+                    <a:schemeClr val="accent5"/>
+                  </a:lnRef>
+                  <a:fillRef idx="2">
+                    <a:schemeClr val="accent5"/>
+                  </a:fillRef>
+                  <a:effectRef idx="1">
+                    <a:schemeClr val="accent5"/>
+                  </a:effectRef>
+                  <a:fontRef idx="minor">
+                    <a:schemeClr val="dk1"/>
+                  </a:fontRef>
+                </p:style>
+                <p:txBody>
+                  <a:bodyPr lIns="36000" tIns="36000" rIns="36000" bIns="36000" rtlCol="0" anchor="ctr" anchorCtr="0"/>
+                  <a:lstStyle/>
+                  <a:p>
+                    <a:pPr algn="ctr"/>
+                    <a:r>
+                      <a:rPr lang="en-IN" sz="1400" b="1" dirty="0"/>
+                      <a:t>Raw</a:t>
+                    </a:r>
+                  </a:p>
+                  <a:p>
+                    <a:pPr algn="ctr"/>
+                    <a:r>
+                      <a:rPr lang="en-IN" sz="1400" b="1" dirty="0"/>
+                      <a:t>Features</a:t>
+                    </a:r>
+                  </a:p>
+                </p:txBody>
+              </p:sp>
+              <p:sp>
+                <p:nvSpPr>
+                  <p:cNvPr id="97" name="Flowchart: Internal Storage 96">
+                    <a:extLst>
+                      <a:ext uri="{FF2B5EF4-FFF2-40B4-BE49-F238E27FC236}">
+                        <a16:creationId xmlns:a16="http://schemas.microsoft.com/office/drawing/2014/main" xmlns="" id="{8C6DFB87-EA45-400E-9BDD-D82D9A699522}"/>
+                      </a:ext>
+                    </a:extLst>
+                  </p:cNvPr>
+                  <p:cNvSpPr/>
+                  <p:nvPr/>
+                </p:nvSpPr>
+                <p:spPr>
+                  <a:xfrm>
+                    <a:off x="8099136" y="3576495"/>
+                    <a:ext cx="840259" cy="835923"/>
+                  </a:xfrm>
+                  <a:prstGeom prst="flowChartInternalStorage">
+                    <a:avLst/>
+                  </a:prstGeom>
+                  <a:solidFill>
+                    <a:schemeClr val="accent6">
+                      <a:lumMod val="40000"/>
+                      <a:lumOff val="60000"/>
+                    </a:schemeClr>
+                  </a:solidFill>
+                  <a:ln w="19050">
+                    <a:headEnd type="none" w="med" len="med"/>
+                    <a:tailEnd type="none" w="med" len="med"/>
+                  </a:ln>
+                </p:spPr>
+                <p:style>
+                  <a:lnRef idx="1">
+                    <a:schemeClr val="accent6"/>
+                  </a:lnRef>
+                  <a:fillRef idx="2">
+                    <a:schemeClr val="accent6"/>
+                  </a:fillRef>
+                  <a:effectRef idx="1">
+                    <a:schemeClr val="accent6"/>
+                  </a:effectRef>
+                  <a:fontRef idx="minor">
+                    <a:schemeClr val="dk1"/>
+                  </a:fontRef>
+                </p:style>
+                <p:txBody>
+                  <a:bodyPr lIns="36000" tIns="36000" rIns="36000" bIns="36000" rtlCol="0" anchor="ctr" anchorCtr="0"/>
+                  <a:lstStyle/>
+                  <a:p>
+                    <a:pPr algn="ctr"/>
+                    <a:r>
+                      <a:rPr lang="en-IN" sz="1400" b="1" dirty="0" smtClean="0"/>
+                      <a:t>Stay-location Labels</a:t>
+                    </a:r>
+                    <a:endParaRPr lang="en-IN" sz="1400" b="1" dirty="0"/>
+                  </a:p>
+                </p:txBody>
+              </p:sp>
+              <p:grpSp>
+                <p:nvGrpSpPr>
+                  <p:cNvPr id="100" name="Group 99">
+                    <a:extLst>
+                      <a:ext uri="{FF2B5EF4-FFF2-40B4-BE49-F238E27FC236}">
+                        <a16:creationId xmlns:a16="http://schemas.microsoft.com/office/drawing/2014/main" xmlns="" id="{EA6615FA-425C-4067-91F7-8AA2B06E6D49}"/>
+                      </a:ext>
+                    </a:extLst>
+                  </p:cNvPr>
+                  <p:cNvGrpSpPr/>
+                  <p:nvPr/>
+                </p:nvGrpSpPr>
+                <p:grpSpPr>
+                  <a:xfrm>
+                    <a:off x="2140242" y="3417274"/>
+                    <a:ext cx="3365263" cy="1238238"/>
+                    <a:chOff x="2140242" y="3417274"/>
+                    <a:chExt cx="3365263" cy="1238238"/>
+                  </a:xfrm>
+                </p:grpSpPr>
+                <p:sp>
+                  <p:nvSpPr>
+                    <p:cNvPr id="99" name="Rectangle: Single Corner Rounded 98">
+                      <a:extLst>
+                        <a:ext uri="{FF2B5EF4-FFF2-40B4-BE49-F238E27FC236}">
+                          <a16:creationId xmlns:a16="http://schemas.microsoft.com/office/drawing/2014/main" xmlns="" id="{E015BE6F-55A8-4C43-80A3-87D9480C14E5}"/>
+                        </a:ext>
+                      </a:extLst>
+                    </p:cNvPr>
+                    <p:cNvSpPr/>
+                    <p:nvPr/>
+                  </p:nvSpPr>
+                  <p:spPr>
+                    <a:xfrm>
+                      <a:off x="2261469" y="3472777"/>
+                      <a:ext cx="3244036" cy="1024228"/>
+                    </a:xfrm>
+                    <a:prstGeom prst="round1Rect">
+                      <a:avLst/>
+                    </a:prstGeom>
+                    <a:solidFill>
+                      <a:schemeClr val="bg1">
+                        <a:lumMod val="85000"/>
+                        <a:alpha val="50000"/>
+                      </a:schemeClr>
+                    </a:solidFill>
+                    <a:ln w="19050">
+                      <a:solidFill>
+                        <a:schemeClr val="tx1">
+                          <a:lumMod val="50000"/>
+                          <a:lumOff val="50000"/>
+                        </a:schemeClr>
+                      </a:solidFill>
+                    </a:ln>
+                  </p:spPr>
+                  <p:style>
+                    <a:lnRef idx="0">
+                      <a:scrgbClr r="0" g="0" b="0"/>
+                    </a:lnRef>
+                    <a:fillRef idx="0">
+                      <a:scrgbClr r="0" g="0" b="0"/>
+                    </a:fillRef>
+                    <a:effectRef idx="0">
+                      <a:scrgbClr r="0" g="0" b="0"/>
+                    </a:effectRef>
+                    <a:fontRef idx="minor">
+                      <a:schemeClr val="lt1"/>
+                    </a:fontRef>
+                  </p:style>
+                  <p:txBody>
+                    <a:bodyPr lIns="36000" tIns="36000" rIns="36000" bIns="36000" rtlCol="0" anchor="ctr" anchorCtr="0"/>
+                    <a:lstStyle/>
+                    <a:p>
+                      <a:pPr algn="ctr"/>
+                      <a:endParaRPr lang="en-IN" sz="1400" b="1"/>
+                    </a:p>
+                  </p:txBody>
+                </p:sp>
+                <p:grpSp>
+                  <p:nvGrpSpPr>
+                    <p:cNvPr id="98" name="Group 97">
+                      <a:extLst>
+                        <a:ext uri="{FF2B5EF4-FFF2-40B4-BE49-F238E27FC236}">
+                          <a16:creationId xmlns:a16="http://schemas.microsoft.com/office/drawing/2014/main" xmlns="" id="{968D4F53-9F4C-4AE1-9B48-3F43BF9343DD}"/>
+                        </a:ext>
+                      </a:extLst>
+                    </p:cNvPr>
+                    <p:cNvGrpSpPr/>
+                    <p:nvPr/>
+                  </p:nvGrpSpPr>
+                  <p:grpSpPr>
+                    <a:xfrm>
+                      <a:off x="2140242" y="3417274"/>
+                      <a:ext cx="3269840" cy="1238238"/>
+                      <a:chOff x="2140242" y="3417274"/>
+                      <a:chExt cx="3269840" cy="1238238"/>
+                    </a:xfrm>
+                  </p:grpSpPr>
+                  <p:pic>
+                    <p:nvPicPr>
+                      <p:cNvPr id="89" name="Picture 88">
+                        <a:extLst>
+                          <a:ext uri="{FF2B5EF4-FFF2-40B4-BE49-F238E27FC236}">
+                            <a16:creationId xmlns:a16="http://schemas.microsoft.com/office/drawing/2014/main" xmlns="" id="{E11D587B-1904-4CC5-97A6-5761228F8D9B}"/>
+                          </a:ext>
+                        </a:extLst>
+                      </p:cNvPr>
+                      <p:cNvPicPr>
+                        <a:picLocks noChangeAspect="1"/>
+                      </p:cNvPicPr>
+                      <p:nvPr/>
+                    </p:nvPicPr>
+                    <p:blipFill>
+                      <a:blip r:embed="rId15">
+                        <a:extLst>
+                          <a:ext uri="{28A0092B-C50C-407E-A947-70E740481C1C}">
+                            <a14:useLocalDpi xmlns:a14="http://schemas.microsoft.com/office/drawing/2010/main" xmlns="" val="0"/>
+                          </a:ext>
+                        </a:extLst>
+                      </a:blip>
+                      <a:stretch>
+                        <a:fillRect/>
+                      </a:stretch>
+                    </p:blipFill>
+                    <p:spPr>
+                      <a:xfrm rot="16200000">
+                        <a:off x="2140242" y="3417274"/>
+                        <a:ext cx="1238238" cy="1238238"/>
+                      </a:xfrm>
+                      <a:prstGeom prst="rect">
+                        <a:avLst/>
+                      </a:prstGeom>
+                    </p:spPr>
+                  </p:pic>
+                  <p:pic>
+                    <p:nvPicPr>
+                      <p:cNvPr id="92" name="Picture 91">
+                        <a:extLst>
+                          <a:ext uri="{FF2B5EF4-FFF2-40B4-BE49-F238E27FC236}">
+                            <a16:creationId xmlns:a16="http://schemas.microsoft.com/office/drawing/2014/main" xmlns="" id="{7EA7ABC0-72A7-4908-A9B3-051736AE8061}"/>
+                          </a:ext>
+                        </a:extLst>
+                      </p:cNvPr>
+                      <p:cNvPicPr>
+                        <a:picLocks noChangeAspect="1"/>
+                      </p:cNvPicPr>
+                      <p:nvPr/>
+                    </p:nvPicPr>
+                    <p:blipFill>
+                      <a:blip r:embed="rId16" cstate="print">
+                        <a:extLst>
+                          <a:ext uri="{28A0092B-C50C-407E-A947-70E740481C1C}">
+                            <a14:useLocalDpi xmlns:a14="http://schemas.microsoft.com/office/drawing/2010/main" xmlns="" val="0"/>
+                          </a:ext>
+                        </a:extLst>
+                      </a:blip>
+                      <a:stretch>
+                        <a:fillRect/>
+                      </a:stretch>
+                    </p:blipFill>
+                    <p:spPr>
+                      <a:xfrm>
+                        <a:off x="3422643" y="3502412"/>
+                        <a:ext cx="984091" cy="984091"/>
+                      </a:xfrm>
+                      <a:prstGeom prst="rect">
+                        <a:avLst/>
+                      </a:prstGeom>
+                    </p:spPr>
+                  </p:pic>
+                  <p:sp>
+                    <p:nvSpPr>
+                      <p:cNvPr id="94" name="Flowchart: Internal Storage 93">
+                        <a:extLst>
+                          <a:ext uri="{FF2B5EF4-FFF2-40B4-BE49-F238E27FC236}">
+                            <a16:creationId xmlns:a16="http://schemas.microsoft.com/office/drawing/2014/main" xmlns="" id="{115A1F77-5D2B-4424-AD23-57556CA99142}"/>
+                          </a:ext>
+                        </a:extLst>
+                      </p:cNvPr>
+                      <p:cNvSpPr/>
+                      <p:nvPr/>
+                    </p:nvSpPr>
+                    <p:spPr>
+                      <a:xfrm>
+                        <a:off x="4569823" y="3571706"/>
+                        <a:ext cx="840259" cy="835923"/>
+                      </a:xfrm>
+                      <a:prstGeom prst="flowChartInternalStorage">
+                        <a:avLst/>
+                      </a:prstGeom>
+                      <a:noFill/>
+                      <a:ln w="19050" cap="flat" cmpd="sng" algn="ctr">
+                        <a:solidFill>
+                          <a:schemeClr val="dk1"/>
+                        </a:solidFill>
+                        <a:prstDash val="solid"/>
+                        <a:round/>
+                        <a:headEnd type="none" w="med" len="med"/>
+                        <a:tailEnd type="none" w="med" len="med"/>
+                      </a:ln>
+                    </p:spPr>
+                    <p:style>
+                      <a:lnRef idx="0">
+                        <a:scrgbClr r="0" g="0" b="0"/>
+                      </a:lnRef>
+                      <a:fillRef idx="0">
+                        <a:scrgbClr r="0" g="0" b="0"/>
+                      </a:fillRef>
+                      <a:effectRef idx="0">
+                        <a:scrgbClr r="0" g="0" b="0"/>
+                      </a:effectRef>
+                      <a:fontRef idx="minor">
+                        <a:schemeClr val="dk1"/>
+                      </a:fontRef>
+                    </p:style>
+                    <p:txBody>
+                      <a:bodyPr lIns="36000" tIns="36000" rIns="36000" bIns="36000" rtlCol="0" anchor="ctr" anchorCtr="0"/>
+                      <a:lstStyle/>
+                      <a:p>
+                        <a:pPr algn="ctr"/>
+                        <a:r>
+                          <a:rPr lang="en-IN" sz="1400" b="1" dirty="0"/>
+                          <a:t>Sensor </a:t>
+                        </a:r>
+                        <a:r>
+                          <a:rPr lang="en-IN" sz="1400" b="1" dirty="0" smtClean="0"/>
+                          <a:t>Features</a:t>
+                        </a:r>
+                        <a:endParaRPr lang="en-IN" sz="1400" b="1" dirty="0"/>
+                      </a:p>
+                    </p:txBody>
+                  </p:sp>
+                </p:grpSp>
+              </p:grpSp>
+            </p:grpSp>
+            <p:sp>
+              <p:nvSpPr>
+                <p:cNvPr id="157" name="Rectangle 156">
+                  <a:extLst>
+                    <a:ext uri="{FF2B5EF4-FFF2-40B4-BE49-F238E27FC236}">
+                      <a16:creationId xmlns:a16="http://schemas.microsoft.com/office/drawing/2014/main" xmlns="" id="{221235A3-5780-4A29-8D82-111801F216F4}"/>
+                    </a:ext>
+                  </a:extLst>
+                </p:cNvPr>
+                <p:cNvSpPr/>
+                <p:nvPr/>
+              </p:nvSpPr>
+              <p:spPr>
+                <a:xfrm>
+                  <a:off x="2261469" y="4225159"/>
+                  <a:ext cx="3244036" cy="227301"/>
+                </a:xfrm>
+                <a:prstGeom prst="rect">
+                  <a:avLst/>
+                </a:prstGeom>
+                <a:solidFill>
+                  <a:schemeClr val="bg1">
+                    <a:lumMod val="75000"/>
+                  </a:schemeClr>
+                </a:solidFill>
+                <a:ln w="19050">
+                  <a:solidFill>
+                    <a:schemeClr val="tx1">
+                      <a:lumMod val="50000"/>
+                      <a:lumOff val="50000"/>
+                    </a:schemeClr>
+                  </a:solidFill>
+                </a:ln>
+              </p:spPr>
+              <p:style>
+                <a:lnRef idx="1">
+                  <a:schemeClr val="accent3"/>
+                </a:lnRef>
+                <a:fillRef idx="2">
+                  <a:schemeClr val="accent3"/>
+                </a:fillRef>
+                <a:effectRef idx="1">
+                  <a:schemeClr val="accent3"/>
+                </a:effectRef>
+                <a:fontRef idx="minor">
+                  <a:schemeClr val="dk1"/>
+                </a:fontRef>
+              </p:style>
+              <p:txBody>
+                <a:bodyPr lIns="36000" tIns="36000" rIns="36000" bIns="36000" rtlCol="0" anchor="ctr" anchorCtr="0"/>
+                <a:lstStyle/>
+                <a:p>
+                  <a:pPr algn="ctr"/>
+                  <a:r>
+                    <a:rPr lang="en-IN" sz="1400" b="1" dirty="0">
+                      <a:solidFill>
+                        <a:schemeClr val="tx1"/>
+                      </a:solidFill>
+                    </a:rPr>
+                    <a:t>Filtering &amp; Clustering</a:t>
+                  </a:r>
+                </a:p>
+              </p:txBody>
+            </p:sp>
+          </p:grpSp>
+          <p:cxnSp>
+            <p:nvCxnSpPr>
+              <p:cNvPr id="160" name="Straight Arrow Connector 159">
+                <a:extLst>
+                  <a:ext uri="{FF2B5EF4-FFF2-40B4-BE49-F238E27FC236}">
+                    <a16:creationId xmlns:a16="http://schemas.microsoft.com/office/drawing/2014/main" xmlns="" id="{87ED9642-E907-4914-8A67-C5C7CFA6AE8D}"/>
+                  </a:ext>
+                </a:extLst>
+              </p:cNvPr>
+              <p:cNvCxnSpPr>
+                <a:cxnSpLocks/>
+                <a:endCxn id="22" idx="3"/>
+              </p:cNvCxnSpPr>
+              <p:nvPr/>
+            </p:nvCxnSpPr>
+            <p:spPr>
+              <a:xfrm flipV="1">
+                <a:off x="2914533" y="5403632"/>
+                <a:ext cx="3891" cy="340052"/>
+              </a:xfrm>
+              <a:prstGeom prst="straightConnector1">
+                <a:avLst/>
+              </a:prstGeom>
+              <a:ln w="38100">
+                <a:solidFill>
+                  <a:schemeClr val="tx1">
+                    <a:lumMod val="50000"/>
+                    <a:lumOff val="50000"/>
+                  </a:schemeClr>
+                </a:solidFill>
+                <a:prstDash val="solid"/>
+                <a:tailEnd type="triangle"/>
+              </a:ln>
+            </p:spPr>
+            <p:style>
+              <a:lnRef idx="1">
+                <a:schemeClr val="accent1"/>
+              </a:lnRef>
+              <a:fillRef idx="0">
+                <a:schemeClr val="accent1"/>
+              </a:fillRef>
+              <a:effectRef idx="0">
+                <a:schemeClr val="accent1"/>
+              </a:effectRef>
+              <a:fontRef idx="minor">
+                <a:schemeClr val="tx1"/>
+              </a:fontRef>
+            </p:style>
+          </p:cxnSp>
+          <p:cxnSp>
+            <p:nvCxnSpPr>
+              <p:cNvPr id="163" name="Straight Arrow Connector 162">
+                <a:extLst>
+                  <a:ext uri="{FF2B5EF4-FFF2-40B4-BE49-F238E27FC236}">
+                    <a16:creationId xmlns:a16="http://schemas.microsoft.com/office/drawing/2014/main" xmlns="" id="{1E1A88FD-0D9E-4D91-AB9A-539D93839C28}"/>
+                  </a:ext>
+                </a:extLst>
+              </p:cNvPr>
+              <p:cNvCxnSpPr>
+                <a:cxnSpLocks/>
+                <a:endCxn id="24" idx="3"/>
+              </p:cNvCxnSpPr>
+              <p:nvPr/>
+            </p:nvCxnSpPr>
+            <p:spPr>
+              <a:xfrm flipV="1">
+                <a:off x="4253708" y="5403632"/>
+                <a:ext cx="0" cy="296531"/>
+              </a:xfrm>
+              <a:prstGeom prst="straightConnector1">
+                <a:avLst/>
+              </a:prstGeom>
+              <a:ln w="38100">
+                <a:solidFill>
+                  <a:schemeClr val="tx1">
+                    <a:lumMod val="50000"/>
+                    <a:lumOff val="50000"/>
+                  </a:schemeClr>
+                </a:solidFill>
+                <a:prstDash val="solid"/>
+                <a:tailEnd type="triangle"/>
+              </a:ln>
+            </p:spPr>
+            <p:style>
+              <a:lnRef idx="1">
+                <a:schemeClr val="accent1"/>
+              </a:lnRef>
+              <a:fillRef idx="0">
+                <a:schemeClr val="accent1"/>
+              </a:fillRef>
+              <a:effectRef idx="0">
+                <a:schemeClr val="accent1"/>
+              </a:effectRef>
+              <a:fontRef idx="minor">
+                <a:schemeClr val="tx1"/>
+              </a:fontRef>
+            </p:style>
+          </p:cxnSp>
+          <p:cxnSp>
+            <p:nvCxnSpPr>
+              <p:cNvPr id="166" name="Straight Arrow Connector 165">
+                <a:extLst>
+                  <a:ext uri="{FF2B5EF4-FFF2-40B4-BE49-F238E27FC236}">
+                    <a16:creationId xmlns:a16="http://schemas.microsoft.com/office/drawing/2014/main" xmlns="" id="{343CDA24-E534-4430-9917-5F0044F3421C}"/>
+                  </a:ext>
+                </a:extLst>
+              </p:cNvPr>
+              <p:cNvCxnSpPr>
+                <a:cxnSpLocks/>
+                <a:stCxn id="13" idx="3"/>
+                <a:endCxn id="25" idx="3"/>
+              </p:cNvCxnSpPr>
+              <p:nvPr/>
+            </p:nvCxnSpPr>
+            <p:spPr>
+              <a:xfrm flipH="1" flipV="1">
+                <a:off x="5593915" y="5403632"/>
+                <a:ext cx="16484" cy="223708"/>
+              </a:xfrm>
+              <a:prstGeom prst="straightConnector1">
+                <a:avLst/>
+              </a:prstGeom>
+              <a:ln w="38100">
+                <a:solidFill>
+                  <a:schemeClr val="tx1">
+                    <a:lumMod val="50000"/>
+                    <a:lumOff val="50000"/>
+                  </a:schemeClr>
+                </a:solidFill>
+                <a:prstDash val="solid"/>
+                <a:tailEnd type="triangle"/>
+              </a:ln>
+            </p:spPr>
+            <p:style>
+              <a:lnRef idx="1">
+                <a:schemeClr val="accent1"/>
+              </a:lnRef>
+              <a:fillRef idx="0">
+                <a:schemeClr val="accent1"/>
+              </a:fillRef>
+              <a:effectRef idx="0">
+                <a:schemeClr val="accent1"/>
+              </a:effectRef>
+              <a:fontRef idx="minor">
+                <a:schemeClr val="tx1"/>
+              </a:fontRef>
+            </p:style>
+          </p:cxnSp>
+          <p:cxnSp>
+            <p:nvCxnSpPr>
+              <p:cNvPr id="170" name="Straight Arrow Connector 169">
+                <a:extLst>
+                  <a:ext uri="{FF2B5EF4-FFF2-40B4-BE49-F238E27FC236}">
+                    <a16:creationId xmlns:a16="http://schemas.microsoft.com/office/drawing/2014/main" xmlns="" id="{5ADD18F7-AFBD-4F3F-B764-DB771FAB38B6}"/>
+                  </a:ext>
+                </a:extLst>
+              </p:cNvPr>
+              <p:cNvCxnSpPr>
+                <a:cxnSpLocks/>
+                <a:endCxn id="72" idx="3"/>
+              </p:cNvCxnSpPr>
+              <p:nvPr/>
+            </p:nvCxnSpPr>
+            <p:spPr>
+              <a:xfrm flipV="1">
+                <a:off x="6934122" y="5403120"/>
+                <a:ext cx="0" cy="239406"/>
+              </a:xfrm>
+              <a:prstGeom prst="straightConnector1">
+                <a:avLst/>
+              </a:prstGeom>
+              <a:ln w="38100">
+                <a:solidFill>
+                  <a:schemeClr val="tx1">
+                    <a:lumMod val="50000"/>
+                    <a:lumOff val="50000"/>
+                  </a:schemeClr>
+                </a:solidFill>
+                <a:prstDash val="solid"/>
+                <a:tailEnd type="triangle"/>
+              </a:ln>
+            </p:spPr>
+            <p:style>
+              <a:lnRef idx="1">
+                <a:schemeClr val="accent1"/>
+              </a:lnRef>
+              <a:fillRef idx="0">
+                <a:schemeClr val="accent1"/>
+              </a:fillRef>
+              <a:effectRef idx="0">
+                <a:schemeClr val="accent1"/>
+              </a:effectRef>
+              <a:fontRef idx="minor">
+                <a:schemeClr val="tx1"/>
+              </a:fontRef>
+            </p:style>
+          </p:cxnSp>
+          <p:cxnSp>
+            <p:nvCxnSpPr>
+              <p:cNvPr id="175" name="Straight Arrow Connector 174">
+                <a:extLst>
+                  <a:ext uri="{FF2B5EF4-FFF2-40B4-BE49-F238E27FC236}">
+                    <a16:creationId xmlns:a16="http://schemas.microsoft.com/office/drawing/2014/main" xmlns="" id="{20FCD4D5-664D-48BA-9573-E315E9873F58}"/>
+                  </a:ext>
+                </a:extLst>
+              </p:cNvPr>
+              <p:cNvCxnSpPr>
+                <a:endCxn id="26" idx="3"/>
+              </p:cNvCxnSpPr>
+              <p:nvPr/>
+            </p:nvCxnSpPr>
+            <p:spPr>
+              <a:xfrm flipH="1" flipV="1">
+                <a:off x="8276313" y="5412607"/>
+                <a:ext cx="1086" cy="220282"/>
+              </a:xfrm>
+              <a:prstGeom prst="straightConnector1">
+                <a:avLst/>
+              </a:prstGeom>
+              <a:ln w="38100">
+                <a:solidFill>
+                  <a:schemeClr val="tx1">
+                    <a:lumMod val="50000"/>
+                    <a:lumOff val="50000"/>
+                  </a:schemeClr>
+                </a:solidFill>
+                <a:prstDash val="solid"/>
+                <a:tailEnd type="triangle"/>
+              </a:ln>
+            </p:spPr>
+            <p:style>
+              <a:lnRef idx="1">
+                <a:schemeClr val="accent1"/>
+              </a:lnRef>
+              <a:fillRef idx="0">
+                <a:schemeClr val="accent1"/>
+              </a:fillRef>
+              <a:effectRef idx="0">
+                <a:schemeClr val="accent1"/>
+              </a:effectRef>
+              <a:fontRef idx="minor">
+                <a:schemeClr val="tx1"/>
+              </a:fontRef>
+            </p:style>
+          </p:cxnSp>
+          <p:cxnSp>
+            <p:nvCxnSpPr>
+              <p:cNvPr id="182" name="Connector: Elbow 181">
+                <a:extLst>
+                  <a:ext uri="{FF2B5EF4-FFF2-40B4-BE49-F238E27FC236}">
+                    <a16:creationId xmlns:a16="http://schemas.microsoft.com/office/drawing/2014/main" xmlns="" id="{61C263D2-878B-450D-BD3E-D57AFC7300D8}"/>
+                  </a:ext>
+                </a:extLst>
+              </p:cNvPr>
+              <p:cNvCxnSpPr>
+                <a:stCxn id="22" idx="1"/>
+                <a:endCxn id="25" idx="1"/>
+              </p:cNvCxnSpPr>
+              <p:nvPr/>
+            </p:nvCxnSpPr>
+            <p:spPr>
+              <a:xfrm rot="5400000" flipH="1" flipV="1">
+                <a:off x="4256169" y="3272103"/>
+                <a:ext cx="12700" cy="2675491"/>
+              </a:xfrm>
+              <a:prstGeom prst="bentConnector3">
+                <a:avLst>
+                  <a:gd name="adj1" fmla="val 1021606"/>
+                </a:avLst>
+              </a:prstGeom>
+              <a:ln w="38100">
+                <a:solidFill>
+                  <a:schemeClr val="tx1">
+                    <a:lumMod val="50000"/>
+                    <a:lumOff val="50000"/>
+                  </a:schemeClr>
+                </a:solidFill>
+                <a:prstDash val="solid"/>
+              </a:ln>
+            </p:spPr>
+            <p:style>
+              <a:lnRef idx="1">
+                <a:schemeClr val="accent1"/>
+              </a:lnRef>
+              <a:fillRef idx="0">
+                <a:schemeClr val="accent1"/>
+              </a:fillRef>
+              <a:effectRef idx="0">
+                <a:schemeClr val="accent1"/>
+              </a:effectRef>
+              <a:fontRef idx="minor">
+                <a:schemeClr val="tx1"/>
+              </a:fontRef>
+            </p:style>
+          </p:cxnSp>
+          <p:cxnSp>
+            <p:nvCxnSpPr>
+              <p:cNvPr id="185" name="Straight Connector 184">
+                <a:extLst>
+                  <a:ext uri="{FF2B5EF4-FFF2-40B4-BE49-F238E27FC236}">
+                    <a16:creationId xmlns:a16="http://schemas.microsoft.com/office/drawing/2014/main" xmlns="" id="{37948DDE-76E7-41E4-91D1-EFDEF58A716B}"/>
+                  </a:ext>
+                </a:extLst>
+              </p:cNvPr>
+              <p:cNvCxnSpPr>
+                <a:stCxn id="24" idx="1"/>
+              </p:cNvCxnSpPr>
+              <p:nvPr/>
+            </p:nvCxnSpPr>
+            <p:spPr>
+              <a:xfrm flipV="1">
+                <a:off x="4253708" y="4497859"/>
+                <a:ext cx="0" cy="111989"/>
+              </a:xfrm>
+              <a:prstGeom prst="line">
+                <a:avLst/>
+              </a:prstGeom>
+              <a:ln w="38100">
+                <a:solidFill>
+                  <a:schemeClr val="tx1">
+                    <a:lumMod val="50000"/>
+                    <a:lumOff val="50000"/>
+                  </a:schemeClr>
+                </a:solidFill>
+                <a:prstDash val="solid"/>
+              </a:ln>
+            </p:spPr>
+            <p:style>
+              <a:lnRef idx="1">
+                <a:schemeClr val="accent1"/>
+              </a:lnRef>
+              <a:fillRef idx="0">
+                <a:schemeClr val="accent1"/>
+              </a:fillRef>
+              <a:effectRef idx="0">
+                <a:schemeClr val="accent1"/>
+              </a:effectRef>
+              <a:fontRef idx="minor">
+                <a:schemeClr val="tx1"/>
+              </a:fontRef>
+            </p:style>
+          </p:cxnSp>
+          <p:cxnSp>
+            <p:nvCxnSpPr>
+              <p:cNvPr id="187" name="Connector: Elbow 186">
+                <a:extLst>
+                  <a:ext uri="{FF2B5EF4-FFF2-40B4-BE49-F238E27FC236}">
+                    <a16:creationId xmlns:a16="http://schemas.microsoft.com/office/drawing/2014/main" xmlns="" id="{B6FF2B51-A2A3-4EA9-A2D5-D4ACC13CFFD6}"/>
+                  </a:ext>
+                </a:extLst>
+              </p:cNvPr>
+              <p:cNvCxnSpPr>
+                <a:cxnSpLocks/>
+                <a:endCxn id="89" idx="0"/>
+              </p:cNvCxnSpPr>
+              <p:nvPr/>
+            </p:nvCxnSpPr>
+            <p:spPr>
+              <a:xfrm rot="10800000">
+                <a:off x="2140242" y="3702762"/>
+                <a:ext cx="795310" cy="782742"/>
+              </a:xfrm>
+              <a:prstGeom prst="bentConnector3">
+                <a:avLst>
+                  <a:gd name="adj1" fmla="val 128744"/>
+                </a:avLst>
+              </a:prstGeom>
+              <a:ln w="38100">
+                <a:solidFill>
+                  <a:schemeClr val="tx1">
+                    <a:lumMod val="50000"/>
+                    <a:lumOff val="50000"/>
+                  </a:schemeClr>
+                </a:solidFill>
+                <a:prstDash val="solid"/>
+                <a:tailEnd type="triangle"/>
+              </a:ln>
+            </p:spPr>
+            <p:style>
+              <a:lnRef idx="1">
+                <a:schemeClr val="accent1"/>
+              </a:lnRef>
+              <a:fillRef idx="0">
+                <a:schemeClr val="accent1"/>
+              </a:fillRef>
+              <a:effectRef idx="0">
+                <a:schemeClr val="accent1"/>
+              </a:effectRef>
+              <a:fontRef idx="minor">
+                <a:schemeClr val="tx1"/>
+              </a:fontRef>
+            </p:style>
+          </p:cxnSp>
+          <p:cxnSp>
+            <p:nvCxnSpPr>
+              <p:cNvPr id="190" name="Straight Arrow Connector 189">
+                <a:extLst>
+                  <a:ext uri="{FF2B5EF4-FFF2-40B4-BE49-F238E27FC236}">
+                    <a16:creationId xmlns:a16="http://schemas.microsoft.com/office/drawing/2014/main" xmlns="" id="{086E3DD2-536D-4045-BE7E-F7032A90159D}"/>
+                  </a:ext>
+                </a:extLst>
+              </p:cNvPr>
+              <p:cNvCxnSpPr>
+                <a:stCxn id="99" idx="3"/>
+                <a:endCxn id="96" idx="1"/>
+              </p:cNvCxnSpPr>
+              <p:nvPr/>
+            </p:nvCxnSpPr>
+            <p:spPr>
+              <a:xfrm flipV="1">
+                <a:off x="5505505" y="3649858"/>
+                <a:ext cx="238105" cy="1402"/>
+              </a:xfrm>
+              <a:prstGeom prst="straightConnector1">
+                <a:avLst/>
+              </a:prstGeom>
+              <a:ln w="38100">
+                <a:solidFill>
+                  <a:schemeClr val="tx1">
+                    <a:lumMod val="50000"/>
+                    <a:lumOff val="50000"/>
+                  </a:schemeClr>
+                </a:solidFill>
+                <a:prstDash val="solid"/>
+                <a:tailEnd type="triangle"/>
+              </a:ln>
+            </p:spPr>
+            <p:style>
+              <a:lnRef idx="1">
+                <a:schemeClr val="accent1"/>
+              </a:lnRef>
+              <a:fillRef idx="0">
+                <a:schemeClr val="accent1"/>
+              </a:fillRef>
+              <a:effectRef idx="0">
+                <a:schemeClr val="accent1"/>
+              </a:effectRef>
+              <a:fontRef idx="minor">
+                <a:schemeClr val="tx1"/>
+              </a:fontRef>
+            </p:style>
+          </p:cxnSp>
+          <p:cxnSp>
+            <p:nvCxnSpPr>
+              <p:cNvPr id="192" name="Straight Arrow Connector 191">
+                <a:extLst>
+                  <a:ext uri="{FF2B5EF4-FFF2-40B4-BE49-F238E27FC236}">
+                    <a16:creationId xmlns:a16="http://schemas.microsoft.com/office/drawing/2014/main" xmlns="" id="{5AF44D83-0CBE-44DB-BEF1-E873682FFEDD}"/>
+                  </a:ext>
+                </a:extLst>
+              </p:cNvPr>
+              <p:cNvCxnSpPr>
+                <a:stCxn id="95" idx="1"/>
+                <a:endCxn id="96" idx="3"/>
+              </p:cNvCxnSpPr>
+              <p:nvPr/>
+            </p:nvCxnSpPr>
+            <p:spPr>
+              <a:xfrm flipH="1">
+                <a:off x="6583869" y="3649858"/>
+                <a:ext cx="324466" cy="0"/>
+              </a:xfrm>
+              <a:prstGeom prst="straightConnector1">
+                <a:avLst/>
+              </a:prstGeom>
+              <a:ln w="38100">
+                <a:solidFill>
+                  <a:schemeClr val="tx1">
+                    <a:lumMod val="50000"/>
+                    <a:lumOff val="50000"/>
+                  </a:schemeClr>
+                </a:solidFill>
+                <a:prstDash val="solid"/>
+                <a:tailEnd type="triangle"/>
+              </a:ln>
+            </p:spPr>
+            <p:style>
+              <a:lnRef idx="1">
+                <a:schemeClr val="accent1"/>
+              </a:lnRef>
+              <a:fillRef idx="0">
+                <a:schemeClr val="accent1"/>
+              </a:fillRef>
+              <a:effectRef idx="0">
+                <a:schemeClr val="accent1"/>
+              </a:effectRef>
+              <a:fontRef idx="minor">
+                <a:schemeClr val="tx1"/>
+              </a:fontRef>
+            </p:style>
+          </p:cxnSp>
+          <p:cxnSp>
+            <p:nvCxnSpPr>
+              <p:cNvPr id="194" name="Connector: Elbow 193">
+                <a:extLst>
+                  <a:ext uri="{FF2B5EF4-FFF2-40B4-BE49-F238E27FC236}">
+                    <a16:creationId xmlns:a16="http://schemas.microsoft.com/office/drawing/2014/main" xmlns="" id="{4204F9D8-63EF-4F2A-92F6-1DC7A22F4765}"/>
+                  </a:ext>
+                </a:extLst>
+              </p:cNvPr>
+              <p:cNvCxnSpPr>
+                <a:stCxn id="72" idx="1"/>
+                <a:endCxn id="95" idx="2"/>
+              </p:cNvCxnSpPr>
+              <p:nvPr/>
+            </p:nvCxnSpPr>
+            <p:spPr>
+              <a:xfrm rot="5400000" flipH="1" flipV="1">
+                <a:off x="6860535" y="4141407"/>
+                <a:ext cx="541517" cy="394343"/>
+              </a:xfrm>
+              <a:prstGeom prst="bentConnector3">
+                <a:avLst/>
+              </a:prstGeom>
+              <a:ln w="38100">
+                <a:solidFill>
+                  <a:schemeClr val="tx1">
+                    <a:lumMod val="50000"/>
+                    <a:lumOff val="50000"/>
+                  </a:schemeClr>
+                </a:solidFill>
+                <a:prstDash val="solid"/>
+                <a:tailEnd type="triangle"/>
+              </a:ln>
+            </p:spPr>
+            <p:style>
+              <a:lnRef idx="1">
+                <a:schemeClr val="accent1"/>
+              </a:lnRef>
+              <a:fillRef idx="0">
+                <a:schemeClr val="accent1"/>
+              </a:fillRef>
+              <a:effectRef idx="0">
+                <a:schemeClr val="accent1"/>
+              </a:effectRef>
+              <a:fontRef idx="minor">
+                <a:schemeClr val="tx1"/>
+              </a:fontRef>
+            </p:style>
+          </p:cxnSp>
+          <p:cxnSp>
+            <p:nvCxnSpPr>
+              <p:cNvPr id="198" name="Connector: Elbow 197">
+                <a:extLst>
+                  <a:ext uri="{FF2B5EF4-FFF2-40B4-BE49-F238E27FC236}">
+                    <a16:creationId xmlns:a16="http://schemas.microsoft.com/office/drawing/2014/main" xmlns="" id="{BC056830-3DF0-4A7B-BA31-BB8BB4AF8058}"/>
+                  </a:ext>
+                </a:extLst>
+              </p:cNvPr>
+              <p:cNvCxnSpPr>
+                <a:stCxn id="26" idx="1"/>
+                <a:endCxn id="97" idx="2"/>
+              </p:cNvCxnSpPr>
+              <p:nvPr/>
+            </p:nvCxnSpPr>
+            <p:spPr>
+              <a:xfrm rot="5400000" flipH="1" flipV="1">
+                <a:off x="8127771" y="4227329"/>
+                <a:ext cx="540036" cy="242953"/>
+              </a:xfrm>
+              <a:prstGeom prst="bentConnector3">
+                <a:avLst/>
+              </a:prstGeom>
+              <a:ln w="38100">
+                <a:solidFill>
+                  <a:schemeClr val="tx1">
+                    <a:lumMod val="50000"/>
+                    <a:lumOff val="50000"/>
+                  </a:schemeClr>
+                </a:solidFill>
+                <a:prstDash val="solid"/>
+                <a:tailEnd type="triangle"/>
+              </a:ln>
+            </p:spPr>
+            <p:style>
+              <a:lnRef idx="1">
+                <a:schemeClr val="accent1"/>
+              </a:lnRef>
+              <a:fillRef idx="0">
+                <a:schemeClr val="accent1"/>
+              </a:fillRef>
+              <a:effectRef idx="0">
+                <a:schemeClr val="accent1"/>
+              </a:effectRef>
+              <a:fontRef idx="minor">
+                <a:schemeClr val="tx1"/>
+              </a:fontRef>
+            </p:style>
+          </p:cxnSp>
+          <p:cxnSp>
+            <p:nvCxnSpPr>
+              <p:cNvPr id="200" name="Connector: Elbow 199">
+                <a:extLst>
+                  <a:ext uri="{FF2B5EF4-FFF2-40B4-BE49-F238E27FC236}">
+                    <a16:creationId xmlns:a16="http://schemas.microsoft.com/office/drawing/2014/main" xmlns="" id="{1BCBCB4B-F234-4332-91FE-124FAEE8296D}"/>
+                  </a:ext>
+                </a:extLst>
+              </p:cNvPr>
+              <p:cNvCxnSpPr>
+                <a:stCxn id="96" idx="0"/>
+                <a:endCxn id="30" idx="1"/>
+              </p:cNvCxnSpPr>
+              <p:nvPr/>
+            </p:nvCxnSpPr>
+            <p:spPr>
+              <a:xfrm rot="16200000" flipV="1">
+                <a:off x="3667730" y="735885"/>
+                <a:ext cx="848536" cy="4143485"/>
+              </a:xfrm>
+              <a:prstGeom prst="bentConnector4">
+                <a:avLst>
+                  <a:gd name="adj1" fmla="val 28186"/>
+                  <a:gd name="adj2" fmla="val 103775"/>
+                </a:avLst>
+              </a:prstGeom>
+              <a:ln w="38100">
+                <a:solidFill>
+                  <a:schemeClr val="tx1">
+                    <a:lumMod val="50000"/>
+                    <a:lumOff val="50000"/>
+                  </a:schemeClr>
+                </a:solidFill>
+                <a:prstDash val="solid"/>
+                <a:tailEnd type="triangle"/>
+              </a:ln>
+            </p:spPr>
+            <p:style>
+              <a:lnRef idx="1">
+                <a:schemeClr val="accent1"/>
+              </a:lnRef>
+              <a:fillRef idx="0">
+                <a:schemeClr val="accent1"/>
+              </a:fillRef>
+              <a:effectRef idx="0">
+                <a:schemeClr val="accent1"/>
+              </a:effectRef>
+              <a:fontRef idx="minor">
+                <a:schemeClr val="tx1"/>
+              </a:fontRef>
+            </p:style>
+          </p:cxnSp>
+          <p:cxnSp>
+            <p:nvCxnSpPr>
+              <p:cNvPr id="204" name="Connector: Elbow 203">
+                <a:extLst>
+                  <a:ext uri="{FF2B5EF4-FFF2-40B4-BE49-F238E27FC236}">
+                    <a16:creationId xmlns:a16="http://schemas.microsoft.com/office/drawing/2014/main" xmlns="" id="{42D26538-B923-43DF-992D-F4BC72EF792A}"/>
+                  </a:ext>
+                </a:extLst>
+              </p:cNvPr>
+              <p:cNvCxnSpPr>
+                <a:stCxn id="97" idx="0"/>
+                <a:endCxn id="30" idx="2"/>
+              </p:cNvCxnSpPr>
+              <p:nvPr/>
+            </p:nvCxnSpPr>
+            <p:spPr>
+              <a:xfrm rot="16200000" flipV="1">
+                <a:off x="5267634" y="-8768"/>
+                <a:ext cx="585576" cy="5917688"/>
+              </a:xfrm>
+              <a:prstGeom prst="bentConnector3">
+                <a:avLst>
+                  <a:gd name="adj1" fmla="val 64383"/>
+                </a:avLst>
+              </a:prstGeom>
+              <a:ln w="38100">
+                <a:solidFill>
+                  <a:schemeClr val="tx1">
+                    <a:lumMod val="50000"/>
+                    <a:lumOff val="50000"/>
+                  </a:schemeClr>
+                </a:solidFill>
+                <a:prstDash val="solid"/>
+                <a:tailEnd type="triangle"/>
+              </a:ln>
+            </p:spPr>
+            <p:style>
+              <a:lnRef idx="1">
+                <a:schemeClr val="accent1"/>
+              </a:lnRef>
+              <a:fillRef idx="0">
+                <a:schemeClr val="accent1"/>
+              </a:fillRef>
+              <a:effectRef idx="0">
+                <a:schemeClr val="accent1"/>
+              </a:effectRef>
+              <a:fontRef idx="minor">
+                <a:schemeClr val="tx1"/>
+              </a:fontRef>
+            </p:style>
+          </p:cxnSp>
+          <p:cxnSp>
+            <p:nvCxnSpPr>
+              <p:cNvPr id="212" name="Connector: Elbow 211">
+                <a:extLst>
+                  <a:ext uri="{FF2B5EF4-FFF2-40B4-BE49-F238E27FC236}">
+                    <a16:creationId xmlns:a16="http://schemas.microsoft.com/office/drawing/2014/main" xmlns="" id="{E84E33C2-EC1A-42ED-BE07-A987BDBAD351}"/>
+                  </a:ext>
+                </a:extLst>
+              </p:cNvPr>
+              <p:cNvCxnSpPr>
+                <a:stCxn id="33" idx="3"/>
+              </p:cNvCxnSpPr>
+              <p:nvPr/>
+            </p:nvCxnSpPr>
+            <p:spPr>
+              <a:xfrm>
+                <a:off x="3182947" y="1254540"/>
+                <a:ext cx="208331" cy="12681"/>
+              </a:xfrm>
+              <a:prstGeom prst="bentConnector3">
+                <a:avLst>
+                  <a:gd name="adj1" fmla="val 50000"/>
+                </a:avLst>
+              </a:prstGeom>
+              <a:ln w="38100">
+                <a:solidFill>
+                  <a:schemeClr val="tx1">
+                    <a:lumMod val="50000"/>
+                    <a:lumOff val="50000"/>
+                  </a:schemeClr>
+                </a:solidFill>
+                <a:prstDash val="solid"/>
+                <a:tailEnd type="triangle"/>
+              </a:ln>
+            </p:spPr>
+            <p:style>
+              <a:lnRef idx="1">
+                <a:schemeClr val="accent1"/>
+              </a:lnRef>
+              <a:fillRef idx="0">
+                <a:schemeClr val="accent1"/>
+              </a:fillRef>
+              <a:effectRef idx="0">
+                <a:schemeClr val="accent1"/>
+              </a:effectRef>
+              <a:fontRef idx="minor">
+                <a:schemeClr val="tx1"/>
+              </a:fontRef>
+            </p:style>
+          </p:cxnSp>
+          <p:cxnSp>
+            <p:nvCxnSpPr>
+              <p:cNvPr id="216" name="Connector: Elbow 215">
+                <a:extLst>
+                  <a:ext uri="{FF2B5EF4-FFF2-40B4-BE49-F238E27FC236}">
+                    <a16:creationId xmlns:a16="http://schemas.microsoft.com/office/drawing/2014/main" xmlns="" id="{6F93F258-EFD0-406A-8783-309F5554308B}"/>
+                  </a:ext>
+                </a:extLst>
+              </p:cNvPr>
+              <p:cNvCxnSpPr>
+                <a:stCxn id="111" idx="3"/>
+                <a:endCxn id="34" idx="3"/>
+              </p:cNvCxnSpPr>
+              <p:nvPr/>
+            </p:nvCxnSpPr>
+            <p:spPr>
+              <a:xfrm flipH="1">
+                <a:off x="4757266" y="1486715"/>
+                <a:ext cx="481" cy="835413"/>
+              </a:xfrm>
+              <a:prstGeom prst="bentConnector3">
+                <a:avLst>
+                  <a:gd name="adj1" fmla="val -16765910"/>
+                </a:avLst>
+              </a:prstGeom>
+              <a:ln w="38100">
+                <a:solidFill>
+                  <a:schemeClr val="tx1">
+                    <a:lumMod val="50000"/>
+                    <a:lumOff val="50000"/>
+                  </a:schemeClr>
+                </a:solidFill>
+                <a:prstDash val="solid"/>
+              </a:ln>
+            </p:spPr>
+            <p:style>
+              <a:lnRef idx="1">
+                <a:schemeClr val="accent1"/>
+              </a:lnRef>
+              <a:fillRef idx="0">
+                <a:schemeClr val="accent1"/>
+              </a:fillRef>
+              <a:effectRef idx="0">
+                <a:schemeClr val="accent1"/>
+              </a:effectRef>
+              <a:fontRef idx="minor">
+                <a:schemeClr val="tx1"/>
+              </a:fontRef>
+            </p:style>
+          </p:cxnSp>
+          <p:cxnSp>
+            <p:nvCxnSpPr>
+              <p:cNvPr id="218" name="Straight Arrow Connector 217">
+                <a:extLst>
+                  <a:ext uri="{FF2B5EF4-FFF2-40B4-BE49-F238E27FC236}">
+                    <a16:creationId xmlns:a16="http://schemas.microsoft.com/office/drawing/2014/main" xmlns="" id="{FF7438F3-A525-4FF0-AA84-7ABFFDE51868}"/>
+                  </a:ext>
+                </a:extLst>
+              </p:cNvPr>
+              <p:cNvCxnSpPr>
+                <a:cxnSpLocks/>
+              </p:cNvCxnSpPr>
+              <p:nvPr/>
+            </p:nvCxnSpPr>
+            <p:spPr>
+              <a:xfrm>
+                <a:off x="4834476" y="1900776"/>
+                <a:ext cx="315235" cy="6179"/>
+              </a:xfrm>
+              <a:prstGeom prst="straightConnector1">
+                <a:avLst/>
+              </a:prstGeom>
+              <a:ln w="38100">
+                <a:solidFill>
+                  <a:schemeClr val="tx1">
+                    <a:lumMod val="50000"/>
+                    <a:lumOff val="50000"/>
+                  </a:schemeClr>
+                </a:solidFill>
+                <a:prstDash val="solid"/>
+                <a:tailEnd type="triangle"/>
+              </a:ln>
+            </p:spPr>
+            <p:style>
+              <a:lnRef idx="1">
+                <a:schemeClr val="accent1"/>
+              </a:lnRef>
+              <a:fillRef idx="0">
+                <a:schemeClr val="accent1"/>
+              </a:fillRef>
+              <a:effectRef idx="0">
+                <a:schemeClr val="accent1"/>
+              </a:effectRef>
+              <a:fontRef idx="minor">
+                <a:schemeClr val="tx1"/>
+              </a:fontRef>
+            </p:style>
+          </p:cxnSp>
+          <p:cxnSp>
+            <p:nvCxnSpPr>
+              <p:cNvPr id="222" name="Straight Arrow Connector 221">
+                <a:extLst>
+                  <a:ext uri="{FF2B5EF4-FFF2-40B4-BE49-F238E27FC236}">
+                    <a16:creationId xmlns:a16="http://schemas.microsoft.com/office/drawing/2014/main" xmlns="" id="{2F369032-0D86-4191-93D1-D158403107ED}"/>
+                  </a:ext>
+                </a:extLst>
+              </p:cNvPr>
+              <p:cNvCxnSpPr>
+                <a:stCxn id="38" idx="3"/>
+              </p:cNvCxnSpPr>
+              <p:nvPr/>
+            </p:nvCxnSpPr>
+            <p:spPr>
+              <a:xfrm>
+                <a:off x="5795983" y="2380143"/>
+                <a:ext cx="125605" cy="4755"/>
+              </a:xfrm>
+              <a:prstGeom prst="straightConnector1">
+                <a:avLst/>
+              </a:prstGeom>
+              <a:ln w="38100">
+                <a:solidFill>
+                  <a:schemeClr val="tx1">
+                    <a:lumMod val="50000"/>
+                    <a:lumOff val="50000"/>
+                  </a:schemeClr>
+                </a:solidFill>
+                <a:prstDash val="solid"/>
+                <a:tailEnd type="triangle"/>
+              </a:ln>
+            </p:spPr>
+            <p:style>
+              <a:lnRef idx="1">
+                <a:schemeClr val="accent1"/>
+              </a:lnRef>
+              <a:fillRef idx="0">
+                <a:schemeClr val="accent1"/>
+              </a:fillRef>
+              <a:effectRef idx="0">
+                <a:schemeClr val="accent1"/>
+              </a:effectRef>
+              <a:fontRef idx="minor">
+                <a:schemeClr val="tx1"/>
+              </a:fontRef>
+            </p:style>
+          </p:cxnSp>
+          <p:cxnSp>
+            <p:nvCxnSpPr>
+              <p:cNvPr id="226" name="Connector: Elbow 225">
+                <a:extLst>
+                  <a:ext uri="{FF2B5EF4-FFF2-40B4-BE49-F238E27FC236}">
+                    <a16:creationId xmlns:a16="http://schemas.microsoft.com/office/drawing/2014/main" xmlns="" id="{DE8F8C44-42CE-4DA3-8AD7-D4EC3B4A10BB}"/>
+                  </a:ext>
+                </a:extLst>
+              </p:cNvPr>
+              <p:cNvCxnSpPr>
+                <a:stCxn id="129" idx="3"/>
+                <a:endCxn id="39" idx="0"/>
+              </p:cNvCxnSpPr>
+              <p:nvPr/>
+            </p:nvCxnSpPr>
+            <p:spPr>
+              <a:xfrm flipH="1">
+                <a:off x="6869580" y="1645907"/>
+                <a:ext cx="116286" cy="765450"/>
+              </a:xfrm>
+              <a:prstGeom prst="bentConnector3">
+                <a:avLst>
+                  <a:gd name="adj1" fmla="val -51733"/>
+                </a:avLst>
+              </a:prstGeom>
+              <a:ln w="38100">
+                <a:solidFill>
+                  <a:schemeClr val="tx1">
+                    <a:lumMod val="50000"/>
+                    <a:lumOff val="50000"/>
+                  </a:schemeClr>
+                </a:solidFill>
+                <a:prstDash val="solid"/>
+                <a:tailEnd type="triangle"/>
+              </a:ln>
+            </p:spPr>
+            <p:style>
+              <a:lnRef idx="1">
+                <a:schemeClr val="accent1"/>
+              </a:lnRef>
+              <a:fillRef idx="0">
+                <a:schemeClr val="accent1"/>
+              </a:fillRef>
+              <a:effectRef idx="0">
+                <a:schemeClr val="accent1"/>
+              </a:effectRef>
+              <a:fontRef idx="minor">
+                <a:schemeClr val="tx1"/>
+              </a:fontRef>
+            </p:style>
+          </p:cxnSp>
+          <p:cxnSp>
+            <p:nvCxnSpPr>
+              <p:cNvPr id="229" name="Straight Arrow Connector 228">
+                <a:extLst>
+                  <a:ext uri="{FF2B5EF4-FFF2-40B4-BE49-F238E27FC236}">
+                    <a16:creationId xmlns:a16="http://schemas.microsoft.com/office/drawing/2014/main" xmlns="" id="{E633DC16-02C2-463E-A687-72FAC7F59255}"/>
+                  </a:ext>
+                </a:extLst>
+              </p:cNvPr>
+              <p:cNvCxnSpPr/>
+              <p:nvPr/>
+            </p:nvCxnSpPr>
+            <p:spPr>
+              <a:xfrm flipV="1">
+                <a:off x="8053515" y="1808014"/>
+                <a:ext cx="272028" cy="7145"/>
+              </a:xfrm>
+              <a:prstGeom prst="straightConnector1">
+                <a:avLst/>
+              </a:prstGeom>
+              <a:ln w="38100">
+                <a:solidFill>
+                  <a:schemeClr val="tx1">
+                    <a:lumMod val="50000"/>
+                    <a:lumOff val="50000"/>
+                  </a:schemeClr>
+                </a:solidFill>
+                <a:prstDash val="solid"/>
+                <a:tailEnd type="triangle"/>
+              </a:ln>
+            </p:spPr>
+            <p:style>
+              <a:lnRef idx="1">
+                <a:schemeClr val="accent1"/>
+              </a:lnRef>
+              <a:fillRef idx="0">
+                <a:schemeClr val="accent1"/>
+              </a:fillRef>
+              <a:effectRef idx="0">
+                <a:schemeClr val="accent1"/>
+              </a:effectRef>
+              <a:fontRef idx="minor">
+                <a:schemeClr val="tx1"/>
+              </a:fontRef>
+            </p:style>
+          </p:cxnSp>
+          <p:sp>
+            <p:nvSpPr>
+              <p:cNvPr id="232" name="Rectangle 231">
+                <a:extLst>
+                  <a:ext uri="{FF2B5EF4-FFF2-40B4-BE49-F238E27FC236}">
+                    <a16:creationId xmlns:a16="http://schemas.microsoft.com/office/drawing/2014/main" xmlns="" id="{6AA1B245-0FC8-4C76-891E-C3949A0CA45B}"/>
+                  </a:ext>
+                </a:extLst>
+              </p:cNvPr>
+              <p:cNvSpPr/>
+              <p:nvPr/>
+            </p:nvSpPr>
+            <p:spPr>
+              <a:xfrm>
+                <a:off x="8162977" y="464426"/>
+                <a:ext cx="1123440" cy="297962"/>
+              </a:xfrm>
+              <a:prstGeom prst="rect">
+                <a:avLst/>
+              </a:prstGeom>
+            </p:spPr>
+            <p:txBody>
+              <a:bodyPr wrap="none" lIns="36000" tIns="36000" rIns="36000" bIns="36000" anchor="ctr" anchorCtr="0">
+                <a:spAutoFit/>
+              </a:bodyPr>
+              <a:lstStyle/>
+              <a:p>
+                <a:r>
+                  <a:rPr lang="en-IN" sz="1400" b="1" dirty="0"/>
+                  <a:t>Interpretation</a:t>
                 </a:r>
               </a:p>
             </p:txBody>
@@ -6019,713 +7087,19 @@
         </p:grpSp>
         <p:cxnSp>
           <p:nvCxnSpPr>
-            <p:cNvPr id="160" name="Straight Arrow Connector 159">
+            <p:cNvPr id="132" name="Connector: Elbow 211">
               <a:extLst>
                 <a:ext uri="{FF2B5EF4-FFF2-40B4-BE49-F238E27FC236}">
-                  <a16:creationId xmlns="" xmlns:a16="http://schemas.microsoft.com/office/drawing/2014/main" id="{87ED9642-E907-4914-8A67-C5C7CFA6AE8D}"/>
+                  <a16:creationId xmlns:a16="http://schemas.microsoft.com/office/drawing/2014/main" xmlns="" id="{E84E33C2-EC1A-42ED-BE07-A987BDBAD351}"/>
                 </a:ext>
               </a:extLst>
             </p:cNvPr>
-            <p:cNvCxnSpPr>
-              <a:cxnSpLocks/>
-              <a:endCxn id="22" idx="3"/>
-            </p:cNvCxnSpPr>
-            <p:nvPr/>
-          </p:nvCxnSpPr>
-          <p:spPr>
-            <a:xfrm flipV="1">
-              <a:off x="2914533" y="5403632"/>
-              <a:ext cx="3891" cy="340052"/>
-            </a:xfrm>
-            <a:prstGeom prst="straightConnector1">
-              <a:avLst/>
-            </a:prstGeom>
-            <a:ln w="38100">
-              <a:solidFill>
-                <a:schemeClr val="tx1">
-                  <a:lumMod val="50000"/>
-                  <a:lumOff val="50000"/>
-                </a:schemeClr>
-              </a:solidFill>
-              <a:prstDash val="solid"/>
-              <a:tailEnd type="triangle"/>
-            </a:ln>
-          </p:spPr>
-          <p:style>
-            <a:lnRef idx="1">
-              <a:schemeClr val="accent1"/>
-            </a:lnRef>
-            <a:fillRef idx="0">
-              <a:schemeClr val="accent1"/>
-            </a:fillRef>
-            <a:effectRef idx="0">
-              <a:schemeClr val="accent1"/>
-            </a:effectRef>
-            <a:fontRef idx="minor">
-              <a:schemeClr val="tx1"/>
-            </a:fontRef>
-          </p:style>
-        </p:cxnSp>
-        <p:cxnSp>
-          <p:nvCxnSpPr>
-            <p:cNvPr id="163" name="Straight Arrow Connector 162">
-              <a:extLst>
-                <a:ext uri="{FF2B5EF4-FFF2-40B4-BE49-F238E27FC236}">
-                  <a16:creationId xmlns="" xmlns:a16="http://schemas.microsoft.com/office/drawing/2014/main" id="{1E1A88FD-0D9E-4D91-AB9A-539D93839C28}"/>
-                </a:ext>
-              </a:extLst>
-            </p:cNvPr>
-            <p:cNvCxnSpPr>
-              <a:cxnSpLocks/>
-              <a:endCxn id="24" idx="3"/>
-            </p:cNvCxnSpPr>
-            <p:nvPr/>
-          </p:nvCxnSpPr>
-          <p:spPr>
-            <a:xfrm flipV="1">
-              <a:off x="4253708" y="5403632"/>
-              <a:ext cx="0" cy="296531"/>
-            </a:xfrm>
-            <a:prstGeom prst="straightConnector1">
-              <a:avLst/>
-            </a:prstGeom>
-            <a:ln w="38100">
-              <a:solidFill>
-                <a:schemeClr val="tx1">
-                  <a:lumMod val="50000"/>
-                  <a:lumOff val="50000"/>
-                </a:schemeClr>
-              </a:solidFill>
-              <a:prstDash val="solid"/>
-              <a:tailEnd type="triangle"/>
-            </a:ln>
-          </p:spPr>
-          <p:style>
-            <a:lnRef idx="1">
-              <a:schemeClr val="accent1"/>
-            </a:lnRef>
-            <a:fillRef idx="0">
-              <a:schemeClr val="accent1"/>
-            </a:fillRef>
-            <a:effectRef idx="0">
-              <a:schemeClr val="accent1"/>
-            </a:effectRef>
-            <a:fontRef idx="minor">
-              <a:schemeClr val="tx1"/>
-            </a:fontRef>
-          </p:style>
-        </p:cxnSp>
-        <p:cxnSp>
-          <p:nvCxnSpPr>
-            <p:cNvPr id="166" name="Straight Arrow Connector 165">
-              <a:extLst>
-                <a:ext uri="{FF2B5EF4-FFF2-40B4-BE49-F238E27FC236}">
-                  <a16:creationId xmlns="" xmlns:a16="http://schemas.microsoft.com/office/drawing/2014/main" id="{343CDA24-E534-4430-9917-5F0044F3421C}"/>
-                </a:ext>
-              </a:extLst>
-            </p:cNvPr>
-            <p:cNvCxnSpPr>
-              <a:cxnSpLocks/>
-              <a:stCxn id="13" idx="3"/>
-              <a:endCxn id="25" idx="3"/>
-            </p:cNvCxnSpPr>
-            <p:nvPr/>
-          </p:nvCxnSpPr>
-          <p:spPr>
-            <a:xfrm flipH="1" flipV="1">
-              <a:off x="5593915" y="5403632"/>
-              <a:ext cx="16484" cy="223708"/>
-            </a:xfrm>
-            <a:prstGeom prst="straightConnector1">
-              <a:avLst/>
-            </a:prstGeom>
-            <a:ln w="38100">
-              <a:solidFill>
-                <a:schemeClr val="tx1">
-                  <a:lumMod val="50000"/>
-                  <a:lumOff val="50000"/>
-                </a:schemeClr>
-              </a:solidFill>
-              <a:prstDash val="solid"/>
-              <a:tailEnd type="triangle"/>
-            </a:ln>
-          </p:spPr>
-          <p:style>
-            <a:lnRef idx="1">
-              <a:schemeClr val="accent1"/>
-            </a:lnRef>
-            <a:fillRef idx="0">
-              <a:schemeClr val="accent1"/>
-            </a:fillRef>
-            <a:effectRef idx="0">
-              <a:schemeClr val="accent1"/>
-            </a:effectRef>
-            <a:fontRef idx="minor">
-              <a:schemeClr val="tx1"/>
-            </a:fontRef>
-          </p:style>
-        </p:cxnSp>
-        <p:cxnSp>
-          <p:nvCxnSpPr>
-            <p:cNvPr id="170" name="Straight Arrow Connector 169">
-              <a:extLst>
-                <a:ext uri="{FF2B5EF4-FFF2-40B4-BE49-F238E27FC236}">
-                  <a16:creationId xmlns="" xmlns:a16="http://schemas.microsoft.com/office/drawing/2014/main" id="{5ADD18F7-AFBD-4F3F-B764-DB771FAB38B6}"/>
-                </a:ext>
-              </a:extLst>
-            </p:cNvPr>
-            <p:cNvCxnSpPr>
-              <a:cxnSpLocks/>
-              <a:endCxn id="72" idx="3"/>
-            </p:cNvCxnSpPr>
-            <p:nvPr/>
-          </p:nvCxnSpPr>
-          <p:spPr>
-            <a:xfrm flipV="1">
-              <a:off x="6934122" y="5403120"/>
-              <a:ext cx="0" cy="239406"/>
-            </a:xfrm>
-            <a:prstGeom prst="straightConnector1">
-              <a:avLst/>
-            </a:prstGeom>
-            <a:ln w="38100">
-              <a:solidFill>
-                <a:schemeClr val="tx1">
-                  <a:lumMod val="50000"/>
-                  <a:lumOff val="50000"/>
-                </a:schemeClr>
-              </a:solidFill>
-              <a:prstDash val="solid"/>
-              <a:tailEnd type="triangle"/>
-            </a:ln>
-          </p:spPr>
-          <p:style>
-            <a:lnRef idx="1">
-              <a:schemeClr val="accent1"/>
-            </a:lnRef>
-            <a:fillRef idx="0">
-              <a:schemeClr val="accent1"/>
-            </a:fillRef>
-            <a:effectRef idx="0">
-              <a:schemeClr val="accent1"/>
-            </a:effectRef>
-            <a:fontRef idx="minor">
-              <a:schemeClr val="tx1"/>
-            </a:fontRef>
-          </p:style>
-        </p:cxnSp>
-        <p:cxnSp>
-          <p:nvCxnSpPr>
-            <p:cNvPr id="175" name="Straight Arrow Connector 174">
-              <a:extLst>
-                <a:ext uri="{FF2B5EF4-FFF2-40B4-BE49-F238E27FC236}">
-                  <a16:creationId xmlns="" xmlns:a16="http://schemas.microsoft.com/office/drawing/2014/main" id="{20FCD4D5-664D-48BA-9573-E315E9873F58}"/>
-                </a:ext>
-              </a:extLst>
-            </p:cNvPr>
-            <p:cNvCxnSpPr>
-              <a:endCxn id="26" idx="3"/>
-            </p:cNvCxnSpPr>
-            <p:nvPr/>
-          </p:nvCxnSpPr>
-          <p:spPr>
-            <a:xfrm flipH="1" flipV="1">
-              <a:off x="8276313" y="5412607"/>
-              <a:ext cx="1086" cy="220282"/>
-            </a:xfrm>
-            <a:prstGeom prst="straightConnector1">
-              <a:avLst/>
-            </a:prstGeom>
-            <a:ln w="38100">
-              <a:solidFill>
-                <a:schemeClr val="tx1">
-                  <a:lumMod val="50000"/>
-                  <a:lumOff val="50000"/>
-                </a:schemeClr>
-              </a:solidFill>
-              <a:prstDash val="solid"/>
-              <a:tailEnd type="triangle"/>
-            </a:ln>
-          </p:spPr>
-          <p:style>
-            <a:lnRef idx="1">
-              <a:schemeClr val="accent1"/>
-            </a:lnRef>
-            <a:fillRef idx="0">
-              <a:schemeClr val="accent1"/>
-            </a:fillRef>
-            <a:effectRef idx="0">
-              <a:schemeClr val="accent1"/>
-            </a:effectRef>
-            <a:fontRef idx="minor">
-              <a:schemeClr val="tx1"/>
-            </a:fontRef>
-          </p:style>
-        </p:cxnSp>
-        <p:cxnSp>
-          <p:nvCxnSpPr>
-            <p:cNvPr id="182" name="Connector: Elbow 181">
-              <a:extLst>
-                <a:ext uri="{FF2B5EF4-FFF2-40B4-BE49-F238E27FC236}">
-                  <a16:creationId xmlns="" xmlns:a16="http://schemas.microsoft.com/office/drawing/2014/main" id="{61C263D2-878B-450D-BD3E-D57AFC7300D8}"/>
-                </a:ext>
-              </a:extLst>
-            </p:cNvPr>
-            <p:cNvCxnSpPr>
-              <a:stCxn id="22" idx="1"/>
-              <a:endCxn id="25" idx="1"/>
-            </p:cNvCxnSpPr>
-            <p:nvPr/>
-          </p:nvCxnSpPr>
-          <p:spPr>
-            <a:xfrm rot="5400000" flipH="1" flipV="1">
-              <a:off x="4256169" y="3272103"/>
-              <a:ext cx="12700" cy="2675491"/>
-            </a:xfrm>
-            <a:prstGeom prst="bentConnector3">
-              <a:avLst>
-                <a:gd name="adj1" fmla="val 1021606"/>
-              </a:avLst>
-            </a:prstGeom>
-            <a:ln w="38100">
-              <a:solidFill>
-                <a:schemeClr val="tx1">
-                  <a:lumMod val="50000"/>
-                  <a:lumOff val="50000"/>
-                </a:schemeClr>
-              </a:solidFill>
-              <a:prstDash val="solid"/>
-            </a:ln>
-          </p:spPr>
-          <p:style>
-            <a:lnRef idx="1">
-              <a:schemeClr val="accent1"/>
-            </a:lnRef>
-            <a:fillRef idx="0">
-              <a:schemeClr val="accent1"/>
-            </a:fillRef>
-            <a:effectRef idx="0">
-              <a:schemeClr val="accent1"/>
-            </a:effectRef>
-            <a:fontRef idx="minor">
-              <a:schemeClr val="tx1"/>
-            </a:fontRef>
-          </p:style>
-        </p:cxnSp>
-        <p:cxnSp>
-          <p:nvCxnSpPr>
-            <p:cNvPr id="185" name="Straight Connector 184">
-              <a:extLst>
-                <a:ext uri="{FF2B5EF4-FFF2-40B4-BE49-F238E27FC236}">
-                  <a16:creationId xmlns="" xmlns:a16="http://schemas.microsoft.com/office/drawing/2014/main" id="{37948DDE-76E7-41E4-91D1-EFDEF58A716B}"/>
-                </a:ext>
-              </a:extLst>
-            </p:cNvPr>
-            <p:cNvCxnSpPr>
-              <a:stCxn id="24" idx="1"/>
-            </p:cNvCxnSpPr>
-            <p:nvPr/>
-          </p:nvCxnSpPr>
-          <p:spPr>
-            <a:xfrm flipV="1">
-              <a:off x="4253708" y="4497859"/>
-              <a:ext cx="0" cy="111989"/>
-            </a:xfrm>
-            <a:prstGeom prst="line">
-              <a:avLst/>
-            </a:prstGeom>
-            <a:ln w="38100">
-              <a:solidFill>
-                <a:schemeClr val="tx1">
-                  <a:lumMod val="50000"/>
-                  <a:lumOff val="50000"/>
-                </a:schemeClr>
-              </a:solidFill>
-              <a:prstDash val="solid"/>
-            </a:ln>
-          </p:spPr>
-          <p:style>
-            <a:lnRef idx="1">
-              <a:schemeClr val="accent1"/>
-            </a:lnRef>
-            <a:fillRef idx="0">
-              <a:schemeClr val="accent1"/>
-            </a:fillRef>
-            <a:effectRef idx="0">
-              <a:schemeClr val="accent1"/>
-            </a:effectRef>
-            <a:fontRef idx="minor">
-              <a:schemeClr val="tx1"/>
-            </a:fontRef>
-          </p:style>
-        </p:cxnSp>
-        <p:cxnSp>
-          <p:nvCxnSpPr>
-            <p:cNvPr id="187" name="Connector: Elbow 186">
-              <a:extLst>
-                <a:ext uri="{FF2B5EF4-FFF2-40B4-BE49-F238E27FC236}">
-                  <a16:creationId xmlns="" xmlns:a16="http://schemas.microsoft.com/office/drawing/2014/main" id="{B6FF2B51-A2A3-4EA9-A2D5-D4ACC13CFFD6}"/>
-                </a:ext>
-              </a:extLst>
-            </p:cNvPr>
-            <p:cNvCxnSpPr>
-              <a:cxnSpLocks/>
-              <a:endCxn id="89" idx="0"/>
-            </p:cNvCxnSpPr>
-            <p:nvPr/>
-          </p:nvCxnSpPr>
-          <p:spPr>
-            <a:xfrm rot="10800000">
-              <a:off x="2140242" y="3702762"/>
-              <a:ext cx="795310" cy="782742"/>
-            </a:xfrm>
-            <a:prstGeom prst="bentConnector3">
-              <a:avLst>
-                <a:gd name="adj1" fmla="val 128744"/>
-              </a:avLst>
-            </a:prstGeom>
-            <a:ln w="38100">
-              <a:solidFill>
-                <a:schemeClr val="tx1">
-                  <a:lumMod val="50000"/>
-                  <a:lumOff val="50000"/>
-                </a:schemeClr>
-              </a:solidFill>
-              <a:prstDash val="solid"/>
-              <a:tailEnd type="triangle"/>
-            </a:ln>
-          </p:spPr>
-          <p:style>
-            <a:lnRef idx="1">
-              <a:schemeClr val="accent1"/>
-            </a:lnRef>
-            <a:fillRef idx="0">
-              <a:schemeClr val="accent1"/>
-            </a:fillRef>
-            <a:effectRef idx="0">
-              <a:schemeClr val="accent1"/>
-            </a:effectRef>
-            <a:fontRef idx="minor">
-              <a:schemeClr val="tx1"/>
-            </a:fontRef>
-          </p:style>
-        </p:cxnSp>
-        <p:cxnSp>
-          <p:nvCxnSpPr>
-            <p:cNvPr id="190" name="Straight Arrow Connector 189">
-              <a:extLst>
-                <a:ext uri="{FF2B5EF4-FFF2-40B4-BE49-F238E27FC236}">
-                  <a16:creationId xmlns="" xmlns:a16="http://schemas.microsoft.com/office/drawing/2014/main" id="{086E3DD2-536D-4045-BE7E-F7032A90159D}"/>
-                </a:ext>
-              </a:extLst>
-            </p:cNvPr>
-            <p:cNvCxnSpPr>
-              <a:stCxn id="99" idx="3"/>
-              <a:endCxn id="96" idx="1"/>
-            </p:cNvCxnSpPr>
-            <p:nvPr/>
-          </p:nvCxnSpPr>
-          <p:spPr>
-            <a:xfrm flipV="1">
-              <a:off x="5505505" y="3649858"/>
-              <a:ext cx="238105" cy="1402"/>
-            </a:xfrm>
-            <a:prstGeom prst="straightConnector1">
-              <a:avLst/>
-            </a:prstGeom>
-            <a:ln w="38100">
-              <a:solidFill>
-                <a:schemeClr val="tx1">
-                  <a:lumMod val="50000"/>
-                  <a:lumOff val="50000"/>
-                </a:schemeClr>
-              </a:solidFill>
-              <a:prstDash val="solid"/>
-              <a:tailEnd type="triangle"/>
-            </a:ln>
-          </p:spPr>
-          <p:style>
-            <a:lnRef idx="1">
-              <a:schemeClr val="accent1"/>
-            </a:lnRef>
-            <a:fillRef idx="0">
-              <a:schemeClr val="accent1"/>
-            </a:fillRef>
-            <a:effectRef idx="0">
-              <a:schemeClr val="accent1"/>
-            </a:effectRef>
-            <a:fontRef idx="minor">
-              <a:schemeClr val="tx1"/>
-            </a:fontRef>
-          </p:style>
-        </p:cxnSp>
-        <p:cxnSp>
-          <p:nvCxnSpPr>
-            <p:cNvPr id="192" name="Straight Arrow Connector 191">
-              <a:extLst>
-                <a:ext uri="{FF2B5EF4-FFF2-40B4-BE49-F238E27FC236}">
-                  <a16:creationId xmlns="" xmlns:a16="http://schemas.microsoft.com/office/drawing/2014/main" id="{5AF44D83-0CBE-44DB-BEF1-E873682FFEDD}"/>
-                </a:ext>
-              </a:extLst>
-            </p:cNvPr>
-            <p:cNvCxnSpPr>
-              <a:stCxn id="95" idx="1"/>
-              <a:endCxn id="96" idx="3"/>
-            </p:cNvCxnSpPr>
-            <p:nvPr/>
-          </p:nvCxnSpPr>
-          <p:spPr>
-            <a:xfrm flipH="1">
-              <a:off x="6583869" y="3649858"/>
-              <a:ext cx="324466" cy="0"/>
-            </a:xfrm>
-            <a:prstGeom prst="straightConnector1">
-              <a:avLst/>
-            </a:prstGeom>
-            <a:ln w="38100">
-              <a:solidFill>
-                <a:schemeClr val="tx1">
-                  <a:lumMod val="50000"/>
-                  <a:lumOff val="50000"/>
-                </a:schemeClr>
-              </a:solidFill>
-              <a:prstDash val="solid"/>
-              <a:tailEnd type="triangle"/>
-            </a:ln>
-          </p:spPr>
-          <p:style>
-            <a:lnRef idx="1">
-              <a:schemeClr val="accent1"/>
-            </a:lnRef>
-            <a:fillRef idx="0">
-              <a:schemeClr val="accent1"/>
-            </a:fillRef>
-            <a:effectRef idx="0">
-              <a:schemeClr val="accent1"/>
-            </a:effectRef>
-            <a:fontRef idx="minor">
-              <a:schemeClr val="tx1"/>
-            </a:fontRef>
-          </p:style>
-        </p:cxnSp>
-        <p:cxnSp>
-          <p:nvCxnSpPr>
-            <p:cNvPr id="194" name="Connector: Elbow 193">
-              <a:extLst>
-                <a:ext uri="{FF2B5EF4-FFF2-40B4-BE49-F238E27FC236}">
-                  <a16:creationId xmlns="" xmlns:a16="http://schemas.microsoft.com/office/drawing/2014/main" id="{4204F9D8-63EF-4F2A-92F6-1DC7A22F4765}"/>
-                </a:ext>
-              </a:extLst>
-            </p:cNvPr>
-            <p:cNvCxnSpPr>
-              <a:stCxn id="72" idx="1"/>
-              <a:endCxn id="95" idx="2"/>
-            </p:cNvCxnSpPr>
-            <p:nvPr/>
-          </p:nvCxnSpPr>
-          <p:spPr>
-            <a:xfrm rot="5400000" flipH="1" flipV="1">
-              <a:off x="6860535" y="4141407"/>
-              <a:ext cx="541517" cy="394343"/>
-            </a:xfrm>
-            <a:prstGeom prst="bentConnector3">
-              <a:avLst/>
-            </a:prstGeom>
-            <a:ln w="38100">
-              <a:solidFill>
-                <a:schemeClr val="tx1">
-                  <a:lumMod val="50000"/>
-                  <a:lumOff val="50000"/>
-                </a:schemeClr>
-              </a:solidFill>
-              <a:prstDash val="solid"/>
-              <a:tailEnd type="triangle"/>
-            </a:ln>
-          </p:spPr>
-          <p:style>
-            <a:lnRef idx="1">
-              <a:schemeClr val="accent1"/>
-            </a:lnRef>
-            <a:fillRef idx="0">
-              <a:schemeClr val="accent1"/>
-            </a:fillRef>
-            <a:effectRef idx="0">
-              <a:schemeClr val="accent1"/>
-            </a:effectRef>
-            <a:fontRef idx="minor">
-              <a:schemeClr val="tx1"/>
-            </a:fontRef>
-          </p:style>
-        </p:cxnSp>
-        <p:cxnSp>
-          <p:nvCxnSpPr>
-            <p:cNvPr id="198" name="Connector: Elbow 197">
-              <a:extLst>
-                <a:ext uri="{FF2B5EF4-FFF2-40B4-BE49-F238E27FC236}">
-                  <a16:creationId xmlns="" xmlns:a16="http://schemas.microsoft.com/office/drawing/2014/main" id="{BC056830-3DF0-4A7B-BA31-BB8BB4AF8058}"/>
-                </a:ext>
-              </a:extLst>
-            </p:cNvPr>
-            <p:cNvCxnSpPr>
-              <a:stCxn id="26" idx="1"/>
-              <a:endCxn id="97" idx="2"/>
-            </p:cNvCxnSpPr>
-            <p:nvPr/>
-          </p:nvCxnSpPr>
-          <p:spPr>
-            <a:xfrm rot="5400000" flipH="1" flipV="1">
-              <a:off x="8127771" y="4227329"/>
-              <a:ext cx="540036" cy="242953"/>
-            </a:xfrm>
-            <a:prstGeom prst="bentConnector3">
-              <a:avLst/>
-            </a:prstGeom>
-            <a:ln w="38100">
-              <a:solidFill>
-                <a:schemeClr val="tx1">
-                  <a:lumMod val="50000"/>
-                  <a:lumOff val="50000"/>
-                </a:schemeClr>
-              </a:solidFill>
-              <a:prstDash val="solid"/>
-              <a:tailEnd type="triangle"/>
-            </a:ln>
-          </p:spPr>
-          <p:style>
-            <a:lnRef idx="1">
-              <a:schemeClr val="accent1"/>
-            </a:lnRef>
-            <a:fillRef idx="0">
-              <a:schemeClr val="accent1"/>
-            </a:fillRef>
-            <a:effectRef idx="0">
-              <a:schemeClr val="accent1"/>
-            </a:effectRef>
-            <a:fontRef idx="minor">
-              <a:schemeClr val="tx1"/>
-            </a:fontRef>
-          </p:style>
-        </p:cxnSp>
-        <p:cxnSp>
-          <p:nvCxnSpPr>
-            <p:cNvPr id="200" name="Connector: Elbow 199">
-              <a:extLst>
-                <a:ext uri="{FF2B5EF4-FFF2-40B4-BE49-F238E27FC236}">
-                  <a16:creationId xmlns="" xmlns:a16="http://schemas.microsoft.com/office/drawing/2014/main" id="{1BCBCB4B-F234-4332-91FE-124FAEE8296D}"/>
-                </a:ext>
-              </a:extLst>
-            </p:cNvPr>
-            <p:cNvCxnSpPr>
-              <a:stCxn id="96" idx="0"/>
-              <a:endCxn id="30" idx="1"/>
-            </p:cNvCxnSpPr>
-            <p:nvPr/>
-          </p:nvCxnSpPr>
-          <p:spPr>
-            <a:xfrm rot="16200000" flipV="1">
-              <a:off x="3667730" y="735885"/>
-              <a:ext cx="848536" cy="4143485"/>
-            </a:xfrm>
-            <a:prstGeom prst="bentConnector4">
-              <a:avLst>
-                <a:gd name="adj1" fmla="val 28186"/>
-                <a:gd name="adj2" fmla="val 103775"/>
-              </a:avLst>
-            </a:prstGeom>
-            <a:ln w="38100">
-              <a:solidFill>
-                <a:schemeClr val="tx1">
-                  <a:lumMod val="50000"/>
-                  <a:lumOff val="50000"/>
-                </a:schemeClr>
-              </a:solidFill>
-              <a:prstDash val="solid"/>
-              <a:tailEnd type="triangle"/>
-            </a:ln>
-          </p:spPr>
-          <p:style>
-            <a:lnRef idx="1">
-              <a:schemeClr val="accent1"/>
-            </a:lnRef>
-            <a:fillRef idx="0">
-              <a:schemeClr val="accent1"/>
-            </a:fillRef>
-            <a:effectRef idx="0">
-              <a:schemeClr val="accent1"/>
-            </a:effectRef>
-            <a:fontRef idx="minor">
-              <a:schemeClr val="tx1"/>
-            </a:fontRef>
-          </p:style>
-        </p:cxnSp>
-        <p:cxnSp>
-          <p:nvCxnSpPr>
-            <p:cNvPr id="204" name="Connector: Elbow 203">
-              <a:extLst>
-                <a:ext uri="{FF2B5EF4-FFF2-40B4-BE49-F238E27FC236}">
-                  <a16:creationId xmlns="" xmlns:a16="http://schemas.microsoft.com/office/drawing/2014/main" id="{42D26538-B923-43DF-992D-F4BC72EF792A}"/>
-                </a:ext>
-              </a:extLst>
-            </p:cNvPr>
-            <p:cNvCxnSpPr>
-              <a:stCxn id="97" idx="0"/>
-              <a:endCxn id="30" idx="2"/>
-            </p:cNvCxnSpPr>
-            <p:nvPr/>
-          </p:nvCxnSpPr>
-          <p:spPr>
-            <a:xfrm rot="16200000" flipV="1">
-              <a:off x="5267634" y="-8768"/>
-              <a:ext cx="585576" cy="5917688"/>
-            </a:xfrm>
-            <a:prstGeom prst="bentConnector3">
-              <a:avLst>
-                <a:gd name="adj1" fmla="val 64383"/>
-              </a:avLst>
-            </a:prstGeom>
-            <a:ln w="38100">
-              <a:solidFill>
-                <a:schemeClr val="tx1">
-                  <a:lumMod val="50000"/>
-                  <a:lumOff val="50000"/>
-                </a:schemeClr>
-              </a:solidFill>
-              <a:prstDash val="solid"/>
-              <a:tailEnd type="triangle"/>
-            </a:ln>
-          </p:spPr>
-          <p:style>
-            <a:lnRef idx="1">
-              <a:schemeClr val="accent1"/>
-            </a:lnRef>
-            <a:fillRef idx="0">
-              <a:schemeClr val="accent1"/>
-            </a:fillRef>
-            <a:effectRef idx="0">
-              <a:schemeClr val="accent1"/>
-            </a:effectRef>
-            <a:fontRef idx="minor">
-              <a:schemeClr val="tx1"/>
-            </a:fontRef>
-          </p:style>
-        </p:cxnSp>
-        <p:cxnSp>
-          <p:nvCxnSpPr>
-            <p:cNvPr id="212" name="Connector: Elbow 211">
-              <a:extLst>
-                <a:ext uri="{FF2B5EF4-FFF2-40B4-BE49-F238E27FC236}">
-                  <a16:creationId xmlns="" xmlns:a16="http://schemas.microsoft.com/office/drawing/2014/main" id="{E84E33C2-EC1A-42ED-BE07-A987BDBAD351}"/>
-                </a:ext>
-              </a:extLst>
-            </p:cNvPr>
-            <p:cNvCxnSpPr>
-              <a:stCxn id="33" idx="3"/>
-            </p:cNvCxnSpPr>
+            <p:cNvCxnSpPr/>
             <p:nvPr/>
           </p:nvCxnSpPr>
           <p:spPr>
             <a:xfrm>
-              <a:off x="3182947" y="1254540"/>
+              <a:off x="3240716" y="2221216"/>
               <a:ext cx="208331" cy="12681"/>
             </a:xfrm>
             <a:prstGeom prst="bentConnector3">
@@ -6761,119 +7135,19 @@
         </p:cxnSp>
         <p:cxnSp>
           <p:nvCxnSpPr>
-            <p:cNvPr id="216" name="Connector: Elbow 215">
+            <p:cNvPr id="133" name="Straight Arrow Connector 132">
               <a:extLst>
                 <a:ext uri="{FF2B5EF4-FFF2-40B4-BE49-F238E27FC236}">
-                  <a16:creationId xmlns="" xmlns:a16="http://schemas.microsoft.com/office/drawing/2014/main" id="{6F93F258-EFD0-406A-8783-309F5554308B}"/>
+                  <a16:creationId xmlns:a16="http://schemas.microsoft.com/office/drawing/2014/main" xmlns="" id="{2F369032-0D86-4191-93D1-D158403107ED}"/>
                 </a:ext>
               </a:extLst>
             </p:cNvPr>
-            <p:cNvCxnSpPr>
-              <a:stCxn id="111" idx="3"/>
-              <a:endCxn id="34" idx="3"/>
-            </p:cNvCxnSpPr>
-            <p:nvPr/>
-          </p:nvCxnSpPr>
-          <p:spPr>
-            <a:xfrm flipH="1">
-              <a:off x="4757266" y="1486715"/>
-              <a:ext cx="481" cy="835413"/>
-            </a:xfrm>
-            <a:prstGeom prst="bentConnector3">
-              <a:avLst>
-                <a:gd name="adj1" fmla="val -16765910"/>
-              </a:avLst>
-            </a:prstGeom>
-            <a:ln w="38100">
-              <a:solidFill>
-                <a:schemeClr val="tx1">
-                  <a:lumMod val="50000"/>
-                  <a:lumOff val="50000"/>
-                </a:schemeClr>
-              </a:solidFill>
-              <a:prstDash val="solid"/>
-            </a:ln>
-          </p:spPr>
-          <p:style>
-            <a:lnRef idx="1">
-              <a:schemeClr val="accent1"/>
-            </a:lnRef>
-            <a:fillRef idx="0">
-              <a:schemeClr val="accent1"/>
-            </a:fillRef>
-            <a:effectRef idx="0">
-              <a:schemeClr val="accent1"/>
-            </a:effectRef>
-            <a:fontRef idx="minor">
-              <a:schemeClr val="tx1"/>
-            </a:fontRef>
-          </p:style>
-        </p:cxnSp>
-        <p:cxnSp>
-          <p:nvCxnSpPr>
-            <p:cNvPr id="218" name="Straight Arrow Connector 217">
-              <a:extLst>
-                <a:ext uri="{FF2B5EF4-FFF2-40B4-BE49-F238E27FC236}">
-                  <a16:creationId xmlns="" xmlns:a16="http://schemas.microsoft.com/office/drawing/2014/main" id="{FF7438F3-A525-4FF0-AA84-7ABFFDE51868}"/>
-                </a:ext>
-              </a:extLst>
-            </p:cNvPr>
-            <p:cNvCxnSpPr>
-              <a:cxnSpLocks/>
-            </p:cNvCxnSpPr>
+            <p:cNvCxnSpPr/>
             <p:nvPr/>
           </p:nvCxnSpPr>
           <p:spPr>
             <a:xfrm>
-              <a:off x="4834476" y="1900776"/>
-              <a:ext cx="315235" cy="6179"/>
-            </a:xfrm>
-            <a:prstGeom prst="straightConnector1">
-              <a:avLst/>
-            </a:prstGeom>
-            <a:ln w="38100">
-              <a:solidFill>
-                <a:schemeClr val="tx1">
-                  <a:lumMod val="50000"/>
-                  <a:lumOff val="50000"/>
-                </a:schemeClr>
-              </a:solidFill>
-              <a:prstDash val="solid"/>
-              <a:tailEnd type="triangle"/>
-            </a:ln>
-          </p:spPr>
-          <p:style>
-            <a:lnRef idx="1">
-              <a:schemeClr val="accent1"/>
-            </a:lnRef>
-            <a:fillRef idx="0">
-              <a:schemeClr val="accent1"/>
-            </a:fillRef>
-            <a:effectRef idx="0">
-              <a:schemeClr val="accent1"/>
-            </a:effectRef>
-            <a:fontRef idx="minor">
-              <a:schemeClr val="tx1"/>
-            </a:fontRef>
-          </p:style>
-        </p:cxnSp>
-        <p:cxnSp>
-          <p:nvCxnSpPr>
-            <p:cNvPr id="222" name="Straight Arrow Connector 221">
-              <a:extLst>
-                <a:ext uri="{FF2B5EF4-FFF2-40B4-BE49-F238E27FC236}">
-                  <a16:creationId xmlns="" xmlns:a16="http://schemas.microsoft.com/office/drawing/2014/main" id="{2F369032-0D86-4191-93D1-D158403107ED}"/>
-                </a:ext>
-              </a:extLst>
-            </p:cNvPr>
-            <p:cNvCxnSpPr>
-              <a:stCxn id="38" idx="3"/>
-            </p:cNvCxnSpPr>
-            <p:nvPr/>
-          </p:nvCxnSpPr>
-          <p:spPr>
-            <a:xfrm>
-              <a:off x="5795983" y="2380143"/>
+              <a:off x="5853752" y="1445763"/>
               <a:ext cx="125605" cy="4755"/>
             </a:xfrm>
             <a:prstGeom prst="straightConnector1">
@@ -6905,236 +7179,11 @@
             </a:fontRef>
           </p:style>
         </p:cxnSp>
-        <p:cxnSp>
-          <p:nvCxnSpPr>
-            <p:cNvPr id="226" name="Connector: Elbow 225">
-              <a:extLst>
-                <a:ext uri="{FF2B5EF4-FFF2-40B4-BE49-F238E27FC236}">
-                  <a16:creationId xmlns="" xmlns:a16="http://schemas.microsoft.com/office/drawing/2014/main" id="{DE8F8C44-42CE-4DA3-8AD7-D4EC3B4A10BB}"/>
-                </a:ext>
-              </a:extLst>
-            </p:cNvPr>
-            <p:cNvCxnSpPr>
-              <a:stCxn id="129" idx="3"/>
-              <a:endCxn id="39" idx="0"/>
-            </p:cNvCxnSpPr>
-            <p:nvPr/>
-          </p:nvCxnSpPr>
-          <p:spPr>
-            <a:xfrm flipH="1">
-              <a:off x="6869580" y="1645907"/>
-              <a:ext cx="116286" cy="765450"/>
-            </a:xfrm>
-            <a:prstGeom prst="bentConnector3">
-              <a:avLst>
-                <a:gd name="adj1" fmla="val -51733"/>
-              </a:avLst>
-            </a:prstGeom>
-            <a:ln w="38100">
-              <a:solidFill>
-                <a:schemeClr val="tx1">
-                  <a:lumMod val="50000"/>
-                  <a:lumOff val="50000"/>
-                </a:schemeClr>
-              </a:solidFill>
-              <a:prstDash val="solid"/>
-              <a:tailEnd type="triangle"/>
-            </a:ln>
-          </p:spPr>
-          <p:style>
-            <a:lnRef idx="1">
-              <a:schemeClr val="accent1"/>
-            </a:lnRef>
-            <a:fillRef idx="0">
-              <a:schemeClr val="accent1"/>
-            </a:fillRef>
-            <a:effectRef idx="0">
-              <a:schemeClr val="accent1"/>
-            </a:effectRef>
-            <a:fontRef idx="minor">
-              <a:schemeClr val="tx1"/>
-            </a:fontRef>
-          </p:style>
-        </p:cxnSp>
-        <p:cxnSp>
-          <p:nvCxnSpPr>
-            <p:cNvPr id="229" name="Straight Arrow Connector 228">
-              <a:extLst>
-                <a:ext uri="{FF2B5EF4-FFF2-40B4-BE49-F238E27FC236}">
-                  <a16:creationId xmlns="" xmlns:a16="http://schemas.microsoft.com/office/drawing/2014/main" id="{E633DC16-02C2-463E-A687-72FAC7F59255}"/>
-                </a:ext>
-              </a:extLst>
-            </p:cNvPr>
-            <p:cNvCxnSpPr/>
-            <p:nvPr/>
-          </p:nvCxnSpPr>
-          <p:spPr>
-            <a:xfrm flipV="1">
-              <a:off x="8053515" y="1808014"/>
-              <a:ext cx="272028" cy="7145"/>
-            </a:xfrm>
-            <a:prstGeom prst="straightConnector1">
-              <a:avLst/>
-            </a:prstGeom>
-            <a:ln w="38100">
-              <a:solidFill>
-                <a:schemeClr val="tx1">
-                  <a:lumMod val="50000"/>
-                  <a:lumOff val="50000"/>
-                </a:schemeClr>
-              </a:solidFill>
-              <a:prstDash val="solid"/>
-              <a:tailEnd type="triangle"/>
-            </a:ln>
-          </p:spPr>
-          <p:style>
-            <a:lnRef idx="1">
-              <a:schemeClr val="accent1"/>
-            </a:lnRef>
-            <a:fillRef idx="0">
-              <a:schemeClr val="accent1"/>
-            </a:fillRef>
-            <a:effectRef idx="0">
-              <a:schemeClr val="accent1"/>
-            </a:effectRef>
-            <a:fontRef idx="minor">
-              <a:schemeClr val="tx1"/>
-            </a:fontRef>
-          </p:style>
-        </p:cxnSp>
-        <p:sp>
-          <p:nvSpPr>
-            <p:cNvPr id="232" name="Rectangle 231">
-              <a:extLst>
-                <a:ext uri="{FF2B5EF4-FFF2-40B4-BE49-F238E27FC236}">
-                  <a16:creationId xmlns="" xmlns:a16="http://schemas.microsoft.com/office/drawing/2014/main" id="{6AA1B245-0FC8-4C76-891E-C3949A0CA45B}"/>
-                </a:ext>
-              </a:extLst>
-            </p:cNvPr>
-            <p:cNvSpPr/>
-            <p:nvPr/>
-          </p:nvSpPr>
-          <p:spPr>
-            <a:xfrm>
-              <a:off x="8162977" y="464426"/>
-              <a:ext cx="1123440" cy="297962"/>
-            </a:xfrm>
-            <a:prstGeom prst="rect">
-              <a:avLst/>
-            </a:prstGeom>
-          </p:spPr>
-          <p:txBody>
-            <a:bodyPr wrap="none" lIns="36000" tIns="36000" rIns="36000" bIns="36000" anchor="ctr" anchorCtr="0">
-              <a:spAutoFit/>
-            </a:bodyPr>
-            <a:lstStyle/>
-            <a:p>
-              <a:r>
-                <a:rPr lang="en-IN" sz="1400" b="1" dirty="0"/>
-                <a:t>Interpretation</a:t>
-              </a:r>
-            </a:p>
-          </p:txBody>
-        </p:sp>
       </p:grpSp>
-      <p:cxnSp>
-        <p:nvCxnSpPr>
-          <p:cNvPr id="132" name="Connector: Elbow 211">
-            <a:extLst>
-              <a:ext uri="{FF2B5EF4-FFF2-40B4-BE49-F238E27FC236}">
-                <a16:creationId xmlns="" xmlns:a16="http://schemas.microsoft.com/office/drawing/2014/main" id="{E84E33C2-EC1A-42ED-BE07-A987BDBAD351}"/>
-              </a:ext>
-            </a:extLst>
-          </p:cNvPr>
-          <p:cNvCxnSpPr/>
-          <p:nvPr/>
-        </p:nvCxnSpPr>
-        <p:spPr>
-          <a:xfrm>
-            <a:off x="3240716" y="2221216"/>
-            <a:ext cx="208331" cy="12681"/>
-          </a:xfrm>
-          <a:prstGeom prst="bentConnector3">
-            <a:avLst>
-              <a:gd name="adj1" fmla="val 50000"/>
-            </a:avLst>
-          </a:prstGeom>
-          <a:ln w="38100">
-            <a:solidFill>
-              <a:schemeClr val="tx1">
-                <a:lumMod val="50000"/>
-                <a:lumOff val="50000"/>
-              </a:schemeClr>
-            </a:solidFill>
-            <a:prstDash val="solid"/>
-            <a:tailEnd type="triangle"/>
-          </a:ln>
-        </p:spPr>
-        <p:style>
-          <a:lnRef idx="1">
-            <a:schemeClr val="accent1"/>
-          </a:lnRef>
-          <a:fillRef idx="0">
-            <a:schemeClr val="accent1"/>
-          </a:fillRef>
-          <a:effectRef idx="0">
-            <a:schemeClr val="accent1"/>
-          </a:effectRef>
-          <a:fontRef idx="minor">
-            <a:schemeClr val="tx1"/>
-          </a:fontRef>
-        </p:style>
-      </p:cxnSp>
-      <p:cxnSp>
-        <p:nvCxnSpPr>
-          <p:cNvPr id="133" name="Straight Arrow Connector 132">
-            <a:extLst>
-              <a:ext uri="{FF2B5EF4-FFF2-40B4-BE49-F238E27FC236}">
-                <a16:creationId xmlns="" xmlns:a16="http://schemas.microsoft.com/office/drawing/2014/main" id="{2F369032-0D86-4191-93D1-D158403107ED}"/>
-              </a:ext>
-            </a:extLst>
-          </p:cNvPr>
-          <p:cNvCxnSpPr/>
-          <p:nvPr/>
-        </p:nvCxnSpPr>
-        <p:spPr>
-          <a:xfrm>
-            <a:off x="5853752" y="1445763"/>
-            <a:ext cx="125605" cy="4755"/>
-          </a:xfrm>
-          <a:prstGeom prst="straightConnector1">
-            <a:avLst/>
-          </a:prstGeom>
-          <a:ln w="38100">
-            <a:solidFill>
-              <a:schemeClr val="tx1">
-                <a:lumMod val="50000"/>
-                <a:lumOff val="50000"/>
-              </a:schemeClr>
-            </a:solidFill>
-            <a:prstDash val="solid"/>
-            <a:tailEnd type="triangle"/>
-          </a:ln>
-        </p:spPr>
-        <p:style>
-          <a:lnRef idx="1">
-            <a:schemeClr val="accent1"/>
-          </a:lnRef>
-          <a:fillRef idx="0">
-            <a:schemeClr val="accent1"/>
-          </a:fillRef>
-          <a:effectRef idx="0">
-            <a:schemeClr val="accent1"/>
-          </a:effectRef>
-          <a:fontRef idx="minor">
-            <a:schemeClr val="tx1"/>
-          </a:fontRef>
-        </p:style>
-      </p:cxnSp>
     </p:spTree>
     <p:extLst>
       <p:ext uri="{BB962C8B-B14F-4D97-AF65-F5344CB8AC3E}">
-        <p14:creationId xmlns="" xmlns:p14="http://schemas.microsoft.com/office/powerpoint/2010/main" val="948315725"/>
+        <p14:creationId xmlns:p14="http://schemas.microsoft.com/office/powerpoint/2010/main" xmlns="" val="948315725"/>
       </p:ext>
     </p:extLst>
   </p:cSld>
@@ -7433,7 +7482,7 @@
   <a:extraClrSchemeLst/>
   <a:extLst>
     <a:ext uri="{05A4C25C-085E-4340-85A3-A5531E510DB2}">
-      <thm15:themeFamily xmlns="" xmlns:thm15="http://schemas.microsoft.com/office/thememl/2012/main" name="Office Theme" id="{62F939B6-93AF-4DB8-9C6B-D6C7DFDC589F}" vid="{4A3C46E8-61CC-4603-A589-7422A47A8E4A}"/>
+      <thm15:themeFamily xmlns:thm15="http://schemas.microsoft.com/office/thememl/2012/main" xmlns="" name="Office Theme" id="{62F939B6-93AF-4DB8-9C6B-D6C7DFDC589F}" vid="{4A3C46E8-61CC-4603-A589-7422A47A8E4A}"/>
     </a:ext>
   </a:extLst>
 </a:theme>
